--- a/src/main/resources/Git_Slide.pptx
+++ b/src/main/resources/Git_Slide.pptx
@@ -5,32 +5,39 @@
     <p:sldMasterId id="2147483648" r:id="rId1"/>
   </p:sldMasterIdLst>
   <p:notesMasterIdLst>
-    <p:notesMasterId r:id="rId25"/>
+    <p:notesMasterId r:id="rId32"/>
   </p:notesMasterIdLst>
   <p:sldIdLst>
     <p:sldId id="256" r:id="rId2"/>
     <p:sldId id="257" r:id="rId3"/>
     <p:sldId id="258" r:id="rId4"/>
     <p:sldId id="259" r:id="rId5"/>
-    <p:sldId id="260" r:id="rId6"/>
-    <p:sldId id="278" r:id="rId7"/>
+    <p:sldId id="278" r:id="rId6"/>
+    <p:sldId id="260" r:id="rId7"/>
     <p:sldId id="270" r:id="rId8"/>
-    <p:sldId id="271" r:id="rId9"/>
-    <p:sldId id="261" r:id="rId10"/>
-    <p:sldId id="274" r:id="rId11"/>
+    <p:sldId id="279" r:id="rId9"/>
+    <p:sldId id="271" r:id="rId10"/>
+    <p:sldId id="261" r:id="rId11"/>
     <p:sldId id="273" r:id="rId12"/>
-    <p:sldId id="272" r:id="rId13"/>
-    <p:sldId id="262" r:id="rId14"/>
-    <p:sldId id="277" r:id="rId15"/>
-    <p:sldId id="263" r:id="rId16"/>
-    <p:sldId id="264" r:id="rId17"/>
-    <p:sldId id="265" r:id="rId18"/>
-    <p:sldId id="275" r:id="rId19"/>
-    <p:sldId id="266" r:id="rId20"/>
-    <p:sldId id="276" r:id="rId21"/>
-    <p:sldId id="267" r:id="rId22"/>
-    <p:sldId id="268" r:id="rId23"/>
-    <p:sldId id="269" r:id="rId24"/>
+    <p:sldId id="274" r:id="rId13"/>
+    <p:sldId id="280" r:id="rId14"/>
+    <p:sldId id="272" r:id="rId15"/>
+    <p:sldId id="281" r:id="rId16"/>
+    <p:sldId id="262" r:id="rId17"/>
+    <p:sldId id="277" r:id="rId18"/>
+    <p:sldId id="263" r:id="rId19"/>
+    <p:sldId id="264" r:id="rId20"/>
+    <p:sldId id="265" r:id="rId21"/>
+    <p:sldId id="266" r:id="rId22"/>
+    <p:sldId id="284" r:id="rId23"/>
+    <p:sldId id="285" r:id="rId24"/>
+    <p:sldId id="282" r:id="rId25"/>
+    <p:sldId id="283" r:id="rId26"/>
+    <p:sldId id="276" r:id="rId27"/>
+    <p:sldId id="275" r:id="rId28"/>
+    <p:sldId id="267" r:id="rId29"/>
+    <p:sldId id="268" r:id="rId30"/>
+    <p:sldId id="269" r:id="rId31"/>
   </p:sldIdLst>
   <p:sldSz cx="9144000" cy="6858000" type="screen4x3"/>
   <p:notesSz cx="6858000" cy="9144000"/>
@@ -632,7 +639,7 @@
           <a:p>
             <a:fld id="{3B9FEFB4-9E6B-4F44-8AD6-9CD7BFE90E51}" type="slidenum">
               <a:rPr lang="vi-VN" smtClean="0"/>
-              <a:t>17</a:t>
+              <a:t>20</a:t>
             </a:fld>
             <a:endParaRPr lang="vi-VN"/>
           </a:p>
@@ -758,7 +765,7 @@
           <a:p>
             <a:fld id="{3B9FEFB4-9E6B-4F44-8AD6-9CD7BFE90E51}" type="slidenum">
               <a:rPr lang="vi-VN" smtClean="0"/>
-              <a:t>19</a:t>
+              <a:t>21</a:t>
             </a:fld>
             <a:endParaRPr lang="vi-VN"/>
           </a:p>
@@ -768,6 +775,606 @@
     <p:extLst>
       <p:ext uri="{BB962C8B-B14F-4D97-AF65-F5344CB8AC3E}">
         <p14:creationId xmlns:p14="http://schemas.microsoft.com/office/powerpoint/2010/main" val="2863853825"/>
+      </p:ext>
+    </p:extLst>
+  </p:cSld>
+  <p:clrMapOvr>
+    <a:masterClrMapping/>
+  </p:clrMapOvr>
+</p:notes>
+</file>
+
+<file path=ppt/notesSlides/notesSlide3.xml><?xml version="1.0" encoding="utf-8"?>
+<p:notes xmlns:a="http://schemas.openxmlformats.org/drawingml/2006/main" xmlns:r="http://schemas.openxmlformats.org/officeDocument/2006/relationships" xmlns:p="http://schemas.openxmlformats.org/presentationml/2006/main">
+  <p:cSld>
+    <p:spTree>
+      <p:nvGrpSpPr>
+        <p:cNvPr id="1" name="">
+          <a:extLst>
+            <a:ext uri="{FF2B5EF4-FFF2-40B4-BE49-F238E27FC236}">
+              <a16:creationId xmlns:a16="http://schemas.microsoft.com/office/drawing/2014/main" id="{7EBADF41-8581-C114-3CED-F61634F9C7A1}"/>
+            </a:ext>
+          </a:extLst>
+        </p:cNvPr>
+        <p:cNvGrpSpPr/>
+        <p:nvPr/>
+      </p:nvGrpSpPr>
+      <p:grpSpPr>
+        <a:xfrm>
+          <a:off x="0" y="0"/>
+          <a:ext cx="0" cy="0"/>
+          <a:chOff x="0" y="0"/>
+          <a:chExt cx="0" cy="0"/>
+        </a:xfrm>
+      </p:grpSpPr>
+      <p:sp>
+        <p:nvSpPr>
+          <p:cNvPr id="2" name="Slide Image Placeholder 1">
+            <a:extLst>
+              <a:ext uri="{FF2B5EF4-FFF2-40B4-BE49-F238E27FC236}">
+                <a16:creationId xmlns:a16="http://schemas.microsoft.com/office/drawing/2014/main" id="{C0817D82-9ACC-0D83-2384-01B57205EF7E}"/>
+              </a:ext>
+            </a:extLst>
+          </p:cNvPr>
+          <p:cNvSpPr>
+            <a:spLocks noGrp="1" noRot="1" noChangeAspect="1"/>
+          </p:cNvSpPr>
+          <p:nvPr>
+            <p:ph type="sldImg"/>
+          </p:nvPr>
+        </p:nvSpPr>
+        <p:spPr/>
+      </p:sp>
+      <p:sp>
+        <p:nvSpPr>
+          <p:cNvPr id="3" name="Notes Placeholder 2">
+            <a:extLst>
+              <a:ext uri="{FF2B5EF4-FFF2-40B4-BE49-F238E27FC236}">
+                <a16:creationId xmlns:a16="http://schemas.microsoft.com/office/drawing/2014/main" id="{B7402189-26E2-4D10-73CF-8014EE2E3AB8}"/>
+              </a:ext>
+            </a:extLst>
+          </p:cNvPr>
+          <p:cNvSpPr>
+            <a:spLocks noGrp="1"/>
+          </p:cNvSpPr>
+          <p:nvPr>
+            <p:ph type="body" idx="1"/>
+          </p:nvPr>
+        </p:nvSpPr>
+        <p:spPr/>
+        <p:txBody>
+          <a:bodyPr/>
+          <a:lstStyle/>
+          <a:p>
+            <a:pPr>
+              <a:buNone/>
+            </a:pPr>
+            <a:r>
+              <a:rPr lang="en-US" b="1" dirty="0"/>
+              <a:t>When to Avoid Reset:</a:t>
+            </a:r>
+          </a:p>
+          <a:p>
+            <a:pPr>
+              <a:buFont typeface="Arial" panose="020B0604020202020204" pitchFamily="34" charset="0"/>
+              <a:buChar char="•"/>
+            </a:pPr>
+            <a:r>
+              <a:rPr lang="en-US" dirty="0"/>
+              <a:t>When working on </a:t>
+            </a:r>
+            <a:r>
+              <a:rPr lang="en-US" b="1" dirty="0"/>
+              <a:t>shared branches</a:t>
+            </a:r>
+            <a:endParaRPr lang="en-US" dirty="0"/>
+          </a:p>
+          <a:p>
+            <a:pPr>
+              <a:buFont typeface="Arial" panose="020B0604020202020204" pitchFamily="34" charset="0"/>
+              <a:buChar char="•"/>
+            </a:pPr>
+            <a:r>
+              <a:rPr lang="en-US" dirty="0"/>
+              <a:t>When changes are already </a:t>
+            </a:r>
+            <a:r>
+              <a:rPr lang="en-US" b="1" dirty="0"/>
+              <a:t>pushed</a:t>
+            </a:r>
+            <a:r>
+              <a:rPr lang="en-US" dirty="0"/>
+              <a:t> to remote</a:t>
+            </a:r>
+          </a:p>
+          <a:p>
+            <a:endParaRPr lang="vi-VN" dirty="0"/>
+          </a:p>
+        </p:txBody>
+      </p:sp>
+      <p:sp>
+        <p:nvSpPr>
+          <p:cNvPr id="4" name="Slide Number Placeholder 3">
+            <a:extLst>
+              <a:ext uri="{FF2B5EF4-FFF2-40B4-BE49-F238E27FC236}">
+                <a16:creationId xmlns:a16="http://schemas.microsoft.com/office/drawing/2014/main" id="{0106CBB4-484B-9192-61CE-D72AB8D50483}"/>
+              </a:ext>
+            </a:extLst>
+          </p:cNvPr>
+          <p:cNvSpPr>
+            <a:spLocks noGrp="1"/>
+          </p:cNvSpPr>
+          <p:nvPr>
+            <p:ph type="sldNum" sz="quarter" idx="5"/>
+          </p:nvPr>
+        </p:nvSpPr>
+        <p:spPr/>
+        <p:txBody>
+          <a:bodyPr/>
+          <a:lstStyle/>
+          <a:p>
+            <a:fld id="{3B9FEFB4-9E6B-4F44-8AD6-9CD7BFE90E51}" type="slidenum">
+              <a:rPr lang="vi-VN" smtClean="0"/>
+              <a:t>22</a:t>
+            </a:fld>
+            <a:endParaRPr lang="vi-VN"/>
+          </a:p>
+        </p:txBody>
+      </p:sp>
+    </p:spTree>
+    <p:extLst>
+      <p:ext uri="{BB962C8B-B14F-4D97-AF65-F5344CB8AC3E}">
+        <p14:creationId xmlns:p14="http://schemas.microsoft.com/office/powerpoint/2010/main" val="3564171756"/>
+      </p:ext>
+    </p:extLst>
+  </p:cSld>
+  <p:clrMapOvr>
+    <a:masterClrMapping/>
+  </p:clrMapOvr>
+</p:notes>
+</file>
+
+<file path=ppt/notesSlides/notesSlide4.xml><?xml version="1.0" encoding="utf-8"?>
+<p:notes xmlns:a="http://schemas.openxmlformats.org/drawingml/2006/main" xmlns:r="http://schemas.openxmlformats.org/officeDocument/2006/relationships" xmlns:p="http://schemas.openxmlformats.org/presentationml/2006/main">
+  <p:cSld>
+    <p:spTree>
+      <p:nvGrpSpPr>
+        <p:cNvPr id="1" name="">
+          <a:extLst>
+            <a:ext uri="{FF2B5EF4-FFF2-40B4-BE49-F238E27FC236}">
+              <a16:creationId xmlns:a16="http://schemas.microsoft.com/office/drawing/2014/main" id="{C06EA263-8EDA-2DDA-EC4A-FDD274B3C915}"/>
+            </a:ext>
+          </a:extLst>
+        </p:cNvPr>
+        <p:cNvGrpSpPr/>
+        <p:nvPr/>
+      </p:nvGrpSpPr>
+      <p:grpSpPr>
+        <a:xfrm>
+          <a:off x="0" y="0"/>
+          <a:ext cx="0" cy="0"/>
+          <a:chOff x="0" y="0"/>
+          <a:chExt cx="0" cy="0"/>
+        </a:xfrm>
+      </p:grpSpPr>
+      <p:sp>
+        <p:nvSpPr>
+          <p:cNvPr id="2" name="Slide Image Placeholder 1">
+            <a:extLst>
+              <a:ext uri="{FF2B5EF4-FFF2-40B4-BE49-F238E27FC236}">
+                <a16:creationId xmlns:a16="http://schemas.microsoft.com/office/drawing/2014/main" id="{073B6F41-2523-99AD-B9B4-F6856165BC59}"/>
+              </a:ext>
+            </a:extLst>
+          </p:cNvPr>
+          <p:cNvSpPr>
+            <a:spLocks noGrp="1" noRot="1" noChangeAspect="1"/>
+          </p:cNvSpPr>
+          <p:nvPr>
+            <p:ph type="sldImg"/>
+          </p:nvPr>
+        </p:nvSpPr>
+        <p:spPr/>
+      </p:sp>
+      <p:sp>
+        <p:nvSpPr>
+          <p:cNvPr id="3" name="Notes Placeholder 2">
+            <a:extLst>
+              <a:ext uri="{FF2B5EF4-FFF2-40B4-BE49-F238E27FC236}">
+                <a16:creationId xmlns:a16="http://schemas.microsoft.com/office/drawing/2014/main" id="{5948E906-0BE5-A3A2-B0D9-1E094732C260}"/>
+              </a:ext>
+            </a:extLst>
+          </p:cNvPr>
+          <p:cNvSpPr>
+            <a:spLocks noGrp="1"/>
+          </p:cNvSpPr>
+          <p:nvPr>
+            <p:ph type="body" idx="1"/>
+          </p:nvPr>
+        </p:nvSpPr>
+        <p:spPr/>
+        <p:txBody>
+          <a:bodyPr/>
+          <a:lstStyle/>
+          <a:p>
+            <a:pPr>
+              <a:buNone/>
+            </a:pPr>
+            <a:r>
+              <a:rPr lang="en-US" b="1" dirty="0"/>
+              <a:t>When to Avoid Reset:</a:t>
+            </a:r>
+          </a:p>
+          <a:p>
+            <a:pPr>
+              <a:buFont typeface="Arial" panose="020B0604020202020204" pitchFamily="34" charset="0"/>
+              <a:buChar char="•"/>
+            </a:pPr>
+            <a:r>
+              <a:rPr lang="en-US" dirty="0"/>
+              <a:t>When working on </a:t>
+            </a:r>
+            <a:r>
+              <a:rPr lang="en-US" b="1" dirty="0"/>
+              <a:t>shared branches</a:t>
+            </a:r>
+            <a:endParaRPr lang="en-US" dirty="0"/>
+          </a:p>
+          <a:p>
+            <a:pPr>
+              <a:buFont typeface="Arial" panose="020B0604020202020204" pitchFamily="34" charset="0"/>
+              <a:buChar char="•"/>
+            </a:pPr>
+            <a:r>
+              <a:rPr lang="en-US" dirty="0"/>
+              <a:t>When changes are already </a:t>
+            </a:r>
+            <a:r>
+              <a:rPr lang="en-US" b="1" dirty="0"/>
+              <a:t>pushed</a:t>
+            </a:r>
+            <a:r>
+              <a:rPr lang="en-US" dirty="0"/>
+              <a:t> to remote</a:t>
+            </a:r>
+          </a:p>
+          <a:p>
+            <a:endParaRPr lang="vi-VN" dirty="0"/>
+          </a:p>
+        </p:txBody>
+      </p:sp>
+      <p:sp>
+        <p:nvSpPr>
+          <p:cNvPr id="4" name="Slide Number Placeholder 3">
+            <a:extLst>
+              <a:ext uri="{FF2B5EF4-FFF2-40B4-BE49-F238E27FC236}">
+                <a16:creationId xmlns:a16="http://schemas.microsoft.com/office/drawing/2014/main" id="{01F65462-3E6A-D50F-77E3-B16568FC5EDC}"/>
+              </a:ext>
+            </a:extLst>
+          </p:cNvPr>
+          <p:cNvSpPr>
+            <a:spLocks noGrp="1"/>
+          </p:cNvSpPr>
+          <p:nvPr>
+            <p:ph type="sldNum" sz="quarter" idx="5"/>
+          </p:nvPr>
+        </p:nvSpPr>
+        <p:spPr/>
+        <p:txBody>
+          <a:bodyPr/>
+          <a:lstStyle/>
+          <a:p>
+            <a:fld id="{3B9FEFB4-9E6B-4F44-8AD6-9CD7BFE90E51}" type="slidenum">
+              <a:rPr lang="vi-VN" smtClean="0"/>
+              <a:t>23</a:t>
+            </a:fld>
+            <a:endParaRPr lang="vi-VN"/>
+          </a:p>
+        </p:txBody>
+      </p:sp>
+    </p:spTree>
+    <p:extLst>
+      <p:ext uri="{BB962C8B-B14F-4D97-AF65-F5344CB8AC3E}">
+        <p14:creationId xmlns:p14="http://schemas.microsoft.com/office/powerpoint/2010/main" val="3789247811"/>
+      </p:ext>
+    </p:extLst>
+  </p:cSld>
+  <p:clrMapOvr>
+    <a:masterClrMapping/>
+  </p:clrMapOvr>
+</p:notes>
+</file>
+
+<file path=ppt/notesSlides/notesSlide5.xml><?xml version="1.0" encoding="utf-8"?>
+<p:notes xmlns:a="http://schemas.openxmlformats.org/drawingml/2006/main" xmlns:r="http://schemas.openxmlformats.org/officeDocument/2006/relationships" xmlns:p="http://schemas.openxmlformats.org/presentationml/2006/main">
+  <p:cSld>
+    <p:spTree>
+      <p:nvGrpSpPr>
+        <p:cNvPr id="1" name="">
+          <a:extLst>
+            <a:ext uri="{FF2B5EF4-FFF2-40B4-BE49-F238E27FC236}">
+              <a16:creationId xmlns:a16="http://schemas.microsoft.com/office/drawing/2014/main" id="{A18DBAC8-8C80-D68B-2B56-4F3A2593E289}"/>
+            </a:ext>
+          </a:extLst>
+        </p:cNvPr>
+        <p:cNvGrpSpPr/>
+        <p:nvPr/>
+      </p:nvGrpSpPr>
+      <p:grpSpPr>
+        <a:xfrm>
+          <a:off x="0" y="0"/>
+          <a:ext cx="0" cy="0"/>
+          <a:chOff x="0" y="0"/>
+          <a:chExt cx="0" cy="0"/>
+        </a:xfrm>
+      </p:grpSpPr>
+      <p:sp>
+        <p:nvSpPr>
+          <p:cNvPr id="2" name="Slide Image Placeholder 1">
+            <a:extLst>
+              <a:ext uri="{FF2B5EF4-FFF2-40B4-BE49-F238E27FC236}">
+                <a16:creationId xmlns:a16="http://schemas.microsoft.com/office/drawing/2014/main" id="{3C2569BD-260E-BF5E-6772-59BBD140B1DE}"/>
+              </a:ext>
+            </a:extLst>
+          </p:cNvPr>
+          <p:cNvSpPr>
+            <a:spLocks noGrp="1" noRot="1" noChangeAspect="1"/>
+          </p:cNvSpPr>
+          <p:nvPr>
+            <p:ph type="sldImg"/>
+          </p:nvPr>
+        </p:nvSpPr>
+        <p:spPr/>
+      </p:sp>
+      <p:sp>
+        <p:nvSpPr>
+          <p:cNvPr id="3" name="Notes Placeholder 2">
+            <a:extLst>
+              <a:ext uri="{FF2B5EF4-FFF2-40B4-BE49-F238E27FC236}">
+                <a16:creationId xmlns:a16="http://schemas.microsoft.com/office/drawing/2014/main" id="{7B307744-99C2-440C-2808-962211902E76}"/>
+              </a:ext>
+            </a:extLst>
+          </p:cNvPr>
+          <p:cNvSpPr>
+            <a:spLocks noGrp="1"/>
+          </p:cNvSpPr>
+          <p:nvPr>
+            <p:ph type="body" idx="1"/>
+          </p:nvPr>
+        </p:nvSpPr>
+        <p:spPr/>
+        <p:txBody>
+          <a:bodyPr/>
+          <a:lstStyle/>
+          <a:p>
+            <a:pPr>
+              <a:buNone/>
+            </a:pPr>
+            <a:r>
+              <a:rPr lang="en-US" b="1" dirty="0"/>
+              <a:t>When to Avoid Reset:</a:t>
+            </a:r>
+          </a:p>
+          <a:p>
+            <a:pPr>
+              <a:buFont typeface="Arial" panose="020B0604020202020204" pitchFamily="34" charset="0"/>
+              <a:buChar char="•"/>
+            </a:pPr>
+            <a:r>
+              <a:rPr lang="en-US" dirty="0"/>
+              <a:t>When working on </a:t>
+            </a:r>
+            <a:r>
+              <a:rPr lang="en-US" b="1" dirty="0"/>
+              <a:t>shared branches</a:t>
+            </a:r>
+            <a:endParaRPr lang="en-US" dirty="0"/>
+          </a:p>
+          <a:p>
+            <a:pPr>
+              <a:buFont typeface="Arial" panose="020B0604020202020204" pitchFamily="34" charset="0"/>
+              <a:buChar char="•"/>
+            </a:pPr>
+            <a:r>
+              <a:rPr lang="en-US" dirty="0"/>
+              <a:t>When changes are already </a:t>
+            </a:r>
+            <a:r>
+              <a:rPr lang="en-US" b="1" dirty="0"/>
+              <a:t>pushed</a:t>
+            </a:r>
+            <a:r>
+              <a:rPr lang="en-US" dirty="0"/>
+              <a:t> to remote</a:t>
+            </a:r>
+          </a:p>
+          <a:p>
+            <a:endParaRPr lang="vi-VN" dirty="0"/>
+          </a:p>
+        </p:txBody>
+      </p:sp>
+      <p:sp>
+        <p:nvSpPr>
+          <p:cNvPr id="4" name="Slide Number Placeholder 3">
+            <a:extLst>
+              <a:ext uri="{FF2B5EF4-FFF2-40B4-BE49-F238E27FC236}">
+                <a16:creationId xmlns:a16="http://schemas.microsoft.com/office/drawing/2014/main" id="{B8BE7C52-EA44-38F3-0A07-D34DD2C03E3D}"/>
+              </a:ext>
+            </a:extLst>
+          </p:cNvPr>
+          <p:cNvSpPr>
+            <a:spLocks noGrp="1"/>
+          </p:cNvSpPr>
+          <p:nvPr>
+            <p:ph type="sldNum" sz="quarter" idx="5"/>
+          </p:nvPr>
+        </p:nvSpPr>
+        <p:spPr/>
+        <p:txBody>
+          <a:bodyPr/>
+          <a:lstStyle/>
+          <a:p>
+            <a:fld id="{3B9FEFB4-9E6B-4F44-8AD6-9CD7BFE90E51}" type="slidenum">
+              <a:rPr lang="vi-VN" smtClean="0"/>
+              <a:t>24</a:t>
+            </a:fld>
+            <a:endParaRPr lang="vi-VN"/>
+          </a:p>
+        </p:txBody>
+      </p:sp>
+    </p:spTree>
+    <p:extLst>
+      <p:ext uri="{BB962C8B-B14F-4D97-AF65-F5344CB8AC3E}">
+        <p14:creationId xmlns:p14="http://schemas.microsoft.com/office/powerpoint/2010/main" val="3387431485"/>
+      </p:ext>
+    </p:extLst>
+  </p:cSld>
+  <p:clrMapOvr>
+    <a:masterClrMapping/>
+  </p:clrMapOvr>
+</p:notes>
+</file>
+
+<file path=ppt/notesSlides/notesSlide6.xml><?xml version="1.0" encoding="utf-8"?>
+<p:notes xmlns:a="http://schemas.openxmlformats.org/drawingml/2006/main" xmlns:r="http://schemas.openxmlformats.org/officeDocument/2006/relationships" xmlns:p="http://schemas.openxmlformats.org/presentationml/2006/main">
+  <p:cSld>
+    <p:spTree>
+      <p:nvGrpSpPr>
+        <p:cNvPr id="1" name="">
+          <a:extLst>
+            <a:ext uri="{FF2B5EF4-FFF2-40B4-BE49-F238E27FC236}">
+              <a16:creationId xmlns:a16="http://schemas.microsoft.com/office/drawing/2014/main" id="{7E95FA11-0EFA-0573-E7E4-FA17A2070E6C}"/>
+            </a:ext>
+          </a:extLst>
+        </p:cNvPr>
+        <p:cNvGrpSpPr/>
+        <p:nvPr/>
+      </p:nvGrpSpPr>
+      <p:grpSpPr>
+        <a:xfrm>
+          <a:off x="0" y="0"/>
+          <a:ext cx="0" cy="0"/>
+          <a:chOff x="0" y="0"/>
+          <a:chExt cx="0" cy="0"/>
+        </a:xfrm>
+      </p:grpSpPr>
+      <p:sp>
+        <p:nvSpPr>
+          <p:cNvPr id="2" name="Slide Image Placeholder 1">
+            <a:extLst>
+              <a:ext uri="{FF2B5EF4-FFF2-40B4-BE49-F238E27FC236}">
+                <a16:creationId xmlns:a16="http://schemas.microsoft.com/office/drawing/2014/main" id="{0C0DD18B-0BA0-BE5A-6A1D-33F4A852EB02}"/>
+              </a:ext>
+            </a:extLst>
+          </p:cNvPr>
+          <p:cNvSpPr>
+            <a:spLocks noGrp="1" noRot="1" noChangeAspect="1"/>
+          </p:cNvSpPr>
+          <p:nvPr>
+            <p:ph type="sldImg"/>
+          </p:nvPr>
+        </p:nvSpPr>
+        <p:spPr/>
+      </p:sp>
+      <p:sp>
+        <p:nvSpPr>
+          <p:cNvPr id="3" name="Notes Placeholder 2">
+            <a:extLst>
+              <a:ext uri="{FF2B5EF4-FFF2-40B4-BE49-F238E27FC236}">
+                <a16:creationId xmlns:a16="http://schemas.microsoft.com/office/drawing/2014/main" id="{0B541936-A230-2DA3-81CD-1E430297E53D}"/>
+              </a:ext>
+            </a:extLst>
+          </p:cNvPr>
+          <p:cNvSpPr>
+            <a:spLocks noGrp="1"/>
+          </p:cNvSpPr>
+          <p:nvPr>
+            <p:ph type="body" idx="1"/>
+          </p:nvPr>
+        </p:nvSpPr>
+        <p:spPr/>
+        <p:txBody>
+          <a:bodyPr/>
+          <a:lstStyle/>
+          <a:p>
+            <a:pPr>
+              <a:buNone/>
+            </a:pPr>
+            <a:r>
+              <a:rPr lang="en-US" b="1" dirty="0"/>
+              <a:t>When to Avoid Reset:</a:t>
+            </a:r>
+          </a:p>
+          <a:p>
+            <a:pPr>
+              <a:buFont typeface="Arial" panose="020B0604020202020204" pitchFamily="34" charset="0"/>
+              <a:buChar char="•"/>
+            </a:pPr>
+            <a:r>
+              <a:rPr lang="en-US" dirty="0"/>
+              <a:t>When working on </a:t>
+            </a:r>
+            <a:r>
+              <a:rPr lang="en-US" b="1" dirty="0"/>
+              <a:t>shared branches</a:t>
+            </a:r>
+            <a:endParaRPr lang="en-US" dirty="0"/>
+          </a:p>
+          <a:p>
+            <a:pPr>
+              <a:buFont typeface="Arial" panose="020B0604020202020204" pitchFamily="34" charset="0"/>
+              <a:buChar char="•"/>
+            </a:pPr>
+            <a:r>
+              <a:rPr lang="en-US" dirty="0"/>
+              <a:t>When changes are already </a:t>
+            </a:r>
+            <a:r>
+              <a:rPr lang="en-US" b="1" dirty="0"/>
+              <a:t>pushed</a:t>
+            </a:r>
+            <a:r>
+              <a:rPr lang="en-US" dirty="0"/>
+              <a:t> to remote</a:t>
+            </a:r>
+          </a:p>
+          <a:p>
+            <a:endParaRPr lang="vi-VN" dirty="0"/>
+          </a:p>
+        </p:txBody>
+      </p:sp>
+      <p:sp>
+        <p:nvSpPr>
+          <p:cNvPr id="4" name="Slide Number Placeholder 3">
+            <a:extLst>
+              <a:ext uri="{FF2B5EF4-FFF2-40B4-BE49-F238E27FC236}">
+                <a16:creationId xmlns:a16="http://schemas.microsoft.com/office/drawing/2014/main" id="{852CF39B-61C8-E71B-7E8D-3258A837E851}"/>
+              </a:ext>
+            </a:extLst>
+          </p:cNvPr>
+          <p:cNvSpPr>
+            <a:spLocks noGrp="1"/>
+          </p:cNvSpPr>
+          <p:nvPr>
+            <p:ph type="sldNum" sz="quarter" idx="5"/>
+          </p:nvPr>
+        </p:nvSpPr>
+        <p:spPr/>
+        <p:txBody>
+          <a:bodyPr/>
+          <a:lstStyle/>
+          <a:p>
+            <a:fld id="{3B9FEFB4-9E6B-4F44-8AD6-9CD7BFE90E51}" type="slidenum">
+              <a:rPr lang="vi-VN" smtClean="0"/>
+              <a:t>25</a:t>
+            </a:fld>
+            <a:endParaRPr lang="vi-VN"/>
+          </a:p>
+        </p:txBody>
+      </p:sp>
+    </p:spTree>
+    <p:extLst>
+      <p:ext uri="{BB962C8B-B14F-4D97-AF65-F5344CB8AC3E}">
+        <p14:creationId xmlns:p14="http://schemas.microsoft.com/office/powerpoint/2010/main" val="2519292145"/>
       </p:ext>
     </p:extLst>
   </p:cSld>
@@ -3801,13 +4408,7 @@
   <p:cSld>
     <p:spTree>
       <p:nvGrpSpPr>
-        <p:cNvPr id="1" name="">
-          <a:extLst>
-            <a:ext uri="{FF2B5EF4-FFF2-40B4-BE49-F238E27FC236}">
-              <a16:creationId xmlns:a16="http://schemas.microsoft.com/office/drawing/2014/main" id="{3E34DE8F-2544-29C3-F265-A66603B6CF77}"/>
-            </a:ext>
-          </a:extLst>
-        </p:cNvPr>
+        <p:cNvPr id="1" name=""/>
         <p:cNvGrpSpPr/>
         <p:nvPr/>
       </p:nvGrpSpPr>
@@ -3821,13 +4422,7 @@
       </p:grpSpPr>
       <p:sp>
         <p:nvSpPr>
-          <p:cNvPr id="2" name="Title 1">
-            <a:extLst>
-              <a:ext uri="{FF2B5EF4-FFF2-40B4-BE49-F238E27FC236}">
-                <a16:creationId xmlns:a16="http://schemas.microsoft.com/office/drawing/2014/main" id="{B970180A-6063-66C6-3730-91C9B68B7EB1}"/>
-              </a:ext>
-            </a:extLst>
-          </p:cNvPr>
+          <p:cNvPr id="2" name="Title 1"/>
           <p:cNvSpPr>
             <a:spLocks noGrp="1"/>
           </p:cNvSpPr>
@@ -3848,13 +4443,7 @@
       </p:sp>
       <p:sp>
         <p:nvSpPr>
-          <p:cNvPr id="3" name="Content Placeholder 2">
-            <a:extLst>
-              <a:ext uri="{FF2B5EF4-FFF2-40B4-BE49-F238E27FC236}">
-                <a16:creationId xmlns:a16="http://schemas.microsoft.com/office/drawing/2014/main" id="{B4E878FF-9EE5-271B-7559-A88919B70FDD}"/>
-              </a:ext>
-            </a:extLst>
-          </p:cNvPr>
+          <p:cNvPr id="3" name="Content Placeholder 2"/>
           <p:cNvSpPr>
             <a:spLocks noGrp="1"/>
           </p:cNvSpPr>
@@ -3864,12 +4453,17 @@
         </p:nvSpPr>
         <p:spPr/>
         <p:txBody>
-          <a:bodyPr/>
-          <a:lstStyle/>
-          <a:p>
-            <a:r>
-              <a:rPr dirty="0"/>
-              <a:t>git checkout</a:t>
+          <a:bodyPr>
+            <a:normAutofit lnSpcReduction="10000"/>
+          </a:bodyPr>
+          <a:lstStyle/>
+          <a:p>
+            <a:pPr marL="0" indent="0">
+              <a:buNone/>
+            </a:pPr>
+            <a:r>
+              <a:rPr lang="en-US" dirty="0"/>
+              <a:t>List, create, or delete branches</a:t>
             </a:r>
             <a:endParaRPr lang="vi-VN" dirty="0"/>
           </a:p>
@@ -3890,190 +4484,260 @@
               <a:rPr lang="vi-VN" dirty="0" err="1">
                 <a:latin typeface="Regular"/>
               </a:rPr>
-              <a:t>checkout</a:t>
+              <a:t>branch</a:t>
             </a:r>
             <a:r>
               <a:rPr lang="vi-VN" dirty="0">
                 <a:latin typeface="Regular"/>
               </a:rPr>
-              <a:t> &lt;</a:t>
-            </a:r>
-            <a:r>
-              <a:rPr lang="vi-VN" dirty="0" err="1">
-                <a:latin typeface="Regular"/>
-              </a:rPr>
-              <a:t>branch-name</a:t>
-            </a:r>
-            <a:r>
-              <a:rPr lang="vi-VN" dirty="0">
-                <a:latin typeface="Regular"/>
-              </a:rPr>
-              <a:t>&gt; (</a:t>
-            </a:r>
-            <a:r>
-              <a:rPr lang="vi-VN" dirty="0" err="1">
-                <a:latin typeface="Regular"/>
-              </a:rPr>
-              <a:t>create</a:t>
-            </a:r>
-            <a:r>
-              <a:rPr lang="vi-VN" dirty="0">
-                <a:latin typeface="Regular"/>
-              </a:rPr>
               <a:t> </a:t>
             </a:r>
-            <a:r>
-              <a:rPr lang="vi-VN" dirty="0" err="1">
-                <a:latin typeface="Regular"/>
-              </a:rPr>
-              <a:t>new</a:t>
-            </a:r>
-            <a:r>
-              <a:rPr lang="vi-VN" dirty="0">
+          </a:p>
+          <a:p>
+            <a:pPr marL="0" indent="0">
+              <a:buNone/>
+            </a:pPr>
+            <a:r>
+              <a:rPr lang="vi-VN" sz="2600" dirty="0" err="1">
+                <a:latin typeface="Regular"/>
+              </a:rPr>
+              <a:t>list</a:t>
+            </a:r>
+            <a:r>
+              <a:rPr lang="vi-VN" sz="2600" dirty="0">
                 <a:latin typeface="Regular"/>
               </a:rPr>
               <a:t> </a:t>
             </a:r>
             <a:r>
-              <a:rPr lang="vi-VN" dirty="0" err="1">
-                <a:latin typeface="Regular"/>
-              </a:rPr>
-              <a:t>branch</a:t>
-            </a:r>
-            <a:r>
-              <a:rPr lang="vi-VN" dirty="0">
-                <a:latin typeface="Regular"/>
-              </a:rPr>
-              <a:t>)</a:t>
-            </a:r>
-          </a:p>
-          <a:p>
-            <a:r>
-              <a:rPr lang="vi-VN" dirty="0" err="1">
-                <a:latin typeface="Regular"/>
-              </a:rPr>
-              <a:t>git</a:t>
-            </a:r>
-            <a:r>
-              <a:rPr lang="vi-VN" dirty="0">
+              <a:rPr lang="vi-VN" sz="2600" dirty="0" err="1">
+                <a:latin typeface="Regular"/>
+              </a:rPr>
+              <a:t>all</a:t>
+            </a:r>
+            <a:r>
+              <a:rPr lang="vi-VN" sz="2600" dirty="0">
                 <a:latin typeface="Regular"/>
               </a:rPr>
               <a:t> </a:t>
             </a:r>
             <a:r>
-              <a:rPr lang="vi-VN" dirty="0" err="1">
-                <a:latin typeface="Regular"/>
-              </a:rPr>
-              <a:t>checkout</a:t>
-            </a:r>
-            <a:r>
-              <a:rPr lang="vi-VN" dirty="0">
-                <a:latin typeface="Regular"/>
-              </a:rPr>
-              <a:t> –b &lt;</a:t>
-            </a:r>
-            <a:r>
-              <a:rPr lang="vi-VN" dirty="0" err="1">
-                <a:latin typeface="Regular"/>
-              </a:rPr>
-              <a:t>branch-name</a:t>
-            </a:r>
-            <a:r>
-              <a:rPr lang="vi-VN" dirty="0">
-                <a:latin typeface="Regular"/>
-              </a:rPr>
-              <a:t>&gt;</a:t>
-            </a:r>
-          </a:p>
-          <a:p>
-            <a:r>
-              <a:rPr lang="vi-VN" dirty="0" err="1">
-                <a:latin typeface="Regular"/>
-              </a:rPr>
-              <a:t>git</a:t>
-            </a:r>
-            <a:r>
-              <a:rPr lang="vi-VN" dirty="0">
-                <a:latin typeface="Regular"/>
-              </a:rPr>
-              <a:t> </a:t>
-            </a:r>
-            <a:r>
-              <a:rPr lang="vi-VN" dirty="0" err="1">
-                <a:latin typeface="Regular"/>
-              </a:rPr>
-              <a:t>checkout</a:t>
-            </a:r>
-            <a:r>
-              <a:rPr lang="vi-VN" dirty="0">
-                <a:latin typeface="Regular"/>
-              </a:rPr>
-              <a:t> &lt;</a:t>
-            </a:r>
-            <a:r>
-              <a:rPr lang="vi-VN" dirty="0" err="1">
-                <a:latin typeface="Regular"/>
-              </a:rPr>
-              <a:t>commit</a:t>
-            </a:r>
-            <a:r>
-              <a:rPr lang="vi-VN" dirty="0">
-                <a:latin typeface="Regular"/>
-              </a:rPr>
-              <a:t>&gt;</a:t>
-            </a:r>
-          </a:p>
-          <a:p>
-            <a:r>
-              <a:rPr lang="vi-VN" dirty="0" err="1">
-                <a:latin typeface="Regular"/>
-              </a:rPr>
-              <a:t>git</a:t>
-            </a:r>
-            <a:r>
-              <a:rPr lang="vi-VN" dirty="0">
-                <a:latin typeface="Regular"/>
-              </a:rPr>
-              <a:t> </a:t>
-            </a:r>
-            <a:r>
-              <a:rPr lang="vi-VN" dirty="0" err="1">
-                <a:latin typeface="Regular"/>
-              </a:rPr>
-              <a:t>checkout</a:t>
-            </a:r>
-            <a:r>
-              <a:rPr lang="vi-VN" dirty="0">
-                <a:latin typeface="Regular"/>
-              </a:rPr>
-              <a:t> &lt;</a:t>
-            </a:r>
-            <a:r>
-              <a:rPr lang="vi-VN" dirty="0" err="1">
-                <a:latin typeface="Regular"/>
-              </a:rPr>
-              <a:t>file</a:t>
-            </a:r>
-            <a:r>
-              <a:rPr lang="vi-VN" dirty="0">
-                <a:latin typeface="Regular"/>
-              </a:rPr>
-              <a:t>&gt;</a:t>
-            </a:r>
-          </a:p>
-          <a:p>
-            <a:endParaRPr dirty="0">
+              <a:rPr lang="vi-VN" sz="2600" dirty="0" err="1">
+                <a:latin typeface="Regular"/>
+              </a:rPr>
+              <a:t>branches</a:t>
+            </a:r>
+            <a:endParaRPr lang="vi-VN" sz="2600" dirty="0">
               <a:latin typeface="Regular"/>
             </a:endParaRPr>
           </a:p>
+          <a:p>
+            <a:r>
+              <a:rPr lang="vi-VN" dirty="0" err="1">
+                <a:latin typeface="Regular"/>
+              </a:rPr>
+              <a:t>git</a:t>
+            </a:r>
+            <a:r>
+              <a:rPr lang="vi-VN" dirty="0">
+                <a:latin typeface="Regular"/>
+              </a:rPr>
+              <a:t> </a:t>
+            </a:r>
+            <a:r>
+              <a:rPr lang="vi-VN" dirty="0" err="1">
+                <a:latin typeface="Regular"/>
+              </a:rPr>
+              <a:t>branch</a:t>
+            </a:r>
+            <a:r>
+              <a:rPr lang="vi-VN" dirty="0">
+                <a:latin typeface="Regular"/>
+              </a:rPr>
+              <a:t> &lt;</a:t>
+            </a:r>
+            <a:r>
+              <a:rPr lang="vi-VN" dirty="0" err="1">
+                <a:latin typeface="Regular"/>
+              </a:rPr>
+              <a:t>branch-name</a:t>
+            </a:r>
+            <a:r>
+              <a:rPr lang="vi-VN" dirty="0">
+                <a:latin typeface="Regular"/>
+              </a:rPr>
+              <a:t>&gt; </a:t>
+            </a:r>
+          </a:p>
+          <a:p>
+            <a:pPr marL="0" indent="0">
+              <a:buNone/>
+            </a:pPr>
+            <a:r>
+              <a:rPr lang="vi-VN" sz="2600" dirty="0" err="1">
+                <a:latin typeface="Regular"/>
+              </a:rPr>
+              <a:t>create</a:t>
+            </a:r>
+            <a:r>
+              <a:rPr lang="vi-VN" sz="2600" dirty="0">
+                <a:latin typeface="Regular"/>
+              </a:rPr>
+              <a:t> </a:t>
+            </a:r>
+            <a:r>
+              <a:rPr lang="vi-VN" sz="2600" dirty="0" err="1">
+                <a:latin typeface="Regular"/>
+              </a:rPr>
+              <a:t>new</a:t>
+            </a:r>
+            <a:r>
+              <a:rPr lang="vi-VN" sz="2600" dirty="0">
+                <a:latin typeface="Regular"/>
+              </a:rPr>
+              <a:t> </a:t>
+            </a:r>
+            <a:r>
+              <a:rPr lang="vi-VN" sz="2600" dirty="0" err="1">
+                <a:latin typeface="Regular"/>
+              </a:rPr>
+              <a:t>branch</a:t>
+            </a:r>
+            <a:endParaRPr lang="vi-VN" sz="2600" dirty="0">
+              <a:latin typeface="Regular"/>
+            </a:endParaRPr>
+          </a:p>
+          <a:p>
+            <a:r>
+              <a:rPr lang="vi-VN" dirty="0" err="1">
+                <a:latin typeface="Regular"/>
+              </a:rPr>
+              <a:t>git</a:t>
+            </a:r>
+            <a:r>
+              <a:rPr lang="vi-VN" dirty="0">
+                <a:latin typeface="Regular"/>
+              </a:rPr>
+              <a:t> </a:t>
+            </a:r>
+            <a:r>
+              <a:rPr lang="vi-VN" dirty="0" err="1">
+                <a:latin typeface="Regular"/>
+              </a:rPr>
+              <a:t>branch</a:t>
+            </a:r>
+            <a:r>
+              <a:rPr lang="vi-VN" dirty="0">
+                <a:latin typeface="Regular"/>
+              </a:rPr>
+              <a:t> –d &lt;</a:t>
+            </a:r>
+            <a:r>
+              <a:rPr lang="vi-VN" dirty="0" err="1">
+                <a:latin typeface="Regular"/>
+              </a:rPr>
+              <a:t>branch-name</a:t>
+            </a:r>
+            <a:r>
+              <a:rPr lang="vi-VN" dirty="0">
+                <a:latin typeface="Regular"/>
+              </a:rPr>
+              <a:t>&gt;</a:t>
+            </a:r>
+          </a:p>
+          <a:p>
+            <a:pPr marL="0" indent="0">
+              <a:buNone/>
+            </a:pPr>
+            <a:r>
+              <a:rPr lang="vi-VN" sz="2600" dirty="0" err="1">
+                <a:latin typeface="Regular"/>
+              </a:rPr>
+              <a:t>soft</a:t>
+            </a:r>
+            <a:r>
+              <a:rPr lang="vi-VN" sz="2600" dirty="0">
+                <a:latin typeface="Regular"/>
+              </a:rPr>
+              <a:t> </a:t>
+            </a:r>
+            <a:r>
+              <a:rPr lang="vi-VN" sz="2600" dirty="0" err="1">
+                <a:latin typeface="Regular"/>
+              </a:rPr>
+              <a:t>delete</a:t>
+            </a:r>
+            <a:endParaRPr lang="vi-VN" sz="2600" dirty="0">
+              <a:latin typeface="Regular"/>
+            </a:endParaRPr>
+          </a:p>
+          <a:p>
+            <a:r>
+              <a:rPr lang="vi-VN" dirty="0" err="1">
+                <a:latin typeface="Regular"/>
+              </a:rPr>
+              <a:t>git</a:t>
+            </a:r>
+            <a:r>
+              <a:rPr lang="vi-VN" dirty="0">
+                <a:latin typeface="Regular"/>
+              </a:rPr>
+              <a:t> </a:t>
+            </a:r>
+            <a:r>
+              <a:rPr lang="vi-VN" dirty="0" err="1">
+                <a:latin typeface="Regular"/>
+              </a:rPr>
+              <a:t>branch</a:t>
+            </a:r>
+            <a:r>
+              <a:rPr lang="vi-VN" dirty="0">
+                <a:latin typeface="Regular"/>
+              </a:rPr>
+              <a:t> –D &lt;</a:t>
+            </a:r>
+            <a:r>
+              <a:rPr lang="vi-VN" dirty="0" err="1">
+                <a:latin typeface="Regular"/>
+              </a:rPr>
+              <a:t>branch-name</a:t>
+            </a:r>
+            <a:r>
+              <a:rPr lang="vi-VN" dirty="0">
+                <a:latin typeface="Regular"/>
+              </a:rPr>
+              <a:t>&gt;</a:t>
+            </a:r>
+          </a:p>
+          <a:p>
+            <a:pPr marL="0" indent="0">
+              <a:buNone/>
+            </a:pPr>
+            <a:r>
+              <a:rPr lang="vi-VN" sz="2600" dirty="0" err="1">
+                <a:latin typeface="Regular"/>
+              </a:rPr>
+              <a:t>hard</a:t>
+            </a:r>
+            <a:r>
+              <a:rPr lang="vi-VN" sz="2600" dirty="0">
+                <a:latin typeface="Regular"/>
+              </a:rPr>
+              <a:t> </a:t>
+            </a:r>
+            <a:r>
+              <a:rPr lang="vi-VN" sz="2600" dirty="0" err="1">
+                <a:latin typeface="Regular"/>
+              </a:rPr>
+              <a:t>delete</a:t>
+            </a:r>
+            <a:endParaRPr sz="2600" dirty="0">
+              <a:latin typeface="Regular"/>
+            </a:endParaRPr>
+          </a:p>
         </p:txBody>
       </p:sp>
     </p:spTree>
-    <p:extLst>
-      <p:ext uri="{BB962C8B-B14F-4D97-AF65-F5344CB8AC3E}">
-        <p14:creationId xmlns:p14="http://schemas.microsoft.com/office/powerpoint/2010/main" val="363941671"/>
-      </p:ext>
-    </p:extLst>
   </p:cSld>
   <p:clrMapOvr>
     <a:masterClrMapping/>
@@ -4126,6 +4790,7 @@
           <a:lstStyle/>
           <a:p>
             <a:r>
+              <a:rPr dirty="0"/>
               <a:t>Branching</a:t>
             </a:r>
           </a:p>
@@ -4152,10 +4817,9 @@
           <a:bodyPr/>
           <a:lstStyle/>
           <a:p>
-            <a:r>
-              <a:rPr dirty="0"/>
-              <a:t>git switch</a:t>
-            </a:r>
+            <a:pPr marL="0" indent="0">
+              <a:buNone/>
+            </a:pPr>
             <a:endParaRPr lang="vi-VN" dirty="0"/>
           </a:p>
           <a:p>
@@ -4193,13 +4857,53 @@
               <a:rPr lang="vi-VN" dirty="0">
                 <a:latin typeface="Regular"/>
               </a:rPr>
-              <a:t>&gt; (</a:t>
-            </a:r>
+              <a:t>&gt; </a:t>
+            </a:r>
+          </a:p>
+          <a:p>
+            <a:pPr marL="0" indent="0">
+              <a:buNone/>
+            </a:pPr>
+            <a:r>
+              <a:rPr lang="vi-VN" sz="2400" dirty="0" err="1">
+                <a:latin typeface="Regular"/>
+              </a:rPr>
+              <a:t>switch</a:t>
+            </a:r>
+            <a:r>
+              <a:rPr lang="vi-VN" sz="2400" dirty="0">
+                <a:latin typeface="Regular"/>
+              </a:rPr>
+              <a:t> to </a:t>
+            </a:r>
+            <a:r>
+              <a:rPr lang="vi-VN" sz="2400" dirty="0" err="1">
+                <a:latin typeface="Regular"/>
+              </a:rPr>
+              <a:t>existed</a:t>
+            </a:r>
+            <a:r>
+              <a:rPr lang="vi-VN" sz="2400" dirty="0">
+                <a:latin typeface="Regular"/>
+              </a:rPr>
+              <a:t> </a:t>
+            </a:r>
+            <a:r>
+              <a:rPr lang="vi-VN" sz="2400" dirty="0" err="1">
+                <a:latin typeface="Regular"/>
+              </a:rPr>
+              <a:t>branch</a:t>
+            </a:r>
+            <a:endParaRPr lang="vi-VN" sz="2400" dirty="0">
+              <a:latin typeface="Regular"/>
+            </a:endParaRPr>
+          </a:p>
+          <a:p>
             <a:r>
               <a:rPr lang="vi-VN" dirty="0" err="1">
                 <a:latin typeface="Regular"/>
               </a:rPr>
-              <a:t>create</a:t>
+              <a:t>git</a:t>
             </a:r>
             <a:r>
               <a:rPr lang="vi-VN" dirty="0">
@@ -4211,64 +4915,96 @@
               <a:rPr lang="vi-VN" dirty="0" err="1">
                 <a:latin typeface="Regular"/>
               </a:rPr>
+              <a:t>switch</a:t>
+            </a:r>
+            <a:r>
+              <a:rPr lang="vi-VN" dirty="0">
+                <a:latin typeface="Regular"/>
+              </a:rPr>
+              <a:t> –c &lt;</a:t>
+            </a:r>
+            <a:r>
+              <a:rPr lang="vi-VN" dirty="0" err="1">
+                <a:latin typeface="Regular"/>
+              </a:rPr>
+              <a:t>new-branch-name</a:t>
+            </a:r>
+            <a:r>
+              <a:rPr lang="vi-VN" dirty="0">
+                <a:latin typeface="Regular"/>
+              </a:rPr>
+              <a:t>&gt;</a:t>
+            </a:r>
+          </a:p>
+          <a:p>
+            <a:pPr marL="0" indent="0">
+              <a:buNone/>
+            </a:pPr>
+            <a:r>
+              <a:rPr lang="vi-VN" sz="2400" dirty="0" err="1">
+                <a:latin typeface="Regular"/>
+              </a:rPr>
+              <a:t>Create</a:t>
+            </a:r>
+            <a:r>
+              <a:rPr lang="vi-VN" sz="2400" dirty="0">
+                <a:latin typeface="Regular"/>
+              </a:rPr>
+              <a:t> </a:t>
+            </a:r>
+            <a:r>
+              <a:rPr lang="vi-VN" sz="2400" dirty="0" err="1">
+                <a:latin typeface="Regular"/>
+              </a:rPr>
+              <a:t>and</a:t>
+            </a:r>
+            <a:r>
+              <a:rPr lang="vi-VN" sz="2400" dirty="0">
+                <a:latin typeface="Regular"/>
+              </a:rPr>
+              <a:t> </a:t>
+            </a:r>
+            <a:r>
+              <a:rPr lang="vi-VN" sz="2400" dirty="0" err="1">
+                <a:latin typeface="Regular"/>
+              </a:rPr>
+              <a:t>switch</a:t>
+            </a:r>
+            <a:r>
+              <a:rPr lang="vi-VN" sz="2400" dirty="0">
+                <a:latin typeface="Regular"/>
+              </a:rPr>
+              <a:t> to </a:t>
+            </a:r>
+            <a:r>
+              <a:rPr lang="vi-VN" sz="2400" dirty="0" err="1">
+                <a:latin typeface="Regular"/>
+              </a:rPr>
               <a:t>new</a:t>
             </a:r>
             <a:r>
-              <a:rPr lang="vi-VN" dirty="0">
+              <a:rPr lang="vi-VN" sz="2400" dirty="0">
                 <a:latin typeface="Regular"/>
               </a:rPr>
               <a:t> </a:t>
             </a:r>
             <a:r>
-              <a:rPr lang="vi-VN" dirty="0" err="1">
+              <a:rPr lang="vi-VN" sz="2400" dirty="0" err="1">
                 <a:latin typeface="Regular"/>
               </a:rPr>
               <a:t>branch</a:t>
             </a:r>
-            <a:r>
-              <a:rPr lang="vi-VN" dirty="0">
-                <a:latin typeface="Regular"/>
-              </a:rPr>
-              <a:t>)</a:t>
-            </a:r>
-          </a:p>
-          <a:p>
-            <a:r>
-              <a:rPr lang="vi-VN" dirty="0" err="1">
-                <a:latin typeface="Regular"/>
-              </a:rPr>
-              <a:t>git</a:t>
-            </a:r>
-            <a:r>
-              <a:rPr lang="vi-VN" dirty="0">
-                <a:latin typeface="Regular"/>
-              </a:rPr>
-              <a:t> </a:t>
-            </a:r>
-            <a:r>
-              <a:rPr lang="vi-VN" dirty="0" err="1">
-                <a:latin typeface="Regular"/>
-              </a:rPr>
-              <a:t>switch</a:t>
-            </a:r>
-            <a:r>
-              <a:rPr lang="vi-VN" dirty="0">
-                <a:latin typeface="Regular"/>
-              </a:rPr>
-              <a:t> –c &lt;</a:t>
-            </a:r>
-            <a:r>
-              <a:rPr lang="vi-VN" dirty="0" err="1">
-                <a:latin typeface="Regular"/>
-              </a:rPr>
-              <a:t>branch-name</a:t>
-            </a:r>
-            <a:r>
-              <a:rPr lang="vi-VN" dirty="0">
-                <a:latin typeface="Regular"/>
-              </a:rPr>
-              <a:t>&gt;</a:t>
-            </a:r>
+            <a:endParaRPr lang="vi-VN" sz="2400" dirty="0">
+              <a:latin typeface="Regular"/>
+            </a:endParaRPr>
+          </a:p>
+          <a:p>
+            <a:pPr marL="0" indent="0">
+              <a:buNone/>
+            </a:pPr>
+            <a:endParaRPr lang="vi-VN" dirty="0">
+              <a:latin typeface="Regular"/>
+            </a:endParaRPr>
           </a:p>
         </p:txBody>
       </p:sp>
@@ -4286,6 +5022,505 @@
 </file>
 
 <file path=ppt/slides/slide12.xml><?xml version="1.0" encoding="utf-8"?>
+<p:sld xmlns:a="http://schemas.openxmlformats.org/drawingml/2006/main" xmlns:r="http://schemas.openxmlformats.org/officeDocument/2006/relationships" xmlns:p="http://schemas.openxmlformats.org/presentationml/2006/main">
+  <p:cSld>
+    <p:spTree>
+      <p:nvGrpSpPr>
+        <p:cNvPr id="1" name="">
+          <a:extLst>
+            <a:ext uri="{FF2B5EF4-FFF2-40B4-BE49-F238E27FC236}">
+              <a16:creationId xmlns:a16="http://schemas.microsoft.com/office/drawing/2014/main" id="{3E34DE8F-2544-29C3-F265-A66603B6CF77}"/>
+            </a:ext>
+          </a:extLst>
+        </p:cNvPr>
+        <p:cNvGrpSpPr/>
+        <p:nvPr/>
+      </p:nvGrpSpPr>
+      <p:grpSpPr>
+        <a:xfrm>
+          <a:off x="0" y="0"/>
+          <a:ext cx="0" cy="0"/>
+          <a:chOff x="0" y="0"/>
+          <a:chExt cx="0" cy="0"/>
+        </a:xfrm>
+      </p:grpSpPr>
+      <p:sp>
+        <p:nvSpPr>
+          <p:cNvPr id="2" name="Title 1">
+            <a:extLst>
+              <a:ext uri="{FF2B5EF4-FFF2-40B4-BE49-F238E27FC236}">
+                <a16:creationId xmlns:a16="http://schemas.microsoft.com/office/drawing/2014/main" id="{B970180A-6063-66C6-3730-91C9B68B7EB1}"/>
+              </a:ext>
+            </a:extLst>
+          </p:cNvPr>
+          <p:cNvSpPr>
+            <a:spLocks noGrp="1"/>
+          </p:cNvSpPr>
+          <p:nvPr>
+            <p:ph type="title"/>
+          </p:nvPr>
+        </p:nvSpPr>
+        <p:spPr/>
+        <p:txBody>
+          <a:bodyPr/>
+          <a:lstStyle/>
+          <a:p>
+            <a:r>
+              <a:rPr dirty="0"/>
+              <a:t>Branching</a:t>
+            </a:r>
+          </a:p>
+        </p:txBody>
+      </p:sp>
+      <p:sp>
+        <p:nvSpPr>
+          <p:cNvPr id="3" name="Content Placeholder 2">
+            <a:extLst>
+              <a:ext uri="{FF2B5EF4-FFF2-40B4-BE49-F238E27FC236}">
+                <a16:creationId xmlns:a16="http://schemas.microsoft.com/office/drawing/2014/main" id="{B4E878FF-9EE5-271B-7559-A88919B70FDD}"/>
+              </a:ext>
+            </a:extLst>
+          </p:cNvPr>
+          <p:cNvSpPr>
+            <a:spLocks noGrp="1"/>
+          </p:cNvSpPr>
+          <p:nvPr>
+            <p:ph idx="1"/>
+          </p:nvPr>
+        </p:nvSpPr>
+        <p:spPr/>
+        <p:txBody>
+          <a:bodyPr/>
+          <a:lstStyle/>
+          <a:p>
+            <a:r>
+              <a:rPr lang="vi-VN" dirty="0" err="1">
+                <a:latin typeface="Regular"/>
+              </a:rPr>
+              <a:t>git</a:t>
+            </a:r>
+            <a:r>
+              <a:rPr lang="vi-VN" dirty="0">
+                <a:latin typeface="Regular"/>
+              </a:rPr>
+              <a:t> </a:t>
+            </a:r>
+            <a:r>
+              <a:rPr lang="vi-VN" dirty="0" err="1">
+                <a:latin typeface="Regular"/>
+              </a:rPr>
+              <a:t>checkout</a:t>
+            </a:r>
+            <a:r>
+              <a:rPr lang="vi-VN" dirty="0">
+                <a:latin typeface="Regular"/>
+              </a:rPr>
+              <a:t> &lt;</a:t>
+            </a:r>
+            <a:r>
+              <a:rPr lang="vi-VN" dirty="0" err="1">
+                <a:latin typeface="Regular"/>
+              </a:rPr>
+              <a:t>branch-name</a:t>
+            </a:r>
+            <a:r>
+              <a:rPr lang="vi-VN" dirty="0">
+                <a:latin typeface="Regular"/>
+              </a:rPr>
+              <a:t>&gt; </a:t>
+            </a:r>
+          </a:p>
+          <a:p>
+            <a:pPr marL="0" indent="0">
+              <a:buNone/>
+            </a:pPr>
+            <a:r>
+              <a:rPr lang="vi-VN" sz="2400" dirty="0" err="1">
+                <a:latin typeface="Regular"/>
+              </a:rPr>
+              <a:t>checkout</a:t>
+            </a:r>
+            <a:r>
+              <a:rPr lang="vi-VN" sz="2400" dirty="0">
+                <a:latin typeface="Regular"/>
+              </a:rPr>
+              <a:t> </a:t>
+            </a:r>
+            <a:r>
+              <a:rPr lang="vi-VN" sz="2400" dirty="0" err="1">
+                <a:latin typeface="Regular"/>
+              </a:rPr>
+              <a:t>branch</a:t>
+            </a:r>
+            <a:endParaRPr lang="vi-VN" sz="2400" dirty="0">
+              <a:latin typeface="Regular"/>
+            </a:endParaRPr>
+          </a:p>
+          <a:p>
+            <a:r>
+              <a:rPr lang="vi-VN" dirty="0" err="1">
+                <a:latin typeface="Regular"/>
+              </a:rPr>
+              <a:t>git</a:t>
+            </a:r>
+            <a:r>
+              <a:rPr lang="vi-VN" dirty="0">
+                <a:latin typeface="Regular"/>
+              </a:rPr>
+              <a:t> </a:t>
+            </a:r>
+            <a:r>
+              <a:rPr lang="vi-VN" dirty="0" err="1">
+                <a:latin typeface="Regular"/>
+              </a:rPr>
+              <a:t>checkout</a:t>
+            </a:r>
+            <a:r>
+              <a:rPr lang="vi-VN" dirty="0">
+                <a:latin typeface="Regular"/>
+              </a:rPr>
+              <a:t> –b &lt;</a:t>
+            </a:r>
+            <a:r>
+              <a:rPr lang="vi-VN" dirty="0" err="1">
+                <a:latin typeface="Regular"/>
+              </a:rPr>
+              <a:t>branch-name</a:t>
+            </a:r>
+            <a:r>
+              <a:rPr lang="vi-VN" dirty="0">
+                <a:latin typeface="Regular"/>
+              </a:rPr>
+              <a:t>&gt;</a:t>
+            </a:r>
+          </a:p>
+          <a:p>
+            <a:pPr marL="0" indent="0">
+              <a:buNone/>
+            </a:pPr>
+            <a:r>
+              <a:rPr lang="vi-VN" sz="2400" dirty="0" err="1">
+                <a:latin typeface="Regular"/>
+              </a:rPr>
+              <a:t>create</a:t>
+            </a:r>
+            <a:r>
+              <a:rPr lang="vi-VN" sz="2400" dirty="0">
+                <a:latin typeface="Regular"/>
+              </a:rPr>
+              <a:t> </a:t>
+            </a:r>
+            <a:r>
+              <a:rPr lang="vi-VN" sz="2400" dirty="0" err="1">
+                <a:latin typeface="Regular"/>
+              </a:rPr>
+              <a:t>and</a:t>
+            </a:r>
+            <a:r>
+              <a:rPr lang="vi-VN" sz="2400" dirty="0">
+                <a:latin typeface="Regular"/>
+              </a:rPr>
+              <a:t> </a:t>
+            </a:r>
+            <a:r>
+              <a:rPr lang="vi-VN" sz="2400" dirty="0" err="1">
+                <a:latin typeface="Regular"/>
+              </a:rPr>
+              <a:t>checkout</a:t>
+            </a:r>
+            <a:r>
+              <a:rPr lang="vi-VN" sz="2400" dirty="0">
+                <a:latin typeface="Regular"/>
+              </a:rPr>
+              <a:t> </a:t>
+            </a:r>
+            <a:r>
+              <a:rPr lang="vi-VN" sz="2400" dirty="0" err="1">
+                <a:latin typeface="Regular"/>
+              </a:rPr>
+              <a:t>new</a:t>
+            </a:r>
+            <a:r>
+              <a:rPr lang="vi-VN" sz="2400" dirty="0">
+                <a:latin typeface="Regular"/>
+              </a:rPr>
+              <a:t> </a:t>
+            </a:r>
+            <a:r>
+              <a:rPr lang="vi-VN" sz="2400" dirty="0" err="1">
+                <a:latin typeface="Regular"/>
+              </a:rPr>
+              <a:t>branch</a:t>
+            </a:r>
+            <a:endParaRPr lang="vi-VN" sz="2400" dirty="0">
+              <a:latin typeface="Regular"/>
+            </a:endParaRPr>
+          </a:p>
+          <a:p>
+            <a:r>
+              <a:rPr lang="vi-VN" dirty="0" err="1">
+                <a:latin typeface="Regular"/>
+              </a:rPr>
+              <a:t>git</a:t>
+            </a:r>
+            <a:r>
+              <a:rPr lang="vi-VN" dirty="0">
+                <a:latin typeface="Regular"/>
+              </a:rPr>
+              <a:t> </a:t>
+            </a:r>
+            <a:r>
+              <a:rPr lang="vi-VN" dirty="0" err="1">
+                <a:latin typeface="Regular"/>
+              </a:rPr>
+              <a:t>checkout</a:t>
+            </a:r>
+            <a:r>
+              <a:rPr lang="vi-VN" dirty="0">
+                <a:latin typeface="Regular"/>
+              </a:rPr>
+              <a:t> &lt;</a:t>
+            </a:r>
+            <a:r>
+              <a:rPr lang="vi-VN" dirty="0" err="1">
+                <a:latin typeface="Regular"/>
+              </a:rPr>
+              <a:t>commit</a:t>
+            </a:r>
+            <a:r>
+              <a:rPr lang="vi-VN" dirty="0">
+                <a:latin typeface="Regular"/>
+              </a:rPr>
+              <a:t>&gt;</a:t>
+            </a:r>
+          </a:p>
+          <a:p>
+            <a:pPr marL="0" indent="0">
+              <a:buNone/>
+            </a:pPr>
+            <a:r>
+              <a:rPr lang="vi-VN" sz="2400" dirty="0" err="1">
+                <a:latin typeface="Regular"/>
+              </a:rPr>
+              <a:t>detached</a:t>
+            </a:r>
+            <a:r>
+              <a:rPr lang="vi-VN" sz="2400" dirty="0">
+                <a:latin typeface="Regular"/>
+              </a:rPr>
+              <a:t> HEAD</a:t>
+            </a:r>
+          </a:p>
+          <a:p>
+            <a:r>
+              <a:rPr lang="vi-VN" dirty="0" err="1">
+                <a:latin typeface="Regular"/>
+              </a:rPr>
+              <a:t>git</a:t>
+            </a:r>
+            <a:r>
+              <a:rPr lang="vi-VN" dirty="0">
+                <a:latin typeface="Regular"/>
+              </a:rPr>
+              <a:t> </a:t>
+            </a:r>
+            <a:r>
+              <a:rPr lang="vi-VN" dirty="0" err="1">
+                <a:latin typeface="Regular"/>
+              </a:rPr>
+              <a:t>checkout</a:t>
+            </a:r>
+            <a:r>
+              <a:rPr lang="vi-VN" dirty="0">
+                <a:latin typeface="Regular"/>
+              </a:rPr>
+              <a:t> &lt;</a:t>
+            </a:r>
+            <a:r>
+              <a:rPr lang="vi-VN" dirty="0" err="1">
+                <a:latin typeface="Regular"/>
+              </a:rPr>
+              <a:t>file</a:t>
+            </a:r>
+            <a:r>
+              <a:rPr lang="vi-VN" dirty="0">
+                <a:latin typeface="Regular"/>
+              </a:rPr>
+              <a:t>&gt;</a:t>
+            </a:r>
+          </a:p>
+          <a:p>
+            <a:endParaRPr dirty="0">
+              <a:latin typeface="Regular"/>
+            </a:endParaRPr>
+          </a:p>
+        </p:txBody>
+      </p:sp>
+    </p:spTree>
+    <p:extLst>
+      <p:ext uri="{BB962C8B-B14F-4D97-AF65-F5344CB8AC3E}">
+        <p14:creationId xmlns:p14="http://schemas.microsoft.com/office/powerpoint/2010/main" val="363941671"/>
+      </p:ext>
+    </p:extLst>
+  </p:cSld>
+  <p:clrMapOvr>
+    <a:masterClrMapping/>
+  </p:clrMapOvr>
+</p:sld>
+</file>
+
+<file path=ppt/slides/slide13.xml><?xml version="1.0" encoding="utf-8"?>
+<p:sld xmlns:a="http://schemas.openxmlformats.org/drawingml/2006/main" xmlns:r="http://schemas.openxmlformats.org/officeDocument/2006/relationships" xmlns:p="http://schemas.openxmlformats.org/presentationml/2006/main">
+  <p:cSld>
+    <p:spTree>
+      <p:nvGrpSpPr>
+        <p:cNvPr id="1" name="">
+          <a:extLst>
+            <a:ext uri="{FF2B5EF4-FFF2-40B4-BE49-F238E27FC236}">
+              <a16:creationId xmlns:a16="http://schemas.microsoft.com/office/drawing/2014/main" id="{1CA20A63-3B4E-302F-7D9D-D82FEA696CB4}"/>
+            </a:ext>
+          </a:extLst>
+        </p:cNvPr>
+        <p:cNvGrpSpPr/>
+        <p:nvPr/>
+      </p:nvGrpSpPr>
+      <p:grpSpPr>
+        <a:xfrm>
+          <a:off x="0" y="0"/>
+          <a:ext cx="0" cy="0"/>
+          <a:chOff x="0" y="0"/>
+          <a:chExt cx="0" cy="0"/>
+        </a:xfrm>
+      </p:grpSpPr>
+      <p:sp>
+        <p:nvSpPr>
+          <p:cNvPr id="2" name="Title 1">
+            <a:extLst>
+              <a:ext uri="{FF2B5EF4-FFF2-40B4-BE49-F238E27FC236}">
+                <a16:creationId xmlns:a16="http://schemas.microsoft.com/office/drawing/2014/main" id="{7744ED1E-5C67-8CB3-6058-E6B56D9134E0}"/>
+              </a:ext>
+            </a:extLst>
+          </p:cNvPr>
+          <p:cNvSpPr>
+            <a:spLocks noGrp="1"/>
+          </p:cNvSpPr>
+          <p:nvPr>
+            <p:ph type="title"/>
+          </p:nvPr>
+        </p:nvSpPr>
+        <p:spPr/>
+        <p:txBody>
+          <a:bodyPr/>
+          <a:lstStyle/>
+          <a:p>
+            <a:r>
+              <a:rPr kumimoji="0" lang="vi-VN" sz="4400" b="0" i="0" u="none" strike="noStrike" kern="1200" cap="none" spc="0" normalizeH="0" baseline="0" noProof="0" dirty="0" err="1">
+                <a:ln>
+                  <a:noFill/>
+                </a:ln>
+                <a:solidFill>
+                  <a:prstClr val="black"/>
+                </a:solidFill>
+                <a:effectLst/>
+                <a:uLnTx/>
+                <a:uFillTx/>
+                <a:latin typeface="Calibri"/>
+                <a:ea typeface="+mj-ea"/>
+                <a:cs typeface="+mj-cs"/>
+              </a:rPr>
+              <a:t>Branching</a:t>
+            </a:r>
+            <a:endParaRPr lang="vi-VN" dirty="0"/>
+          </a:p>
+        </p:txBody>
+      </p:sp>
+      <p:sp>
+        <p:nvSpPr>
+          <p:cNvPr id="3" name="Content Placeholder 2">
+            <a:extLst>
+              <a:ext uri="{FF2B5EF4-FFF2-40B4-BE49-F238E27FC236}">
+                <a16:creationId xmlns:a16="http://schemas.microsoft.com/office/drawing/2014/main" id="{ADAB32CF-B292-D872-F75D-619437392310}"/>
+              </a:ext>
+            </a:extLst>
+          </p:cNvPr>
+          <p:cNvSpPr>
+            <a:spLocks noGrp="1"/>
+          </p:cNvSpPr>
+          <p:nvPr>
+            <p:ph idx="1"/>
+          </p:nvPr>
+        </p:nvSpPr>
+        <p:spPr/>
+        <p:txBody>
+          <a:bodyPr/>
+          <a:lstStyle/>
+          <a:p>
+            <a:r>
+              <a:rPr lang="en-US"/>
+              <a:t>git merge</a:t>
+            </a:r>
+          </a:p>
+          <a:p>
+            <a:pPr marL="0" indent="0">
+              <a:buNone/>
+            </a:pPr>
+            <a:r>
+              <a:rPr lang="en-US" sz="2400"/>
+              <a:t>Join two or more development histories together</a:t>
+            </a:r>
+          </a:p>
+          <a:p>
+            <a:pPr marL="0" indent="0">
+              <a:buNone/>
+            </a:pPr>
+            <a:endParaRPr lang="en-US" sz="2400" dirty="0"/>
+          </a:p>
+        </p:txBody>
+      </p:sp>
+      <p:pic>
+        <p:nvPicPr>
+          <p:cNvPr id="4" name="Picture 3">
+            <a:extLst>
+              <a:ext uri="{FF2B5EF4-FFF2-40B4-BE49-F238E27FC236}">
+                <a16:creationId xmlns:a16="http://schemas.microsoft.com/office/drawing/2014/main" id="{25FCE6C2-8800-E582-D3CE-4F292F608C24}"/>
+              </a:ext>
+            </a:extLst>
+          </p:cNvPr>
+          <p:cNvPicPr>
+            <a:picLocks noChangeAspect="1"/>
+          </p:cNvPicPr>
+          <p:nvPr/>
+        </p:nvPicPr>
+        <p:blipFill>
+          <a:blip r:embed="rId2"/>
+          <a:stretch>
+            <a:fillRect/>
+          </a:stretch>
+        </p:blipFill>
+        <p:spPr>
+          <a:xfrm>
+            <a:off x="577174" y="1946275"/>
+            <a:ext cx="7620000" cy="4362450"/>
+          </a:xfrm>
+          <a:prstGeom prst="rect">
+            <a:avLst/>
+          </a:prstGeom>
+        </p:spPr>
+      </p:pic>
+    </p:spTree>
+    <p:extLst>
+      <p:ext uri="{BB962C8B-B14F-4D97-AF65-F5344CB8AC3E}">
+        <p14:creationId xmlns:p14="http://schemas.microsoft.com/office/powerpoint/2010/main" val="2952834477"/>
+      </p:ext>
+    </p:extLst>
+  </p:cSld>
+  <p:clrMapOvr>
+    <a:masterClrMapping/>
+  </p:clrMapOvr>
+</p:sld>
+</file>
+
+<file path=ppt/slides/slide14.xml><?xml version="1.0" encoding="utf-8"?>
 <p:sld xmlns:a="http://schemas.openxmlformats.org/drawingml/2006/main" xmlns:r="http://schemas.openxmlformats.org/officeDocument/2006/relationships" xmlns:p="http://schemas.openxmlformats.org/presentationml/2006/main">
   <p:cSld>
     <p:spTree>
@@ -4357,10 +5592,6 @@
           <a:lstStyle/>
           <a:p>
             <a:r>
-              <a:rPr dirty="0"/>
-              <a:t>git merge, </a:t>
-            </a:r>
-            <a:r>
               <a:rPr lang="vi-VN" dirty="0" err="1">
                 <a:latin typeface="Regular"/>
               </a:rPr>
@@ -4378,19 +5609,108 @@
               </a:rPr>
               <a:t>rebase</a:t>
             </a:r>
-            <a:r>
-              <a:rPr lang="vi-VN" dirty="0">
-                <a:latin typeface="Regular"/>
-              </a:rPr>
-              <a:t> </a:t>
-            </a:r>
-            <a:r>
-              <a:rPr dirty="0"/>
-              <a:t>conflict example shown</a:t>
-            </a:r>
-          </a:p>
-        </p:txBody>
-      </p:sp>
+            <a:endParaRPr lang="vi-VN" dirty="0">
+              <a:latin typeface="Regular"/>
+            </a:endParaRPr>
+          </a:p>
+          <a:p>
+            <a:pPr marL="0" indent="0">
+              <a:buNone/>
+            </a:pPr>
+            <a:r>
+              <a:rPr lang="en-US" sz="2400" dirty="0"/>
+              <a:t>Reapply commits on top of another base tip</a:t>
+            </a:r>
+          </a:p>
+          <a:p>
+            <a:pPr marL="0" indent="0">
+              <a:buNone/>
+            </a:pPr>
+            <a:endParaRPr lang="en-US" sz="2400" dirty="0"/>
+          </a:p>
+          <a:p>
+            <a:pPr marL="0" indent="0">
+              <a:buNone/>
+            </a:pPr>
+            <a:endParaRPr sz="2400" dirty="0"/>
+          </a:p>
+        </p:txBody>
+      </p:sp>
+      <p:sp>
+        <p:nvSpPr>
+          <p:cNvPr id="5" name="AutoShape 4" descr="Git rebase">
+            <a:extLst>
+              <a:ext uri="{FF2B5EF4-FFF2-40B4-BE49-F238E27FC236}">
+                <a16:creationId xmlns:a16="http://schemas.microsoft.com/office/drawing/2014/main" id="{BEDBC25E-F15C-3E88-51B8-F5FCB98A2C29}"/>
+              </a:ext>
+            </a:extLst>
+          </p:cNvPr>
+          <p:cNvSpPr>
+            <a:spLocks noChangeAspect="1" noChangeArrowheads="1"/>
+          </p:cNvSpPr>
+          <p:nvPr/>
+        </p:nvSpPr>
+        <p:spPr bwMode="auto">
+          <a:xfrm>
+            <a:off x="4419600" y="3276600"/>
+            <a:ext cx="304800" cy="304800"/>
+          </a:xfrm>
+          <a:prstGeom prst="rect">
+            <a:avLst/>
+          </a:prstGeom>
+          <a:noFill/>
+          <a:extLst>
+            <a:ext uri="{909E8E84-426E-40DD-AFC4-6F175D3DCCD1}">
+              <a14:hiddenFill xmlns:a14="http://schemas.microsoft.com/office/drawing/2010/main">
+                <a:solidFill>
+                  <a:srgbClr val="FFFFFF"/>
+                </a:solidFill>
+              </a14:hiddenFill>
+            </a:ext>
+          </a:extLst>
+        </p:spPr>
+        <p:txBody>
+          <a:bodyPr vert="horz" wrap="square" lIns="91440" tIns="45720" rIns="91440" bIns="45720" numCol="1" anchor="t" anchorCtr="0" compatLnSpc="1">
+            <a:prstTxWarp prst="textNoShape">
+              <a:avLst/>
+            </a:prstTxWarp>
+          </a:bodyPr>
+          <a:lstStyle/>
+          <a:p>
+            <a:endParaRPr lang="vi-VN"/>
+          </a:p>
+        </p:txBody>
+      </p:sp>
+      <p:pic>
+        <p:nvPicPr>
+          <p:cNvPr id="7" name="Picture 6">
+            <a:extLst>
+              <a:ext uri="{FF2B5EF4-FFF2-40B4-BE49-F238E27FC236}">
+                <a16:creationId xmlns:a16="http://schemas.microsoft.com/office/drawing/2014/main" id="{0480996C-6BC8-0BC9-883F-507F49A994C5}"/>
+              </a:ext>
+            </a:extLst>
+          </p:cNvPr>
+          <p:cNvPicPr>
+            <a:picLocks noChangeAspect="1"/>
+          </p:cNvPicPr>
+          <p:nvPr/>
+        </p:nvPicPr>
+        <p:blipFill>
+          <a:blip r:embed="rId2"/>
+          <a:stretch>
+            <a:fillRect/>
+          </a:stretch>
+        </p:blipFill>
+        <p:spPr>
+          <a:xfrm>
+            <a:off x="1971675" y="2765188"/>
+            <a:ext cx="5200650" cy="3895725"/>
+          </a:xfrm>
+          <a:prstGeom prst="rect">
+            <a:avLst/>
+          </a:prstGeom>
+        </p:spPr>
+      </p:pic>
     </p:spTree>
     <p:extLst>
       <p:ext uri="{BB962C8B-B14F-4D97-AF65-F5344CB8AC3E}">
@@ -4404,156 +5724,7 @@
 </p:sld>
 </file>
 
-<file path=ppt/slides/slide13.xml><?xml version="1.0" encoding="utf-8"?>
-<p:sld xmlns:a="http://schemas.openxmlformats.org/drawingml/2006/main" xmlns:r="http://schemas.openxmlformats.org/officeDocument/2006/relationships" xmlns:p="http://schemas.openxmlformats.org/presentationml/2006/main">
-  <p:cSld>
-    <p:spTree>
-      <p:nvGrpSpPr>
-        <p:cNvPr id="1" name=""/>
-        <p:cNvGrpSpPr/>
-        <p:nvPr/>
-      </p:nvGrpSpPr>
-      <p:grpSpPr>
-        <a:xfrm>
-          <a:off x="0" y="0"/>
-          <a:ext cx="0" cy="0"/>
-          <a:chOff x="0" y="0"/>
-          <a:chExt cx="0" cy="0"/>
-        </a:xfrm>
-      </p:grpSpPr>
-      <p:sp>
-        <p:nvSpPr>
-          <p:cNvPr id="2" name="Title 1"/>
-          <p:cNvSpPr>
-            <a:spLocks noGrp="1"/>
-          </p:cNvSpPr>
-          <p:nvPr>
-            <p:ph type="title"/>
-          </p:nvPr>
-        </p:nvSpPr>
-        <p:spPr/>
-        <p:txBody>
-          <a:bodyPr/>
-          <a:lstStyle/>
-          <a:p>
-            <a:r>
-              <a:t>Remote Repos &amp; GitHub</a:t>
-            </a:r>
-          </a:p>
-        </p:txBody>
-      </p:sp>
-      <p:sp>
-        <p:nvSpPr>
-          <p:cNvPr id="3" name="Content Placeholder 2"/>
-          <p:cNvSpPr>
-            <a:spLocks noGrp="1"/>
-          </p:cNvSpPr>
-          <p:nvPr>
-            <p:ph idx="1"/>
-          </p:nvPr>
-        </p:nvSpPr>
-        <p:spPr/>
-        <p:txBody>
-          <a:bodyPr/>
-          <a:lstStyle/>
-          <a:p>
-            <a:r>
-              <a:rPr dirty="0"/>
-              <a:t>git remote, git push, git pull</a:t>
-            </a:r>
-            <a:endParaRPr lang="vi-VN" dirty="0"/>
-          </a:p>
-          <a:p>
-            <a:r>
-              <a:rPr lang="en-US" dirty="0"/>
-              <a:t>git remote add &lt;name&gt; &lt;</a:t>
-            </a:r>
-            <a:r>
-              <a:rPr lang="en-US" dirty="0" err="1"/>
-              <a:t>url</a:t>
-            </a:r>
-            <a:r>
-              <a:rPr lang="en-US" dirty="0"/>
-              <a:t>&gt;</a:t>
-            </a:r>
-          </a:p>
-          <a:p>
-            <a:r>
-              <a:rPr lang="vi-VN" dirty="0" err="1">
-                <a:latin typeface="Regular"/>
-              </a:rPr>
-              <a:t>git</a:t>
-            </a:r>
-            <a:r>
-              <a:rPr lang="vi-VN" dirty="0">
-                <a:latin typeface="Regular"/>
-              </a:rPr>
-              <a:t> </a:t>
-            </a:r>
-            <a:r>
-              <a:rPr lang="vi-VN" dirty="0" err="1">
-                <a:latin typeface="Regular"/>
-              </a:rPr>
-              <a:t>fetch</a:t>
-            </a:r>
-            <a:r>
-              <a:rPr lang="vi-VN" dirty="0">
-                <a:latin typeface="Regular"/>
-              </a:rPr>
-              <a:t> </a:t>
-            </a:r>
-            <a:r>
-              <a:rPr lang="vi-VN" dirty="0" err="1">
-                <a:latin typeface="Regular"/>
-              </a:rPr>
-              <a:t>origin</a:t>
-            </a:r>
-            <a:endParaRPr lang="vi-VN" dirty="0">
-              <a:latin typeface="Regular"/>
-            </a:endParaRPr>
-          </a:p>
-          <a:p>
-            <a:r>
-              <a:rPr lang="en-US" dirty="0">
-                <a:latin typeface="Regular"/>
-              </a:rPr>
-              <a:t>git push -u origin feat/login</a:t>
-            </a:r>
-          </a:p>
-          <a:p>
-            <a:r>
-              <a:rPr lang="vi-VN" dirty="0" err="1">
-                <a:latin typeface="Regular"/>
-              </a:rPr>
-              <a:t>git</a:t>
-            </a:r>
-            <a:r>
-              <a:rPr lang="vi-VN" dirty="0">
-                <a:latin typeface="Regular"/>
-              </a:rPr>
-              <a:t> </a:t>
-            </a:r>
-            <a:r>
-              <a:rPr lang="vi-VN" dirty="0" err="1">
-                <a:latin typeface="Regular"/>
-              </a:rPr>
-              <a:t>pull</a:t>
-            </a:r>
-            <a:endParaRPr dirty="0">
-              <a:latin typeface="Regular"/>
-            </a:endParaRPr>
-          </a:p>
-        </p:txBody>
-      </p:sp>
-    </p:spTree>
-  </p:cSld>
-  <p:clrMapOvr>
-    <a:masterClrMapping/>
-  </p:clrMapOvr>
-</p:sld>
-</file>
-
-<file path=ppt/slides/slide14.xml><?xml version="1.0" encoding="utf-8"?>
+<file path=ppt/slides/slide15.xml><?xml version="1.0" encoding="utf-8"?>
 <p:sld xmlns:a="http://schemas.openxmlformats.org/drawingml/2006/main" xmlns:r="http://schemas.openxmlformats.org/officeDocument/2006/relationships" xmlns:p="http://schemas.openxmlformats.org/presentationml/2006/main">
   <p:cSld>
     <p:spTree>
@@ -4561,7 +5732,7 @@
         <p:cNvPr id="1" name="">
           <a:extLst>
             <a:ext uri="{FF2B5EF4-FFF2-40B4-BE49-F238E27FC236}">
-              <a16:creationId xmlns:a16="http://schemas.microsoft.com/office/drawing/2014/main" id="{9B5C11D4-E784-8C72-0CD4-587B27A1416C}"/>
+              <a16:creationId xmlns:a16="http://schemas.microsoft.com/office/drawing/2014/main" id="{49174641-AB60-DB49-CE2F-8D91684C7124}"/>
             </a:ext>
           </a:extLst>
         </p:cNvPr>
@@ -4581,7 +5752,7 @@
           <p:cNvPr id="2" name="Title 1">
             <a:extLst>
               <a:ext uri="{FF2B5EF4-FFF2-40B4-BE49-F238E27FC236}">
-                <a16:creationId xmlns:a16="http://schemas.microsoft.com/office/drawing/2014/main" id="{13651F5E-2AE4-113A-3082-D46C8C4609EA}"/>
+                <a16:creationId xmlns:a16="http://schemas.microsoft.com/office/drawing/2014/main" id="{856DD005-54CE-AC36-2959-CC5DAE24A8D0}"/>
               </a:ext>
             </a:extLst>
           </p:cNvPr>
@@ -4598,7 +5769,7 @@
           <a:lstStyle/>
           <a:p>
             <a:r>
-              <a:t>Remote Repos &amp; GitHub</a:t>
+              <a:t>Branching</a:t>
             </a:r>
           </a:p>
         </p:txBody>
@@ -4608,7 +5779,7 @@
           <p:cNvPr id="3" name="Content Placeholder 2">
             <a:extLst>
               <a:ext uri="{FF2B5EF4-FFF2-40B4-BE49-F238E27FC236}">
-                <a16:creationId xmlns:a16="http://schemas.microsoft.com/office/drawing/2014/main" id="{4FF15F08-0C14-A2D0-A659-398EC539700B}"/>
+                <a16:creationId xmlns:a16="http://schemas.microsoft.com/office/drawing/2014/main" id="{C4D7F5B6-2FC5-3186-E9A4-B4C65ED84845}"/>
               </a:ext>
             </a:extLst>
           </p:cNvPr>
@@ -4624,110 +5795,128 @@
           <a:bodyPr/>
           <a:lstStyle/>
           <a:p>
-            <a:r>
-              <a:t>git remote, git push, git pull</a:t>
-            </a:r>
-          </a:p>
-          <a:p>
-            <a:r>
-              <a:t>Pull Request flow on GitHub</a:t>
-            </a:r>
-          </a:p>
-          <a:p>
-            <a:r>
-              <a:t>Use HTTPS/SSH</a:t>
-            </a:r>
+            <a:pPr marL="0" indent="0">
+              <a:buNone/>
+            </a:pPr>
+            <a:endParaRPr lang="vi-VN" dirty="0">
+              <a:latin typeface="Regular"/>
+            </a:endParaRPr>
+          </a:p>
+          <a:p>
+            <a:pPr marL="0" indent="0">
+              <a:buNone/>
+            </a:pPr>
+            <a:r>
+              <a:rPr lang="en-US" sz="2400" dirty="0">
+                <a:latin typeface="Regular"/>
+              </a:rPr>
+              <a:t>Action					Why</a:t>
+            </a:r>
+          </a:p>
+          <a:p>
+            <a:pPr marL="0" indent="0">
+              <a:buNone/>
+            </a:pPr>
+            <a:r>
+              <a:rPr lang="en-US" sz="2400" dirty="0">
+                <a:latin typeface="Regular"/>
+              </a:rPr>
+              <a:t>main ← merge feat	✅ To bring new feature into main</a:t>
+            </a:r>
+          </a:p>
+          <a:p>
+            <a:pPr marL="0" indent="0">
+              <a:buNone/>
+            </a:pPr>
+            <a:r>
+              <a:rPr lang="en-US" sz="2400" dirty="0">
+                <a:latin typeface="Regular"/>
+              </a:rPr>
+              <a:t>feat ← rebase main	✅ To keep up-to-date with main cleanly</a:t>
+            </a:r>
+          </a:p>
+          <a:p>
+            <a:pPr marL="0" indent="0">
+              <a:buNone/>
+            </a:pPr>
+            <a:r>
+              <a:rPr lang="en-US" sz="2400" dirty="0">
+                <a:latin typeface="Regular"/>
+              </a:rPr>
+              <a:t>So yes:</a:t>
+            </a:r>
+            <a:endParaRPr lang="vi-VN" sz="2400" dirty="0">
+              <a:latin typeface="Regular"/>
+            </a:endParaRPr>
+          </a:p>
+          <a:p>
+            <a:pPr marL="0" indent="0">
+              <a:buNone/>
+            </a:pPr>
+            <a:r>
+              <a:rPr lang="en-US" sz="2400" dirty="0"/>
+              <a:t>You rebase feature onto main (to avoid messy merge commits) You merge feature into main (to integrate your finished work)</a:t>
+            </a:r>
+          </a:p>
+          <a:p>
+            <a:pPr marL="0" indent="0">
+              <a:buNone/>
+            </a:pPr>
+            <a:endParaRPr sz="2400" dirty="0"/>
+          </a:p>
+        </p:txBody>
+      </p:sp>
+      <p:sp>
+        <p:nvSpPr>
+          <p:cNvPr id="5" name="AutoShape 4" descr="Git rebase">
+            <a:extLst>
+              <a:ext uri="{FF2B5EF4-FFF2-40B4-BE49-F238E27FC236}">
+                <a16:creationId xmlns:a16="http://schemas.microsoft.com/office/drawing/2014/main" id="{49DCC8EB-B5F4-9709-E43D-FC9BE61AEBE1}"/>
+              </a:ext>
+            </a:extLst>
+          </p:cNvPr>
+          <p:cNvSpPr>
+            <a:spLocks noChangeAspect="1" noChangeArrowheads="1"/>
+          </p:cNvSpPr>
+          <p:nvPr/>
+        </p:nvSpPr>
+        <p:spPr bwMode="auto">
+          <a:xfrm>
+            <a:off x="4419600" y="3276600"/>
+            <a:ext cx="304800" cy="304800"/>
+          </a:xfrm>
+          <a:prstGeom prst="rect">
+            <a:avLst/>
+          </a:prstGeom>
+          <a:noFill/>
+          <a:extLst>
+            <a:ext uri="{909E8E84-426E-40DD-AFC4-6F175D3DCCD1}">
+              <a14:hiddenFill xmlns:a14="http://schemas.microsoft.com/office/drawing/2010/main">
+                <a:solidFill>
+                  <a:srgbClr val="FFFFFF"/>
+                </a:solidFill>
+              </a14:hiddenFill>
+            </a:ext>
+          </a:extLst>
+        </p:spPr>
+        <p:txBody>
+          <a:bodyPr vert="horz" wrap="square" lIns="91440" tIns="45720" rIns="91440" bIns="45720" numCol="1" anchor="t" anchorCtr="0" compatLnSpc="1">
+            <a:prstTxWarp prst="textNoShape">
+              <a:avLst/>
+            </a:prstTxWarp>
+          </a:bodyPr>
+          <a:lstStyle/>
+          <a:p>
+            <a:endParaRPr lang="vi-VN"/>
           </a:p>
         </p:txBody>
       </p:sp>
     </p:spTree>
     <p:extLst>
       <p:ext uri="{BB962C8B-B14F-4D97-AF65-F5344CB8AC3E}">
-        <p14:creationId xmlns:p14="http://schemas.microsoft.com/office/powerpoint/2010/main" val="1392462531"/>
+        <p14:creationId xmlns:p14="http://schemas.microsoft.com/office/powerpoint/2010/main" val="244460774"/>
       </p:ext>
     </p:extLst>
-  </p:cSld>
-  <p:clrMapOvr>
-    <a:masterClrMapping/>
-  </p:clrMapOvr>
-</p:sld>
-</file>
-
-<file path=ppt/slides/slide15.xml><?xml version="1.0" encoding="utf-8"?>
-<p:sld xmlns:a="http://schemas.openxmlformats.org/drawingml/2006/main" xmlns:r="http://schemas.openxmlformats.org/officeDocument/2006/relationships" xmlns:p="http://schemas.openxmlformats.org/presentationml/2006/main">
-  <p:cSld>
-    <p:spTree>
-      <p:nvGrpSpPr>
-        <p:cNvPr id="1" name=""/>
-        <p:cNvGrpSpPr/>
-        <p:nvPr/>
-      </p:nvGrpSpPr>
-      <p:grpSpPr>
-        <a:xfrm>
-          <a:off x="0" y="0"/>
-          <a:ext cx="0" cy="0"/>
-          <a:chOff x="0" y="0"/>
-          <a:chExt cx="0" cy="0"/>
-        </a:xfrm>
-      </p:grpSpPr>
-      <p:sp>
-        <p:nvSpPr>
-          <p:cNvPr id="2" name="Title 1"/>
-          <p:cNvSpPr>
-            <a:spLocks noGrp="1"/>
-          </p:cNvSpPr>
-          <p:nvPr>
-            <p:ph type="title"/>
-          </p:nvPr>
-        </p:nvSpPr>
-        <p:spPr/>
-        <p:txBody>
-          <a:bodyPr/>
-          <a:lstStyle/>
-          <a:p>
-            <a:r>
-              <a:t>Best Practices</a:t>
-            </a:r>
-          </a:p>
-        </p:txBody>
-      </p:sp>
-      <p:sp>
-        <p:nvSpPr>
-          <p:cNvPr id="3" name="Content Placeholder 2"/>
-          <p:cNvSpPr>
-            <a:spLocks noGrp="1"/>
-          </p:cNvSpPr>
-          <p:nvPr>
-            <p:ph idx="1"/>
-          </p:nvPr>
-        </p:nvSpPr>
-        <p:spPr/>
-        <p:txBody>
-          <a:bodyPr/>
-          <a:lstStyle/>
-          <a:p>
-            <a:r>
-              <a:t>Clear commit messages</a:t>
-            </a:r>
-          </a:p>
-          <a:p>
-            <a:r>
-              <a:t>Proper branch naming</a:t>
-            </a:r>
-          </a:p>
-          <a:p>
-            <a:r>
-              <a:t>Use .gitignore</a:t>
-            </a:r>
-          </a:p>
-          <a:p>
-            <a:r>
-              <a:t>Prefer rebase in clean history</a:t>
-            </a:r>
-          </a:p>
-        </p:txBody>
-      </p:sp>
-    </p:spTree>
   </p:cSld>
   <p:clrMapOvr>
     <a:masterClrMapping/>
@@ -4768,7 +5957,7 @@
           <a:lstStyle/>
           <a:p>
             <a:r>
-              <a:t>Workflow Types</a:t>
+              <a:t>Remote Repos &amp; GitHub</a:t>
             </a:r>
           </a:p>
         </p:txBody>
@@ -4789,18 +5978,90 @@
           <a:lstStyle/>
           <a:p>
             <a:r>
-              <a:t>Feature Branch</a:t>
-            </a:r>
-          </a:p>
-          <a:p>
-            <a:r>
-              <a:t>Git Flow</a:t>
-            </a:r>
-          </a:p>
-          <a:p>
-            <a:r>
-              <a:t>Fork &amp; Pull Request</a:t>
-            </a:r>
+              <a:rPr dirty="0"/>
+              <a:t>git remote, git push, git pull</a:t>
+            </a:r>
+            <a:endParaRPr lang="vi-VN" dirty="0"/>
+          </a:p>
+          <a:p>
+            <a:r>
+              <a:rPr lang="en-US" dirty="0"/>
+              <a:t>git remote add &lt;name&gt; &lt;</a:t>
+            </a:r>
+            <a:r>
+              <a:rPr lang="en-US" dirty="0" err="1"/>
+              <a:t>url</a:t>
+            </a:r>
+            <a:r>
+              <a:rPr lang="en-US" dirty="0"/>
+              <a:t>&gt;</a:t>
+            </a:r>
+          </a:p>
+          <a:p>
+            <a:r>
+              <a:rPr lang="vi-VN" dirty="0" err="1">
+                <a:latin typeface="Regular"/>
+              </a:rPr>
+              <a:t>git</a:t>
+            </a:r>
+            <a:r>
+              <a:rPr lang="vi-VN" dirty="0">
+                <a:latin typeface="Regular"/>
+              </a:rPr>
+              <a:t> </a:t>
+            </a:r>
+            <a:r>
+              <a:rPr lang="vi-VN" dirty="0" err="1">
+                <a:latin typeface="Regular"/>
+              </a:rPr>
+              <a:t>fetch</a:t>
+            </a:r>
+            <a:r>
+              <a:rPr lang="vi-VN" dirty="0">
+                <a:latin typeface="Regular"/>
+              </a:rPr>
+              <a:t> </a:t>
+            </a:r>
+            <a:r>
+              <a:rPr lang="vi-VN" dirty="0" err="1">
+                <a:latin typeface="Regular"/>
+              </a:rPr>
+              <a:t>origin</a:t>
+            </a:r>
+            <a:endParaRPr lang="vi-VN" dirty="0">
+              <a:latin typeface="Regular"/>
+            </a:endParaRPr>
+          </a:p>
+          <a:p>
+            <a:r>
+              <a:rPr lang="en-US" dirty="0">
+                <a:latin typeface="Regular"/>
+              </a:rPr>
+              <a:t>git push -u origin feat/login</a:t>
+            </a:r>
+          </a:p>
+          <a:p>
+            <a:r>
+              <a:rPr lang="vi-VN" dirty="0" err="1">
+                <a:latin typeface="Regular"/>
+              </a:rPr>
+              <a:t>git</a:t>
+            </a:r>
+            <a:r>
+              <a:rPr lang="vi-VN" dirty="0">
+                <a:latin typeface="Regular"/>
+              </a:rPr>
+              <a:t> </a:t>
+            </a:r>
+            <a:r>
+              <a:rPr lang="vi-VN" dirty="0" err="1">
+                <a:latin typeface="Regular"/>
+              </a:rPr>
+              <a:t>pull</a:t>
+            </a:r>
+            <a:endParaRPr dirty="0">
+              <a:latin typeface="Regular"/>
+            </a:endParaRPr>
           </a:p>
         </p:txBody>
       </p:sp>
@@ -4813,6 +6074,106 @@
 </file>
 
 <file path=ppt/slides/slide17.xml><?xml version="1.0" encoding="utf-8"?>
+<p:sld xmlns:a="http://schemas.openxmlformats.org/drawingml/2006/main" xmlns:r="http://schemas.openxmlformats.org/officeDocument/2006/relationships" xmlns:p="http://schemas.openxmlformats.org/presentationml/2006/main">
+  <p:cSld>
+    <p:spTree>
+      <p:nvGrpSpPr>
+        <p:cNvPr id="1" name="">
+          <a:extLst>
+            <a:ext uri="{FF2B5EF4-FFF2-40B4-BE49-F238E27FC236}">
+              <a16:creationId xmlns:a16="http://schemas.microsoft.com/office/drawing/2014/main" id="{9B5C11D4-E784-8C72-0CD4-587B27A1416C}"/>
+            </a:ext>
+          </a:extLst>
+        </p:cNvPr>
+        <p:cNvGrpSpPr/>
+        <p:nvPr/>
+      </p:nvGrpSpPr>
+      <p:grpSpPr>
+        <a:xfrm>
+          <a:off x="0" y="0"/>
+          <a:ext cx="0" cy="0"/>
+          <a:chOff x="0" y="0"/>
+          <a:chExt cx="0" cy="0"/>
+        </a:xfrm>
+      </p:grpSpPr>
+      <p:sp>
+        <p:nvSpPr>
+          <p:cNvPr id="2" name="Title 1">
+            <a:extLst>
+              <a:ext uri="{FF2B5EF4-FFF2-40B4-BE49-F238E27FC236}">
+                <a16:creationId xmlns:a16="http://schemas.microsoft.com/office/drawing/2014/main" id="{13651F5E-2AE4-113A-3082-D46C8C4609EA}"/>
+              </a:ext>
+            </a:extLst>
+          </p:cNvPr>
+          <p:cNvSpPr>
+            <a:spLocks noGrp="1"/>
+          </p:cNvSpPr>
+          <p:nvPr>
+            <p:ph type="title"/>
+          </p:nvPr>
+        </p:nvSpPr>
+        <p:spPr/>
+        <p:txBody>
+          <a:bodyPr/>
+          <a:lstStyle/>
+          <a:p>
+            <a:r>
+              <a:t>Remote Repos &amp; GitHub</a:t>
+            </a:r>
+          </a:p>
+        </p:txBody>
+      </p:sp>
+      <p:sp>
+        <p:nvSpPr>
+          <p:cNvPr id="3" name="Content Placeholder 2">
+            <a:extLst>
+              <a:ext uri="{FF2B5EF4-FFF2-40B4-BE49-F238E27FC236}">
+                <a16:creationId xmlns:a16="http://schemas.microsoft.com/office/drawing/2014/main" id="{4FF15F08-0C14-A2D0-A659-398EC539700B}"/>
+              </a:ext>
+            </a:extLst>
+          </p:cNvPr>
+          <p:cNvSpPr>
+            <a:spLocks noGrp="1"/>
+          </p:cNvSpPr>
+          <p:nvPr>
+            <p:ph idx="1"/>
+          </p:nvPr>
+        </p:nvSpPr>
+        <p:spPr/>
+        <p:txBody>
+          <a:bodyPr/>
+          <a:lstStyle/>
+          <a:p>
+            <a:r>
+              <a:t>git remote, git push, git pull</a:t>
+            </a:r>
+          </a:p>
+          <a:p>
+            <a:r>
+              <a:t>Pull Request flow on GitHub</a:t>
+            </a:r>
+          </a:p>
+          <a:p>
+            <a:r>
+              <a:t>Use HTTPS/SSH</a:t>
+            </a:r>
+          </a:p>
+        </p:txBody>
+      </p:sp>
+    </p:spTree>
+    <p:extLst>
+      <p:ext uri="{BB962C8B-B14F-4D97-AF65-F5344CB8AC3E}">
+        <p14:creationId xmlns:p14="http://schemas.microsoft.com/office/powerpoint/2010/main" val="1392462531"/>
+      </p:ext>
+    </p:extLst>
+  </p:cSld>
+  <p:clrMapOvr>
+    <a:masterClrMapping/>
+  </p:clrMapOvr>
+</p:sld>
+</file>
+
+<file path=ppt/slides/slide18.xml><?xml version="1.0" encoding="utf-8"?>
 <p:sld xmlns:a="http://schemas.openxmlformats.org/drawingml/2006/main" xmlns:r="http://schemas.openxmlformats.org/officeDocument/2006/relationships" xmlns:p="http://schemas.openxmlformats.org/presentationml/2006/main">
   <p:cSld>
     <p:spTree>
@@ -4845,7 +6206,7 @@
           <a:lstStyle/>
           <a:p>
             <a:r>
-              <a:t>Advanced Git</a:t>
+              <a:t>Best Practices</a:t>
             </a:r>
           </a:p>
         </p:txBody>
@@ -4866,206 +6227,27 @@
           <a:lstStyle/>
           <a:p>
             <a:r>
-              <a:rPr dirty="0"/>
-              <a:t>git stash</a:t>
-            </a:r>
-            <a:r>
-              <a:rPr lang="vi-VN" dirty="0"/>
-              <a:t> </a:t>
-            </a:r>
-            <a:r>
-              <a:rPr lang="vi-VN" dirty="0">
-                <a:latin typeface="Regular"/>
-              </a:rPr>
-              <a:t>(</a:t>
-            </a:r>
-            <a:r>
-              <a:rPr lang="vi-VN" dirty="0" err="1">
-                <a:latin typeface="Regular"/>
-              </a:rPr>
-              <a:t>stash</a:t>
-            </a:r>
-            <a:r>
-              <a:rPr lang="vi-VN" dirty="0">
-                <a:latin typeface="Regular"/>
-              </a:rPr>
-              <a:t> </a:t>
-            </a:r>
-            <a:r>
-              <a:rPr lang="vi-VN" dirty="0" err="1">
-                <a:latin typeface="Regular"/>
-              </a:rPr>
-              <a:t>your</a:t>
-            </a:r>
-            <a:r>
-              <a:rPr lang="vi-VN" dirty="0">
-                <a:latin typeface="Regular"/>
-              </a:rPr>
-              <a:t> </a:t>
-            </a:r>
-            <a:r>
-              <a:rPr lang="vi-VN" dirty="0" err="1">
-                <a:latin typeface="Regular"/>
-              </a:rPr>
-              <a:t>change</a:t>
-            </a:r>
-            <a:r>
-              <a:rPr lang="vi-VN" dirty="0">
-                <a:latin typeface="Regular"/>
-              </a:rPr>
-              <a:t>)</a:t>
-            </a:r>
-          </a:p>
-          <a:p>
-            <a:r>
-              <a:rPr lang="en-US" dirty="0"/>
-              <a:t>git stash push -m “message“ (stash with mess)</a:t>
-            </a:r>
-          </a:p>
-          <a:p>
-            <a:r>
-              <a:rPr lang="en-US" dirty="0"/>
-              <a:t>git stash list (see your stash list)</a:t>
-            </a:r>
-          </a:p>
-          <a:p>
-            <a:r>
-              <a:rPr lang="en-US" dirty="0"/>
-              <a:t>git stash apply   # applies latest stash</a:t>
-            </a:r>
-          </a:p>
-          <a:p>
-            <a:r>
-              <a:rPr lang="en-US" dirty="0"/>
-              <a:t>git stash apply stash@{0} (0)</a:t>
-            </a:r>
-          </a:p>
-          <a:p>
-            <a:r>
-              <a:rPr lang="sv-SE" dirty="0"/>
-              <a:t>git stash drop stash@{0}</a:t>
-            </a:r>
-          </a:p>
-          <a:p>
-            <a:r>
-              <a:rPr lang="en-US" dirty="0"/>
-              <a:t>git stash pop</a:t>
-            </a:r>
-            <a:r>
-              <a:rPr lang="sv-SE" dirty="0"/>
-              <a:t>(apply + remove)</a:t>
-            </a:r>
-            <a:endParaRPr lang="en-US" dirty="0"/>
-          </a:p>
-          <a:p>
-            <a:endParaRPr lang="en-US" dirty="0"/>
-          </a:p>
-          <a:p>
-            <a:endParaRPr lang="en-US" dirty="0"/>
-          </a:p>
-          <a:p>
-            <a:endParaRPr dirty="0"/>
+              <a:t>Clear commit messages</a:t>
+            </a:r>
+          </a:p>
+          <a:p>
+            <a:r>
+              <a:t>Proper branch naming</a:t>
+            </a:r>
+          </a:p>
+          <a:p>
+            <a:r>
+              <a:t>Use .gitignore</a:t>
+            </a:r>
+          </a:p>
+          <a:p>
+            <a:r>
+              <a:t>Prefer rebase in clean history</a:t>
+            </a:r>
           </a:p>
         </p:txBody>
       </p:sp>
     </p:spTree>
-  </p:cSld>
-  <p:clrMapOvr>
-    <a:masterClrMapping/>
-  </p:clrMapOvr>
-</p:sld>
-</file>
-
-<file path=ppt/slides/slide18.xml><?xml version="1.0" encoding="utf-8"?>
-<p:sld xmlns:a="http://schemas.openxmlformats.org/drawingml/2006/main" xmlns:r="http://schemas.openxmlformats.org/officeDocument/2006/relationships" xmlns:p="http://schemas.openxmlformats.org/presentationml/2006/main">
-  <p:cSld>
-    <p:spTree>
-      <p:nvGrpSpPr>
-        <p:cNvPr id="1" name="">
-          <a:extLst>
-            <a:ext uri="{FF2B5EF4-FFF2-40B4-BE49-F238E27FC236}">
-              <a16:creationId xmlns:a16="http://schemas.microsoft.com/office/drawing/2014/main" id="{91F56388-4FCC-78BC-2CDF-4F840FF69F73}"/>
-            </a:ext>
-          </a:extLst>
-        </p:cNvPr>
-        <p:cNvGrpSpPr/>
-        <p:nvPr/>
-      </p:nvGrpSpPr>
-      <p:grpSpPr>
-        <a:xfrm>
-          <a:off x="0" y="0"/>
-          <a:ext cx="0" cy="0"/>
-          <a:chOff x="0" y="0"/>
-          <a:chExt cx="0" cy="0"/>
-        </a:xfrm>
-      </p:grpSpPr>
-      <p:sp>
-        <p:nvSpPr>
-          <p:cNvPr id="2" name="Title 1">
-            <a:extLst>
-              <a:ext uri="{FF2B5EF4-FFF2-40B4-BE49-F238E27FC236}">
-                <a16:creationId xmlns:a16="http://schemas.microsoft.com/office/drawing/2014/main" id="{02826393-7A1F-1D96-A6FB-61A802A905BC}"/>
-              </a:ext>
-            </a:extLst>
-          </p:cNvPr>
-          <p:cNvSpPr>
-            <a:spLocks noGrp="1"/>
-          </p:cNvSpPr>
-          <p:nvPr>
-            <p:ph type="title"/>
-          </p:nvPr>
-        </p:nvSpPr>
-        <p:spPr/>
-        <p:txBody>
-          <a:bodyPr/>
-          <a:lstStyle/>
-          <a:p>
-            <a:r>
-              <a:t>Advanced Git</a:t>
-            </a:r>
-          </a:p>
-        </p:txBody>
-      </p:sp>
-      <p:sp>
-        <p:nvSpPr>
-          <p:cNvPr id="3" name="Content Placeholder 2">
-            <a:extLst>
-              <a:ext uri="{FF2B5EF4-FFF2-40B4-BE49-F238E27FC236}">
-                <a16:creationId xmlns:a16="http://schemas.microsoft.com/office/drawing/2014/main" id="{2C00E0C3-D9AC-084F-DEEE-12630DAD7801}"/>
-              </a:ext>
-            </a:extLst>
-          </p:cNvPr>
-          <p:cNvSpPr>
-            <a:spLocks noGrp="1"/>
-          </p:cNvSpPr>
-          <p:nvPr>
-            <p:ph idx="1"/>
-          </p:nvPr>
-        </p:nvSpPr>
-        <p:spPr/>
-        <p:txBody>
-          <a:bodyPr/>
-          <a:lstStyle/>
-          <a:p>
-            <a:r>
-              <a:rPr dirty="0"/>
-              <a:t>git cherry-pick</a:t>
-            </a:r>
-          </a:p>
-          <a:p>
-            <a:r>
-              <a:rPr dirty="0"/>
-              <a:t>git bisect, git tag</a:t>
-            </a:r>
-          </a:p>
-        </p:txBody>
-      </p:sp>
-    </p:spTree>
-    <p:extLst>
-      <p:ext uri="{BB962C8B-B14F-4D97-AF65-F5344CB8AC3E}">
-        <p14:creationId xmlns:p14="http://schemas.microsoft.com/office/powerpoint/2010/main" val="3455499891"/>
-      </p:ext>
-    </p:extLst>
   </p:cSld>
   <p:clrMapOvr>
     <a:masterClrMapping/>
@@ -5106,8 +6288,7 @@
           <a:lstStyle/>
           <a:p>
             <a:r>
-              <a:rPr dirty="0"/>
-              <a:t>Troubleshooting</a:t>
+              <a:t>Workflow Types</a:t>
             </a:r>
           </a:p>
         </p:txBody>
@@ -5128,189 +6309,51 @@
           <a:lstStyle/>
           <a:p>
             <a:r>
-              <a:rPr dirty="0"/>
-              <a:t>Reset vs Revert</a:t>
-            </a:r>
-            <a:endParaRPr lang="vi-VN" dirty="0"/>
-          </a:p>
-          <a:p>
-            <a:r>
-              <a:rPr lang="vi-VN" dirty="0" err="1">
-                <a:latin typeface="Regular"/>
-              </a:rPr>
-              <a:t>git</a:t>
-            </a:r>
-            <a:r>
-              <a:rPr lang="vi-VN" dirty="0">
-                <a:latin typeface="Regular"/>
-              </a:rPr>
-              <a:t> </a:t>
-            </a:r>
-            <a:r>
-              <a:rPr lang="vi-VN" dirty="0" err="1">
-                <a:latin typeface="Regular"/>
-              </a:rPr>
-              <a:t>reset</a:t>
-            </a:r>
-            <a:r>
-              <a:rPr lang="vi-VN" dirty="0">
-                <a:latin typeface="Regular"/>
-              </a:rPr>
-              <a:t> --</a:t>
-            </a:r>
-            <a:r>
-              <a:rPr lang="vi-VN" dirty="0" err="1">
-                <a:latin typeface="Regular"/>
-              </a:rPr>
-              <a:t>soft</a:t>
-            </a:r>
-            <a:r>
-              <a:rPr lang="vi-VN" dirty="0">
-                <a:latin typeface="Regular"/>
-              </a:rPr>
-              <a:t> HEAD~1 (</a:t>
-            </a:r>
-            <a:r>
-              <a:rPr lang="vi-VN" dirty="0" err="1">
-                <a:latin typeface="Regular"/>
-              </a:rPr>
-              <a:t>git</a:t>
-            </a:r>
-            <a:r>
-              <a:rPr lang="vi-VN" dirty="0">
-                <a:latin typeface="Regular"/>
-              </a:rPr>
-              <a:t> </a:t>
-            </a:r>
-            <a:r>
-              <a:rPr lang="vi-VN" dirty="0" err="1">
-                <a:latin typeface="Regular"/>
-              </a:rPr>
-              <a:t>reset</a:t>
-            </a:r>
-            <a:r>
-              <a:rPr lang="vi-VN" dirty="0">
-                <a:latin typeface="Regular"/>
-              </a:rPr>
-              <a:t> --</a:t>
-            </a:r>
-            <a:r>
-              <a:rPr lang="vi-VN" dirty="0" err="1">
-                <a:latin typeface="Regular"/>
-              </a:rPr>
-              <a:t>soft</a:t>
-            </a:r>
-            <a:r>
-              <a:rPr lang="vi-VN" dirty="0">
-                <a:latin typeface="Regular"/>
-              </a:rPr>
-              <a:t> HEAD~1)</a:t>
-            </a:r>
-          </a:p>
-          <a:p>
-            <a:r>
-              <a:rPr lang="vi-VN" dirty="0" err="1">
-                <a:latin typeface="Regular"/>
-              </a:rPr>
-              <a:t>git</a:t>
-            </a:r>
-            <a:r>
-              <a:rPr lang="vi-VN" dirty="0">
-                <a:latin typeface="Regular"/>
-              </a:rPr>
-              <a:t> </a:t>
-            </a:r>
-            <a:r>
-              <a:rPr lang="vi-VN" dirty="0" err="1">
-                <a:latin typeface="Regular"/>
-              </a:rPr>
-              <a:t>reset</a:t>
-            </a:r>
-            <a:r>
-              <a:rPr lang="vi-VN" dirty="0">
-                <a:latin typeface="Regular"/>
-              </a:rPr>
-              <a:t> HEAD~1 </a:t>
-            </a:r>
-            <a:r>
-              <a:rPr lang="en-US" dirty="0">
-                <a:latin typeface="Regular"/>
-              </a:rPr>
-              <a:t>(Keeps changes in working directory, but </a:t>
-            </a:r>
-            <a:r>
-              <a:rPr lang="en-US" dirty="0" err="1">
-                <a:latin typeface="Regular"/>
-              </a:rPr>
-              <a:t>unstage</a:t>
-            </a:r>
-            <a:r>
-              <a:rPr lang="en-US" dirty="0">
-                <a:latin typeface="Regular"/>
-              </a:rPr>
-              <a:t> them)</a:t>
-            </a:r>
-            <a:endParaRPr lang="vi-VN" dirty="0">
-              <a:latin typeface="Regular"/>
-            </a:endParaRPr>
-          </a:p>
-          <a:p>
-            <a:r>
-              <a:rPr lang="vi-VN" dirty="0" err="1">
-                <a:latin typeface="Regular"/>
-              </a:rPr>
-              <a:t>git</a:t>
-            </a:r>
-            <a:r>
-              <a:rPr lang="vi-VN" dirty="0">
-                <a:latin typeface="Regular"/>
-              </a:rPr>
-              <a:t> </a:t>
-            </a:r>
-            <a:r>
-              <a:rPr lang="vi-VN" dirty="0" err="1">
-                <a:latin typeface="Regular"/>
-              </a:rPr>
-              <a:t>reset</a:t>
-            </a:r>
-            <a:r>
-              <a:rPr lang="vi-VN" dirty="0">
-                <a:latin typeface="Regular"/>
-              </a:rPr>
-              <a:t> --</a:t>
-            </a:r>
-            <a:r>
-              <a:rPr lang="vi-VN" dirty="0" err="1">
-                <a:latin typeface="Regular"/>
-              </a:rPr>
-              <a:t>hard</a:t>
-            </a:r>
-            <a:r>
-              <a:rPr lang="vi-VN" dirty="0">
-                <a:latin typeface="Regular"/>
-              </a:rPr>
-              <a:t> HEAD~1 (</a:t>
-            </a:r>
-            <a:r>
-              <a:rPr lang="en-US" dirty="0">
-                <a:latin typeface="Regular"/>
-              </a:rPr>
-              <a:t>Deletes the last commit and all changes</a:t>
-            </a:r>
-            <a:r>
-              <a:rPr lang="vi-VN" dirty="0">
-                <a:latin typeface="Regular"/>
-              </a:rPr>
-              <a:t>)</a:t>
-            </a:r>
-          </a:p>
-          <a:p>
-            <a:endParaRPr dirty="0">
-              <a:latin typeface="Regular"/>
-            </a:endParaRPr>
-          </a:p>
-        </p:txBody>
-      </p:sp>
+              <a:t>Feature Branch</a:t>
+            </a:r>
+          </a:p>
+          <a:p>
+            <a:r>
+              <a:t>Git Flow</a:t>
+            </a:r>
+          </a:p>
+          <a:p>
+            <a:r>
+              <a:t>Fork &amp; Pull Request</a:t>
+            </a:r>
+          </a:p>
+        </p:txBody>
+      </p:sp>
+      <p:pic>
+        <p:nvPicPr>
+          <p:cNvPr id="4" name="Picture 3">
+            <a:extLst>
+              <a:ext uri="{FF2B5EF4-FFF2-40B4-BE49-F238E27FC236}">
+                <a16:creationId xmlns:a16="http://schemas.microsoft.com/office/drawing/2014/main" id="{74C7E329-C756-433A-7172-17AC47077C17}"/>
+              </a:ext>
+            </a:extLst>
+          </p:cNvPr>
+          <p:cNvPicPr>
+            <a:picLocks noChangeAspect="1"/>
+          </p:cNvPicPr>
+          <p:nvPr/>
+        </p:nvPicPr>
+        <p:blipFill>
+          <a:blip r:embed="rId2"/>
+          <a:stretch>
+            <a:fillRect/>
+          </a:stretch>
+        </p:blipFill>
+        <p:spPr>
+          <a:xfrm>
+            <a:off x="2067837" y="3497263"/>
+            <a:ext cx="5553075" cy="2628900"/>
+          </a:xfrm>
+          <a:prstGeom prst="rect">
+            <a:avLst/>
+          </a:prstGeom>
+        </p:spPr>
+      </p:pic>
     </p:spTree>
   </p:cSld>
   <p:clrMapOvr>
@@ -5406,13 +6449,7 @@
   <p:cSld>
     <p:spTree>
       <p:nvGrpSpPr>
-        <p:cNvPr id="1" name="">
-          <a:extLst>
-            <a:ext uri="{FF2B5EF4-FFF2-40B4-BE49-F238E27FC236}">
-              <a16:creationId xmlns:a16="http://schemas.microsoft.com/office/drawing/2014/main" id="{E974D6DC-59C6-AA6E-FBB4-AE0843EA9C54}"/>
-            </a:ext>
-          </a:extLst>
-        </p:cNvPr>
+        <p:cNvPr id="1" name=""/>
         <p:cNvGrpSpPr/>
         <p:nvPr/>
       </p:nvGrpSpPr>
@@ -5426,13 +6463,7 @@
       </p:grpSpPr>
       <p:sp>
         <p:nvSpPr>
-          <p:cNvPr id="2" name="Title 1">
-            <a:extLst>
-              <a:ext uri="{FF2B5EF4-FFF2-40B4-BE49-F238E27FC236}">
-                <a16:creationId xmlns:a16="http://schemas.microsoft.com/office/drawing/2014/main" id="{A7378B6D-4398-0DC9-17CF-C067015F4D4C}"/>
-              </a:ext>
-            </a:extLst>
-          </p:cNvPr>
+          <p:cNvPr id="2" name="Title 1"/>
           <p:cNvSpPr>
             <a:spLocks noGrp="1"/>
           </p:cNvSpPr>
@@ -5446,20 +6477,14 @@
           <a:lstStyle/>
           <a:p>
             <a:r>
-              <a:t>Troubleshooting</a:t>
-            </a:r>
-          </a:p>
-        </p:txBody>
-      </p:sp>
-      <p:sp>
-        <p:nvSpPr>
-          <p:cNvPr id="3" name="Content Placeholder 2">
-            <a:extLst>
-              <a:ext uri="{FF2B5EF4-FFF2-40B4-BE49-F238E27FC236}">
-                <a16:creationId xmlns:a16="http://schemas.microsoft.com/office/drawing/2014/main" id="{AC2B6B74-2E7A-3439-DFBB-FA33B4FA8585}"/>
-              </a:ext>
-            </a:extLst>
-          </p:cNvPr>
+              <a:t>Advanced Git</a:t>
+            </a:r>
+          </a:p>
+        </p:txBody>
+      </p:sp>
+      <p:sp>
+        <p:nvSpPr>
+          <p:cNvPr id="3" name="Content Placeholder 2"/>
           <p:cNvSpPr>
             <a:spLocks noGrp="1"/>
           </p:cNvSpPr>
@@ -5473,27 +6498,109 @@
           <a:lstStyle/>
           <a:p>
             <a:r>
-              <a:t>Merge conflict resolution</a:t>
-            </a:r>
-          </a:p>
-          <a:p>
-            <a:r>
-              <a:t>Detached HEAD explained</a:t>
-            </a:r>
-          </a:p>
-          <a:p>
-            <a:r>
-              <a:t>Reset vs Revert</a:t>
-            </a:r>
+              <a:rPr dirty="0"/>
+              <a:t>git stash</a:t>
+            </a:r>
+            <a:r>
+              <a:rPr lang="vi-VN" dirty="0"/>
+              <a:t> </a:t>
+            </a:r>
+            <a:r>
+              <a:rPr lang="vi-VN" dirty="0">
+                <a:latin typeface="Regular"/>
+              </a:rPr>
+              <a:t>(</a:t>
+            </a:r>
+            <a:r>
+              <a:rPr lang="vi-VN" dirty="0" err="1">
+                <a:latin typeface="Regular"/>
+              </a:rPr>
+              <a:t>stash</a:t>
+            </a:r>
+            <a:r>
+              <a:rPr lang="vi-VN" dirty="0">
+                <a:latin typeface="Regular"/>
+              </a:rPr>
+              <a:t> </a:t>
+            </a:r>
+            <a:r>
+              <a:rPr lang="vi-VN" dirty="0" err="1">
+                <a:latin typeface="Regular"/>
+              </a:rPr>
+              <a:t>your</a:t>
+            </a:r>
+            <a:r>
+              <a:rPr lang="vi-VN" dirty="0">
+                <a:latin typeface="Regular"/>
+              </a:rPr>
+              <a:t> </a:t>
+            </a:r>
+            <a:r>
+              <a:rPr lang="vi-VN" dirty="0" err="1">
+                <a:latin typeface="Regular"/>
+              </a:rPr>
+              <a:t>change</a:t>
+            </a:r>
+            <a:r>
+              <a:rPr lang="vi-VN" dirty="0">
+                <a:latin typeface="Regular"/>
+              </a:rPr>
+              <a:t>)</a:t>
+            </a:r>
+          </a:p>
+          <a:p>
+            <a:r>
+              <a:rPr lang="en-US" dirty="0"/>
+              <a:t>git stash push -m “message“ (stash with mess)</a:t>
+            </a:r>
+          </a:p>
+          <a:p>
+            <a:r>
+              <a:rPr lang="en-US" dirty="0"/>
+              <a:t>git stash list (see your stash list)</a:t>
+            </a:r>
+          </a:p>
+          <a:p>
+            <a:r>
+              <a:rPr lang="en-US" dirty="0"/>
+              <a:t>git stash apply   # applies latest stash</a:t>
+            </a:r>
+          </a:p>
+          <a:p>
+            <a:r>
+              <a:rPr lang="en-US" dirty="0"/>
+              <a:t>git stash apply stash@{0} (0)</a:t>
+            </a:r>
+          </a:p>
+          <a:p>
+            <a:r>
+              <a:rPr lang="sv-SE" dirty="0"/>
+              <a:t>git stash drop stash@{0}</a:t>
+            </a:r>
+          </a:p>
+          <a:p>
+            <a:r>
+              <a:rPr lang="en-US" dirty="0"/>
+              <a:t>git stash pop</a:t>
+            </a:r>
+            <a:r>
+              <a:rPr lang="sv-SE" dirty="0"/>
+              <a:t>(apply + remove)</a:t>
+            </a:r>
+            <a:endParaRPr lang="en-US" dirty="0"/>
+          </a:p>
+          <a:p>
+            <a:endParaRPr lang="en-US" dirty="0"/>
+          </a:p>
+          <a:p>
+            <a:endParaRPr lang="en-US" dirty="0"/>
+          </a:p>
+          <a:p>
+            <a:endParaRPr dirty="0"/>
           </a:p>
         </p:txBody>
       </p:sp>
     </p:spTree>
-    <p:extLst>
-      <p:ext uri="{BB962C8B-B14F-4D97-AF65-F5344CB8AC3E}">
-        <p14:creationId xmlns:p14="http://schemas.microsoft.com/office/powerpoint/2010/main" val="4208060286"/>
-      </p:ext>
-    </p:extLst>
   </p:cSld>
   <p:clrMapOvr>
     <a:masterClrMapping/>
@@ -5534,7 +6641,8 @@
           <a:lstStyle/>
           <a:p>
             <a:r>
-              <a:t>Exercises</a:t>
+              <a:rPr dirty="0"/>
+              <a:t>Troubleshooting</a:t>
             </a:r>
           </a:p>
         </p:txBody>
@@ -5555,26 +6663,113 @@
           <a:lstStyle/>
           <a:p>
             <a:r>
-              <a:t>Init project, commit, and push</a:t>
-            </a:r>
-          </a:p>
-          <a:p>
-            <a:r>
-              <a:t>Branch, edit, conflict, resolve</a:t>
-            </a:r>
-          </a:p>
-          <a:p>
-            <a:r>
-              <a:t>Use stash, rebase, cherry-pick</a:t>
-            </a:r>
-          </a:p>
-          <a:p>
-            <a:r>
-              <a:t>Write 3 good commit messages</a:t>
-            </a:r>
-          </a:p>
-        </p:txBody>
-      </p:sp>
+              <a:rPr dirty="0"/>
+              <a:t>Reset vs Revert</a:t>
+            </a:r>
+            <a:endParaRPr lang="vi-VN" dirty="0"/>
+          </a:p>
+          <a:p>
+            <a:r>
+              <a:rPr lang="vi-VN" dirty="0" err="1">
+                <a:latin typeface="Regular"/>
+              </a:rPr>
+              <a:t>git</a:t>
+            </a:r>
+            <a:r>
+              <a:rPr lang="vi-VN" dirty="0">
+                <a:latin typeface="Regular"/>
+              </a:rPr>
+              <a:t> </a:t>
+            </a:r>
+            <a:r>
+              <a:rPr lang="vi-VN" dirty="0" err="1">
+                <a:latin typeface="Regular"/>
+              </a:rPr>
+              <a:t>reset</a:t>
+            </a:r>
+            <a:r>
+              <a:rPr lang="vi-VN" dirty="0">
+                <a:latin typeface="Regular"/>
+              </a:rPr>
+              <a:t> --</a:t>
+            </a:r>
+            <a:r>
+              <a:rPr lang="vi-VN" dirty="0" err="1">
+                <a:latin typeface="Regular"/>
+              </a:rPr>
+              <a:t>soft</a:t>
+            </a:r>
+            <a:r>
+              <a:rPr lang="vi-VN" dirty="0">
+                <a:latin typeface="Regular"/>
+              </a:rPr>
+              <a:t> HEAD~1 </a:t>
+            </a:r>
+          </a:p>
+          <a:p>
+            <a:pPr marL="0" indent="0">
+              <a:buNone/>
+            </a:pPr>
+            <a:r>
+              <a:rPr lang="en-US" sz="2400" dirty="0">
+                <a:latin typeface="Regular"/>
+              </a:rPr>
+              <a:t>Keeps changes in the staging area</a:t>
+            </a:r>
+          </a:p>
+          <a:p>
+            <a:pPr marL="0" indent="0">
+              <a:buNone/>
+            </a:pPr>
+            <a:endParaRPr lang="vi-VN" sz="2400" dirty="0">
+              <a:latin typeface="Regular"/>
+            </a:endParaRPr>
+          </a:p>
+          <a:p>
+            <a:pPr marL="0" indent="0">
+              <a:buNone/>
+            </a:pPr>
+            <a:endParaRPr lang="vi-VN" sz="2400" dirty="0">
+              <a:latin typeface="Regular"/>
+            </a:endParaRPr>
+          </a:p>
+          <a:p>
+            <a:endParaRPr dirty="0">
+              <a:latin typeface="Regular"/>
+            </a:endParaRPr>
+          </a:p>
+        </p:txBody>
+      </p:sp>
+      <p:pic>
+        <p:nvPicPr>
+          <p:cNvPr id="4" name="Picture 3">
+            <a:extLst>
+              <a:ext uri="{FF2B5EF4-FFF2-40B4-BE49-F238E27FC236}">
+                <a16:creationId xmlns:a16="http://schemas.microsoft.com/office/drawing/2014/main" id="{D1AE522B-6743-1E41-AD68-E408CFBCAA30}"/>
+              </a:ext>
+            </a:extLst>
+          </p:cNvPr>
+          <p:cNvPicPr>
+            <a:picLocks noChangeAspect="1"/>
+          </p:cNvPicPr>
+          <p:nvPr/>
+        </p:nvPicPr>
+        <p:blipFill>
+          <a:blip r:embed="rId3"/>
+          <a:stretch>
+            <a:fillRect/>
+          </a:stretch>
+        </p:blipFill>
+        <p:spPr>
+          <a:xfrm>
+            <a:off x="1509409" y="3371934"/>
+            <a:ext cx="6710464" cy="2951079"/>
+          </a:xfrm>
+          <a:prstGeom prst="rect">
+            <a:avLst/>
+          </a:prstGeom>
+        </p:spPr>
+      </p:pic>
     </p:spTree>
   </p:cSld>
   <p:clrMapOvr>
@@ -5584,6 +6779,892 @@
 </file>
 
 <file path=ppt/slides/slide22.xml><?xml version="1.0" encoding="utf-8"?>
+<p:sld xmlns:a="http://schemas.openxmlformats.org/drawingml/2006/main" xmlns:r="http://schemas.openxmlformats.org/officeDocument/2006/relationships" xmlns:p="http://schemas.openxmlformats.org/presentationml/2006/main">
+  <p:cSld>
+    <p:spTree>
+      <p:nvGrpSpPr>
+        <p:cNvPr id="1" name="">
+          <a:extLst>
+            <a:ext uri="{FF2B5EF4-FFF2-40B4-BE49-F238E27FC236}">
+              <a16:creationId xmlns:a16="http://schemas.microsoft.com/office/drawing/2014/main" id="{C216F746-0943-D2D6-513C-6E3E9C18317E}"/>
+            </a:ext>
+          </a:extLst>
+        </p:cNvPr>
+        <p:cNvGrpSpPr/>
+        <p:nvPr/>
+      </p:nvGrpSpPr>
+      <p:grpSpPr>
+        <a:xfrm>
+          <a:off x="0" y="0"/>
+          <a:ext cx="0" cy="0"/>
+          <a:chOff x="0" y="0"/>
+          <a:chExt cx="0" cy="0"/>
+        </a:xfrm>
+      </p:grpSpPr>
+      <p:sp>
+        <p:nvSpPr>
+          <p:cNvPr id="2" name="Title 1">
+            <a:extLst>
+              <a:ext uri="{FF2B5EF4-FFF2-40B4-BE49-F238E27FC236}">
+                <a16:creationId xmlns:a16="http://schemas.microsoft.com/office/drawing/2014/main" id="{2941ADBD-7546-DA63-245C-21B1EA4B35FD}"/>
+              </a:ext>
+            </a:extLst>
+          </p:cNvPr>
+          <p:cNvSpPr>
+            <a:spLocks noGrp="1"/>
+          </p:cNvSpPr>
+          <p:nvPr>
+            <p:ph type="title"/>
+          </p:nvPr>
+        </p:nvSpPr>
+        <p:spPr/>
+        <p:txBody>
+          <a:bodyPr/>
+          <a:lstStyle/>
+          <a:p>
+            <a:r>
+              <a:rPr dirty="0"/>
+              <a:t>Troubleshooting</a:t>
+            </a:r>
+          </a:p>
+        </p:txBody>
+      </p:sp>
+      <p:sp>
+        <p:nvSpPr>
+          <p:cNvPr id="3" name="Content Placeholder 2">
+            <a:extLst>
+              <a:ext uri="{FF2B5EF4-FFF2-40B4-BE49-F238E27FC236}">
+                <a16:creationId xmlns:a16="http://schemas.microsoft.com/office/drawing/2014/main" id="{F0686955-4090-6B69-E893-277A02A92722}"/>
+              </a:ext>
+            </a:extLst>
+          </p:cNvPr>
+          <p:cNvSpPr>
+            <a:spLocks noGrp="1"/>
+          </p:cNvSpPr>
+          <p:nvPr>
+            <p:ph idx="1"/>
+          </p:nvPr>
+        </p:nvSpPr>
+        <p:spPr/>
+        <p:txBody>
+          <a:bodyPr/>
+          <a:lstStyle/>
+          <a:p>
+            <a:r>
+              <a:rPr dirty="0"/>
+              <a:t>Reset vs Revert</a:t>
+            </a:r>
+            <a:endParaRPr lang="vi-VN" sz="2400" dirty="0">
+              <a:latin typeface="Regular"/>
+            </a:endParaRPr>
+          </a:p>
+          <a:p>
+            <a:r>
+              <a:rPr lang="vi-VN" dirty="0" err="1">
+                <a:latin typeface="Regular"/>
+              </a:rPr>
+              <a:t>git</a:t>
+            </a:r>
+            <a:r>
+              <a:rPr lang="vi-VN" dirty="0">
+                <a:latin typeface="Regular"/>
+              </a:rPr>
+              <a:t> </a:t>
+            </a:r>
+            <a:r>
+              <a:rPr lang="vi-VN" dirty="0" err="1">
+                <a:latin typeface="Regular"/>
+              </a:rPr>
+              <a:t>reset</a:t>
+            </a:r>
+            <a:r>
+              <a:rPr lang="vi-VN" dirty="0">
+                <a:latin typeface="Regular"/>
+              </a:rPr>
+              <a:t> HEAD~1 ( </a:t>
+            </a:r>
+            <a:r>
+              <a:rPr lang="vi-VN" dirty="0" err="1">
+                <a:latin typeface="Regular"/>
+              </a:rPr>
+              <a:t>default</a:t>
+            </a:r>
+            <a:r>
+              <a:rPr lang="vi-VN" dirty="0">
+                <a:latin typeface="Regular"/>
+              </a:rPr>
+              <a:t> = --</a:t>
+            </a:r>
+            <a:r>
+              <a:rPr lang="vi-VN" dirty="0" err="1">
+                <a:latin typeface="Regular"/>
+              </a:rPr>
+              <a:t>mixed</a:t>
+            </a:r>
+            <a:r>
+              <a:rPr lang="vi-VN" dirty="0">
+                <a:latin typeface="Regular"/>
+              </a:rPr>
+              <a:t>)</a:t>
+            </a:r>
+            <a:endParaRPr lang="en-US" dirty="0">
+              <a:latin typeface="Regular"/>
+            </a:endParaRPr>
+          </a:p>
+          <a:p>
+            <a:pPr marL="0" indent="0">
+              <a:buNone/>
+            </a:pPr>
+            <a:r>
+              <a:rPr lang="en-US" sz="2400" dirty="0">
+                <a:latin typeface="Regular"/>
+              </a:rPr>
+              <a:t>Keeps changes in working directory, but </a:t>
+            </a:r>
+            <a:r>
+              <a:rPr lang="en-US" sz="2400" dirty="0" err="1">
+                <a:latin typeface="Regular"/>
+              </a:rPr>
+              <a:t>unstage</a:t>
+            </a:r>
+            <a:r>
+              <a:rPr lang="en-US" sz="2400" dirty="0">
+                <a:latin typeface="Regular"/>
+              </a:rPr>
+              <a:t> them</a:t>
+            </a:r>
+          </a:p>
+          <a:p>
+            <a:pPr marL="0" indent="0">
+              <a:buNone/>
+            </a:pPr>
+            <a:endParaRPr lang="vi-VN" sz="2400" dirty="0">
+              <a:latin typeface="Regular"/>
+            </a:endParaRPr>
+          </a:p>
+        </p:txBody>
+      </p:sp>
+      <p:pic>
+        <p:nvPicPr>
+          <p:cNvPr id="6" name="Picture 5">
+            <a:extLst>
+              <a:ext uri="{FF2B5EF4-FFF2-40B4-BE49-F238E27FC236}">
+                <a16:creationId xmlns:a16="http://schemas.microsoft.com/office/drawing/2014/main" id="{076DFDD4-0836-7535-0591-5F23E4612F9D}"/>
+              </a:ext>
+            </a:extLst>
+          </p:cNvPr>
+          <p:cNvPicPr>
+            <a:picLocks noChangeAspect="1"/>
+          </p:cNvPicPr>
+          <p:nvPr/>
+        </p:nvPicPr>
+        <p:blipFill>
+          <a:blip r:embed="rId3"/>
+          <a:stretch>
+            <a:fillRect/>
+          </a:stretch>
+        </p:blipFill>
+        <p:spPr>
+          <a:xfrm>
+            <a:off x="1460769" y="3513042"/>
+            <a:ext cx="5941979" cy="2613121"/>
+          </a:xfrm>
+          <a:prstGeom prst="rect">
+            <a:avLst/>
+          </a:prstGeom>
+        </p:spPr>
+      </p:pic>
+    </p:spTree>
+    <p:extLst>
+      <p:ext uri="{BB962C8B-B14F-4D97-AF65-F5344CB8AC3E}">
+        <p14:creationId xmlns:p14="http://schemas.microsoft.com/office/powerpoint/2010/main" val="930984969"/>
+      </p:ext>
+    </p:extLst>
+  </p:cSld>
+  <p:clrMapOvr>
+    <a:masterClrMapping/>
+  </p:clrMapOvr>
+</p:sld>
+</file>
+
+<file path=ppt/slides/slide23.xml><?xml version="1.0" encoding="utf-8"?>
+<p:sld xmlns:a="http://schemas.openxmlformats.org/drawingml/2006/main" xmlns:r="http://schemas.openxmlformats.org/officeDocument/2006/relationships" xmlns:p="http://schemas.openxmlformats.org/presentationml/2006/main">
+  <p:cSld>
+    <p:spTree>
+      <p:nvGrpSpPr>
+        <p:cNvPr id="1" name="">
+          <a:extLst>
+            <a:ext uri="{FF2B5EF4-FFF2-40B4-BE49-F238E27FC236}">
+              <a16:creationId xmlns:a16="http://schemas.microsoft.com/office/drawing/2014/main" id="{AA98C7F7-5DB2-209B-235E-EAA76E9A6D97}"/>
+            </a:ext>
+          </a:extLst>
+        </p:cNvPr>
+        <p:cNvGrpSpPr/>
+        <p:nvPr/>
+      </p:nvGrpSpPr>
+      <p:grpSpPr>
+        <a:xfrm>
+          <a:off x="0" y="0"/>
+          <a:ext cx="0" cy="0"/>
+          <a:chOff x="0" y="0"/>
+          <a:chExt cx="0" cy="0"/>
+        </a:xfrm>
+      </p:grpSpPr>
+      <p:sp>
+        <p:nvSpPr>
+          <p:cNvPr id="2" name="Title 1">
+            <a:extLst>
+              <a:ext uri="{FF2B5EF4-FFF2-40B4-BE49-F238E27FC236}">
+                <a16:creationId xmlns:a16="http://schemas.microsoft.com/office/drawing/2014/main" id="{6BA00803-02A6-CF8A-0537-4B7D47EBC0F8}"/>
+              </a:ext>
+            </a:extLst>
+          </p:cNvPr>
+          <p:cNvSpPr>
+            <a:spLocks noGrp="1"/>
+          </p:cNvSpPr>
+          <p:nvPr>
+            <p:ph type="title"/>
+          </p:nvPr>
+        </p:nvSpPr>
+        <p:spPr/>
+        <p:txBody>
+          <a:bodyPr/>
+          <a:lstStyle/>
+          <a:p>
+            <a:r>
+              <a:rPr dirty="0"/>
+              <a:t>Troubleshooting</a:t>
+            </a:r>
+          </a:p>
+        </p:txBody>
+      </p:sp>
+      <p:sp>
+        <p:nvSpPr>
+          <p:cNvPr id="3" name="Content Placeholder 2">
+            <a:extLst>
+              <a:ext uri="{FF2B5EF4-FFF2-40B4-BE49-F238E27FC236}">
+                <a16:creationId xmlns:a16="http://schemas.microsoft.com/office/drawing/2014/main" id="{A3A2A6FE-E9DD-49B3-B544-A96126F4E36F}"/>
+              </a:ext>
+            </a:extLst>
+          </p:cNvPr>
+          <p:cNvSpPr>
+            <a:spLocks noGrp="1"/>
+          </p:cNvSpPr>
+          <p:nvPr>
+            <p:ph idx="1"/>
+          </p:nvPr>
+        </p:nvSpPr>
+        <p:spPr/>
+        <p:txBody>
+          <a:bodyPr/>
+          <a:lstStyle/>
+          <a:p>
+            <a:r>
+              <a:rPr dirty="0"/>
+              <a:t>Reset vs Revert</a:t>
+            </a:r>
+            <a:endParaRPr lang="vi-VN" sz="2400" dirty="0">
+              <a:latin typeface="Regular"/>
+            </a:endParaRPr>
+          </a:p>
+          <a:p>
+            <a:r>
+              <a:rPr lang="vi-VN" dirty="0" err="1">
+                <a:latin typeface="Regular"/>
+              </a:rPr>
+              <a:t>git</a:t>
+            </a:r>
+            <a:r>
+              <a:rPr lang="vi-VN" dirty="0">
+                <a:latin typeface="Regular"/>
+              </a:rPr>
+              <a:t> </a:t>
+            </a:r>
+            <a:r>
+              <a:rPr lang="vi-VN" dirty="0" err="1">
+                <a:latin typeface="Regular"/>
+              </a:rPr>
+              <a:t>reset</a:t>
+            </a:r>
+            <a:r>
+              <a:rPr lang="vi-VN" dirty="0">
+                <a:latin typeface="Regular"/>
+              </a:rPr>
+              <a:t> --</a:t>
+            </a:r>
+            <a:r>
+              <a:rPr lang="vi-VN" dirty="0" err="1">
+                <a:latin typeface="Regular"/>
+              </a:rPr>
+              <a:t>hard</a:t>
+            </a:r>
+            <a:r>
+              <a:rPr lang="vi-VN" dirty="0">
+                <a:latin typeface="Regular"/>
+              </a:rPr>
+              <a:t> HEAD~1 </a:t>
+            </a:r>
+            <a:endParaRPr lang="en-US" dirty="0">
+              <a:latin typeface="Regular"/>
+            </a:endParaRPr>
+          </a:p>
+          <a:p>
+            <a:pPr marL="0" indent="0">
+              <a:buNone/>
+            </a:pPr>
+            <a:r>
+              <a:rPr lang="en-US" sz="2400" dirty="0">
+                <a:latin typeface="Regular"/>
+              </a:rPr>
+              <a:t>Deletes the last commit and all changes</a:t>
+            </a:r>
+            <a:endParaRPr lang="vi-VN" sz="2400" dirty="0">
+              <a:latin typeface="Regular"/>
+            </a:endParaRPr>
+          </a:p>
+          <a:p>
+            <a:pPr marL="0" indent="0">
+              <a:buNone/>
+            </a:pPr>
+            <a:endParaRPr dirty="0">
+              <a:latin typeface="Regular"/>
+            </a:endParaRPr>
+          </a:p>
+        </p:txBody>
+      </p:sp>
+      <p:pic>
+        <p:nvPicPr>
+          <p:cNvPr id="4" name="Picture 3">
+            <a:extLst>
+              <a:ext uri="{FF2B5EF4-FFF2-40B4-BE49-F238E27FC236}">
+                <a16:creationId xmlns:a16="http://schemas.microsoft.com/office/drawing/2014/main" id="{8269399B-36AF-E397-57EE-B7BD5C107AA2}"/>
+              </a:ext>
+            </a:extLst>
+          </p:cNvPr>
+          <p:cNvPicPr>
+            <a:picLocks noChangeAspect="1"/>
+          </p:cNvPicPr>
+          <p:nvPr/>
+        </p:nvPicPr>
+        <p:blipFill>
+          <a:blip r:embed="rId3"/>
+          <a:stretch>
+            <a:fillRect/>
+          </a:stretch>
+        </p:blipFill>
+        <p:spPr>
+          <a:xfrm>
+            <a:off x="1139757" y="3391198"/>
+            <a:ext cx="6185170" cy="2720069"/>
+          </a:xfrm>
+          <a:prstGeom prst="rect">
+            <a:avLst/>
+          </a:prstGeom>
+        </p:spPr>
+      </p:pic>
+    </p:spTree>
+    <p:extLst>
+      <p:ext uri="{BB962C8B-B14F-4D97-AF65-F5344CB8AC3E}">
+        <p14:creationId xmlns:p14="http://schemas.microsoft.com/office/powerpoint/2010/main" val="1556277778"/>
+      </p:ext>
+    </p:extLst>
+  </p:cSld>
+  <p:clrMapOvr>
+    <a:masterClrMapping/>
+  </p:clrMapOvr>
+</p:sld>
+</file>
+
+<file path=ppt/slides/slide24.xml><?xml version="1.0" encoding="utf-8"?>
+<p:sld xmlns:a="http://schemas.openxmlformats.org/drawingml/2006/main" xmlns:r="http://schemas.openxmlformats.org/officeDocument/2006/relationships" xmlns:p="http://schemas.openxmlformats.org/presentationml/2006/main">
+  <p:cSld>
+    <p:spTree>
+      <p:nvGrpSpPr>
+        <p:cNvPr id="1" name="">
+          <a:extLst>
+            <a:ext uri="{FF2B5EF4-FFF2-40B4-BE49-F238E27FC236}">
+              <a16:creationId xmlns:a16="http://schemas.microsoft.com/office/drawing/2014/main" id="{B8202E32-09DC-4873-8A9C-B3B4ACDF8C13}"/>
+            </a:ext>
+          </a:extLst>
+        </p:cNvPr>
+        <p:cNvGrpSpPr/>
+        <p:nvPr/>
+      </p:nvGrpSpPr>
+      <p:grpSpPr>
+        <a:xfrm>
+          <a:off x="0" y="0"/>
+          <a:ext cx="0" cy="0"/>
+          <a:chOff x="0" y="0"/>
+          <a:chExt cx="0" cy="0"/>
+        </a:xfrm>
+      </p:grpSpPr>
+      <p:sp>
+        <p:nvSpPr>
+          <p:cNvPr id="2" name="Title 1">
+            <a:extLst>
+              <a:ext uri="{FF2B5EF4-FFF2-40B4-BE49-F238E27FC236}">
+                <a16:creationId xmlns:a16="http://schemas.microsoft.com/office/drawing/2014/main" id="{F8D137C1-9ACB-56CF-DDC8-0EFA6C7AE6FD}"/>
+              </a:ext>
+            </a:extLst>
+          </p:cNvPr>
+          <p:cNvSpPr>
+            <a:spLocks noGrp="1"/>
+          </p:cNvSpPr>
+          <p:nvPr>
+            <p:ph type="title"/>
+          </p:nvPr>
+        </p:nvSpPr>
+        <p:spPr/>
+        <p:txBody>
+          <a:bodyPr/>
+          <a:lstStyle/>
+          <a:p>
+            <a:r>
+              <a:rPr dirty="0"/>
+              <a:t>Troubleshooting</a:t>
+            </a:r>
+          </a:p>
+        </p:txBody>
+      </p:sp>
+      <p:sp>
+        <p:nvSpPr>
+          <p:cNvPr id="3" name="Content Placeholder 2">
+            <a:extLst>
+              <a:ext uri="{FF2B5EF4-FFF2-40B4-BE49-F238E27FC236}">
+                <a16:creationId xmlns:a16="http://schemas.microsoft.com/office/drawing/2014/main" id="{DB24C699-1554-313E-E602-F1B987DBCE02}"/>
+              </a:ext>
+            </a:extLst>
+          </p:cNvPr>
+          <p:cNvSpPr>
+            <a:spLocks noGrp="1"/>
+          </p:cNvSpPr>
+          <p:nvPr>
+            <p:ph idx="1"/>
+          </p:nvPr>
+        </p:nvSpPr>
+        <p:spPr/>
+        <p:txBody>
+          <a:bodyPr/>
+          <a:lstStyle/>
+          <a:p>
+            <a:r>
+              <a:rPr lang="en-US" dirty="0">
+                <a:latin typeface="Regular"/>
+              </a:rPr>
+              <a:t> When to Avoid Reset:</a:t>
+            </a:r>
+          </a:p>
+          <a:p>
+            <a:pPr marL="0" indent="0">
+              <a:buNone/>
+            </a:pPr>
+            <a:r>
+              <a:rPr lang="en-US" sz="2400" dirty="0">
+                <a:latin typeface="Regular"/>
+              </a:rPr>
+              <a:t>When working on shared branches</a:t>
+            </a:r>
+          </a:p>
+          <a:p>
+            <a:pPr marL="0" indent="0">
+              <a:buNone/>
+            </a:pPr>
+            <a:r>
+              <a:rPr lang="en-US" sz="2400" dirty="0">
+                <a:latin typeface="Regular"/>
+              </a:rPr>
+              <a:t>When changes are already pushed to remote</a:t>
+            </a:r>
+          </a:p>
+          <a:p>
+            <a:pPr marL="0" indent="0">
+              <a:buNone/>
+            </a:pPr>
+            <a:r>
+              <a:rPr lang="en-US" dirty="0">
+                <a:latin typeface="Regular"/>
+              </a:rPr>
+              <a:t>Use revert instead!</a:t>
+            </a:r>
+            <a:endParaRPr dirty="0">
+              <a:latin typeface="Regular"/>
+            </a:endParaRPr>
+          </a:p>
+        </p:txBody>
+      </p:sp>
+    </p:spTree>
+    <p:extLst>
+      <p:ext uri="{BB962C8B-B14F-4D97-AF65-F5344CB8AC3E}">
+        <p14:creationId xmlns:p14="http://schemas.microsoft.com/office/powerpoint/2010/main" val="211744464"/>
+      </p:ext>
+    </p:extLst>
+  </p:cSld>
+  <p:clrMapOvr>
+    <a:masterClrMapping/>
+  </p:clrMapOvr>
+</p:sld>
+</file>
+
+<file path=ppt/slides/slide25.xml><?xml version="1.0" encoding="utf-8"?>
+<p:sld xmlns:a="http://schemas.openxmlformats.org/drawingml/2006/main" xmlns:r="http://schemas.openxmlformats.org/officeDocument/2006/relationships" xmlns:p="http://schemas.openxmlformats.org/presentationml/2006/main">
+  <p:cSld>
+    <p:spTree>
+      <p:nvGrpSpPr>
+        <p:cNvPr id="1" name="">
+          <a:extLst>
+            <a:ext uri="{FF2B5EF4-FFF2-40B4-BE49-F238E27FC236}">
+              <a16:creationId xmlns:a16="http://schemas.microsoft.com/office/drawing/2014/main" id="{1774E236-FD22-C753-5E8D-909EECD2D1BF}"/>
+            </a:ext>
+          </a:extLst>
+        </p:cNvPr>
+        <p:cNvGrpSpPr/>
+        <p:nvPr/>
+      </p:nvGrpSpPr>
+      <p:grpSpPr>
+        <a:xfrm>
+          <a:off x="0" y="0"/>
+          <a:ext cx="0" cy="0"/>
+          <a:chOff x="0" y="0"/>
+          <a:chExt cx="0" cy="0"/>
+        </a:xfrm>
+      </p:grpSpPr>
+      <p:sp>
+        <p:nvSpPr>
+          <p:cNvPr id="2" name="Title 1">
+            <a:extLst>
+              <a:ext uri="{FF2B5EF4-FFF2-40B4-BE49-F238E27FC236}">
+                <a16:creationId xmlns:a16="http://schemas.microsoft.com/office/drawing/2014/main" id="{F0DB9AD2-AD22-A5AB-597C-2A7EC9235729}"/>
+              </a:ext>
+            </a:extLst>
+          </p:cNvPr>
+          <p:cNvSpPr>
+            <a:spLocks noGrp="1"/>
+          </p:cNvSpPr>
+          <p:nvPr>
+            <p:ph type="title"/>
+          </p:nvPr>
+        </p:nvSpPr>
+        <p:spPr/>
+        <p:txBody>
+          <a:bodyPr/>
+          <a:lstStyle/>
+          <a:p>
+            <a:r>
+              <a:rPr dirty="0"/>
+              <a:t>Troubleshooting</a:t>
+            </a:r>
+          </a:p>
+        </p:txBody>
+      </p:sp>
+      <p:sp>
+        <p:nvSpPr>
+          <p:cNvPr id="3" name="Content Placeholder 2">
+            <a:extLst>
+              <a:ext uri="{FF2B5EF4-FFF2-40B4-BE49-F238E27FC236}">
+                <a16:creationId xmlns:a16="http://schemas.microsoft.com/office/drawing/2014/main" id="{BA78F16E-F9FA-456F-A4CF-89E3D728C243}"/>
+              </a:ext>
+            </a:extLst>
+          </p:cNvPr>
+          <p:cNvSpPr>
+            <a:spLocks noGrp="1"/>
+          </p:cNvSpPr>
+          <p:nvPr>
+            <p:ph idx="1"/>
+          </p:nvPr>
+        </p:nvSpPr>
+        <p:spPr/>
+        <p:txBody>
+          <a:bodyPr/>
+          <a:lstStyle/>
+          <a:p>
+            <a:r>
+              <a:rPr lang="en-US" dirty="0">
+                <a:latin typeface="Regular"/>
+              </a:rPr>
+              <a:t> Revert</a:t>
+            </a:r>
+          </a:p>
+          <a:p>
+            <a:pPr marL="0" indent="0">
+              <a:buNone/>
+            </a:pPr>
+            <a:r>
+              <a:rPr lang="en-US" sz="2400" dirty="0">
+                <a:latin typeface="Regular"/>
+              </a:rPr>
+              <a:t>Undo a commit by creating</a:t>
+            </a:r>
+          </a:p>
+          <a:p>
+            <a:pPr marL="0" indent="0">
+              <a:buNone/>
+            </a:pPr>
+            <a:r>
+              <a:rPr lang="en-US" sz="2400" dirty="0">
+                <a:latin typeface="Regular"/>
+              </a:rPr>
+              <a:t>a new commit that reverses it</a:t>
+            </a:r>
+          </a:p>
+          <a:p>
+            <a:pPr marL="0" indent="0">
+              <a:buNone/>
+            </a:pPr>
+            <a:endParaRPr lang="en-US" sz="2400" dirty="0">
+              <a:latin typeface="Regular"/>
+            </a:endParaRPr>
+          </a:p>
+          <a:p>
+            <a:pPr marL="0" indent="0">
+              <a:buNone/>
+            </a:pPr>
+            <a:endParaRPr lang="en-US" sz="2400" dirty="0">
+              <a:latin typeface="Regular"/>
+            </a:endParaRPr>
+          </a:p>
+        </p:txBody>
+      </p:sp>
+      <p:pic>
+        <p:nvPicPr>
+          <p:cNvPr id="5" name="Picture 4">
+            <a:extLst>
+              <a:ext uri="{FF2B5EF4-FFF2-40B4-BE49-F238E27FC236}">
+                <a16:creationId xmlns:a16="http://schemas.microsoft.com/office/drawing/2014/main" id="{C699A9B9-1044-59B6-3414-C236159FCE57}"/>
+              </a:ext>
+            </a:extLst>
+          </p:cNvPr>
+          <p:cNvPicPr>
+            <a:picLocks noChangeAspect="1"/>
+          </p:cNvPicPr>
+          <p:nvPr/>
+        </p:nvPicPr>
+        <p:blipFill>
+          <a:blip r:embed="rId3"/>
+          <a:stretch>
+            <a:fillRect/>
+          </a:stretch>
+        </p:blipFill>
+        <p:spPr>
+          <a:xfrm>
+            <a:off x="4225139" y="1410258"/>
+            <a:ext cx="4218471" cy="4825172"/>
+          </a:xfrm>
+          <a:prstGeom prst="rect">
+            <a:avLst/>
+          </a:prstGeom>
+        </p:spPr>
+      </p:pic>
+    </p:spTree>
+    <p:extLst>
+      <p:ext uri="{BB962C8B-B14F-4D97-AF65-F5344CB8AC3E}">
+        <p14:creationId xmlns:p14="http://schemas.microsoft.com/office/powerpoint/2010/main" val="3906820201"/>
+      </p:ext>
+    </p:extLst>
+  </p:cSld>
+  <p:clrMapOvr>
+    <a:masterClrMapping/>
+  </p:clrMapOvr>
+</p:sld>
+</file>
+
+<file path=ppt/slides/slide26.xml><?xml version="1.0" encoding="utf-8"?>
+<p:sld xmlns:a="http://schemas.openxmlformats.org/drawingml/2006/main" xmlns:r="http://schemas.openxmlformats.org/officeDocument/2006/relationships" xmlns:p="http://schemas.openxmlformats.org/presentationml/2006/main">
+  <p:cSld>
+    <p:spTree>
+      <p:nvGrpSpPr>
+        <p:cNvPr id="1" name="">
+          <a:extLst>
+            <a:ext uri="{FF2B5EF4-FFF2-40B4-BE49-F238E27FC236}">
+              <a16:creationId xmlns:a16="http://schemas.microsoft.com/office/drawing/2014/main" id="{E974D6DC-59C6-AA6E-FBB4-AE0843EA9C54}"/>
+            </a:ext>
+          </a:extLst>
+        </p:cNvPr>
+        <p:cNvGrpSpPr/>
+        <p:nvPr/>
+      </p:nvGrpSpPr>
+      <p:grpSpPr>
+        <a:xfrm>
+          <a:off x="0" y="0"/>
+          <a:ext cx="0" cy="0"/>
+          <a:chOff x="0" y="0"/>
+          <a:chExt cx="0" cy="0"/>
+        </a:xfrm>
+      </p:grpSpPr>
+      <p:sp>
+        <p:nvSpPr>
+          <p:cNvPr id="2" name="Title 1">
+            <a:extLst>
+              <a:ext uri="{FF2B5EF4-FFF2-40B4-BE49-F238E27FC236}">
+                <a16:creationId xmlns:a16="http://schemas.microsoft.com/office/drawing/2014/main" id="{A7378B6D-4398-0DC9-17CF-C067015F4D4C}"/>
+              </a:ext>
+            </a:extLst>
+          </p:cNvPr>
+          <p:cNvSpPr>
+            <a:spLocks noGrp="1"/>
+          </p:cNvSpPr>
+          <p:nvPr>
+            <p:ph type="title"/>
+          </p:nvPr>
+        </p:nvSpPr>
+        <p:spPr/>
+        <p:txBody>
+          <a:bodyPr/>
+          <a:lstStyle/>
+          <a:p>
+            <a:r>
+              <a:t>Troubleshooting</a:t>
+            </a:r>
+          </a:p>
+        </p:txBody>
+      </p:sp>
+      <p:sp>
+        <p:nvSpPr>
+          <p:cNvPr id="3" name="Content Placeholder 2">
+            <a:extLst>
+              <a:ext uri="{FF2B5EF4-FFF2-40B4-BE49-F238E27FC236}">
+                <a16:creationId xmlns:a16="http://schemas.microsoft.com/office/drawing/2014/main" id="{AC2B6B74-2E7A-3439-DFBB-FA33B4FA8585}"/>
+              </a:ext>
+            </a:extLst>
+          </p:cNvPr>
+          <p:cNvSpPr>
+            <a:spLocks noGrp="1"/>
+          </p:cNvSpPr>
+          <p:nvPr>
+            <p:ph idx="1"/>
+          </p:nvPr>
+        </p:nvSpPr>
+        <p:spPr/>
+        <p:txBody>
+          <a:bodyPr/>
+          <a:lstStyle/>
+          <a:p>
+            <a:r>
+              <a:t>Merge conflict resolution</a:t>
+            </a:r>
+          </a:p>
+          <a:p>
+            <a:r>
+              <a:t>Detached HEAD explained</a:t>
+            </a:r>
+          </a:p>
+          <a:p>
+            <a:r>
+              <a:t>Reset vs Revert</a:t>
+            </a:r>
+          </a:p>
+        </p:txBody>
+      </p:sp>
+    </p:spTree>
+    <p:extLst>
+      <p:ext uri="{BB962C8B-B14F-4D97-AF65-F5344CB8AC3E}">
+        <p14:creationId xmlns:p14="http://schemas.microsoft.com/office/powerpoint/2010/main" val="4208060286"/>
+      </p:ext>
+    </p:extLst>
+  </p:cSld>
+  <p:clrMapOvr>
+    <a:masterClrMapping/>
+  </p:clrMapOvr>
+</p:sld>
+</file>
+
+<file path=ppt/slides/slide27.xml><?xml version="1.0" encoding="utf-8"?>
+<p:sld xmlns:a="http://schemas.openxmlformats.org/drawingml/2006/main" xmlns:r="http://schemas.openxmlformats.org/officeDocument/2006/relationships" xmlns:p="http://schemas.openxmlformats.org/presentationml/2006/main">
+  <p:cSld>
+    <p:spTree>
+      <p:nvGrpSpPr>
+        <p:cNvPr id="1" name="">
+          <a:extLst>
+            <a:ext uri="{FF2B5EF4-FFF2-40B4-BE49-F238E27FC236}">
+              <a16:creationId xmlns:a16="http://schemas.microsoft.com/office/drawing/2014/main" id="{91F56388-4FCC-78BC-2CDF-4F840FF69F73}"/>
+            </a:ext>
+          </a:extLst>
+        </p:cNvPr>
+        <p:cNvGrpSpPr/>
+        <p:nvPr/>
+      </p:nvGrpSpPr>
+      <p:grpSpPr>
+        <a:xfrm>
+          <a:off x="0" y="0"/>
+          <a:ext cx="0" cy="0"/>
+          <a:chOff x="0" y="0"/>
+          <a:chExt cx="0" cy="0"/>
+        </a:xfrm>
+      </p:grpSpPr>
+      <p:sp>
+        <p:nvSpPr>
+          <p:cNvPr id="2" name="Title 1">
+            <a:extLst>
+              <a:ext uri="{FF2B5EF4-FFF2-40B4-BE49-F238E27FC236}">
+                <a16:creationId xmlns:a16="http://schemas.microsoft.com/office/drawing/2014/main" id="{02826393-7A1F-1D96-A6FB-61A802A905BC}"/>
+              </a:ext>
+            </a:extLst>
+          </p:cNvPr>
+          <p:cNvSpPr>
+            <a:spLocks noGrp="1"/>
+          </p:cNvSpPr>
+          <p:nvPr>
+            <p:ph type="title"/>
+          </p:nvPr>
+        </p:nvSpPr>
+        <p:spPr/>
+        <p:txBody>
+          <a:bodyPr/>
+          <a:lstStyle/>
+          <a:p>
+            <a:r>
+              <a:t>Advanced Git</a:t>
+            </a:r>
+          </a:p>
+        </p:txBody>
+      </p:sp>
+      <p:sp>
+        <p:nvSpPr>
+          <p:cNvPr id="3" name="Content Placeholder 2">
+            <a:extLst>
+              <a:ext uri="{FF2B5EF4-FFF2-40B4-BE49-F238E27FC236}">
+                <a16:creationId xmlns:a16="http://schemas.microsoft.com/office/drawing/2014/main" id="{2C00E0C3-D9AC-084F-DEEE-12630DAD7801}"/>
+              </a:ext>
+            </a:extLst>
+          </p:cNvPr>
+          <p:cNvSpPr>
+            <a:spLocks noGrp="1"/>
+          </p:cNvSpPr>
+          <p:nvPr>
+            <p:ph idx="1"/>
+          </p:nvPr>
+        </p:nvSpPr>
+        <p:spPr/>
+        <p:txBody>
+          <a:bodyPr/>
+          <a:lstStyle/>
+          <a:p>
+            <a:r>
+              <a:rPr dirty="0"/>
+              <a:t>git cherry-pick</a:t>
+            </a:r>
+          </a:p>
+          <a:p>
+            <a:r>
+              <a:rPr dirty="0"/>
+              <a:t>git bisect, git tag</a:t>
+            </a:r>
+          </a:p>
+        </p:txBody>
+      </p:sp>
+    </p:spTree>
+    <p:extLst>
+      <p:ext uri="{BB962C8B-B14F-4D97-AF65-F5344CB8AC3E}">
+        <p14:creationId xmlns:p14="http://schemas.microsoft.com/office/powerpoint/2010/main" val="3455499891"/>
+      </p:ext>
+    </p:extLst>
+  </p:cSld>
+  <p:clrMapOvr>
+    <a:masterClrMapping/>
+  </p:clrMapOvr>
+</p:sld>
+</file>
+
+<file path=ppt/slides/slide28.xml><?xml version="1.0" encoding="utf-8"?>
 <p:sld xmlns:a="http://schemas.openxmlformats.org/drawingml/2006/main" xmlns:r="http://schemas.openxmlformats.org/officeDocument/2006/relationships" xmlns:p="http://schemas.openxmlformats.org/presentationml/2006/main">
   <p:cSld>
     <p:spTree>
@@ -5616,7 +7697,7 @@
           <a:lstStyle/>
           <a:p>
             <a:r>
-              <a:t>Real-World Scenarios</a:t>
+              <a:t>Exercises</a:t>
             </a:r>
           </a:p>
         </p:txBody>
@@ -5637,17 +7718,22 @@
           <a:lstStyle/>
           <a:p>
             <a:r>
-              <a:t>Handle force push safely</a:t>
-            </a:r>
-          </a:p>
-          <a:p>
-            <a:r>
-              <a:t>Rebase across multiple commits</a:t>
-            </a:r>
-          </a:p>
-          <a:p>
-            <a:r>
-              <a:t>Rewrite history using rebase -i</a:t>
+              <a:t>Init project, commit, and push</a:t>
+            </a:r>
+          </a:p>
+          <a:p>
+            <a:r>
+              <a:t>Branch, edit, conflict, resolve</a:t>
+            </a:r>
+          </a:p>
+          <a:p>
+            <a:r>
+              <a:t>Use stash, rebase, cherry-pick</a:t>
+            </a:r>
+          </a:p>
+          <a:p>
+            <a:r>
+              <a:t>Write 3 good commit messages</a:t>
             </a:r>
           </a:p>
         </p:txBody>
@@ -5660,7 +7746,7 @@
 </p:sld>
 </file>
 
-<file path=ppt/slides/slide23.xml><?xml version="1.0" encoding="utf-8"?>
+<file path=ppt/slides/slide29.xml><?xml version="1.0" encoding="utf-8"?>
 <p:sld xmlns:a="http://schemas.openxmlformats.org/drawingml/2006/main" xmlns:r="http://schemas.openxmlformats.org/officeDocument/2006/relationships" xmlns:p="http://schemas.openxmlformats.org/presentationml/2006/main">
   <p:cSld>
     <p:spTree>
@@ -5693,7 +7779,7 @@
           <a:lstStyle/>
           <a:p>
             <a:r>
-              <a:t>Resources &amp; Q&amp;A</a:t>
+              <a:t>Real-World Scenarios</a:t>
             </a:r>
           </a:p>
         </p:txBody>
@@ -5714,17 +7800,17 @@
           <a:lstStyle/>
           <a:p>
             <a:r>
-              <a:t>Pro Git Book</a:t>
-            </a:r>
-          </a:p>
-          <a:p>
-            <a:r>
-              <a:t>GitHub Docs</a:t>
-            </a:r>
-          </a:p>
-          <a:p>
-            <a:r>
-              <a:t>Live Q&amp;A</a:t>
+              <a:t>Handle force push safely</a:t>
+            </a:r>
+          </a:p>
+          <a:p>
+            <a:r>
+              <a:t>Rebase across multiple commits</a:t>
+            </a:r>
+          </a:p>
+          <a:p>
+            <a:r>
+              <a:t>Rewrite history using rebase -i</a:t>
             </a:r>
           </a:p>
         </p:txBody>
@@ -5809,6 +7895,83 @@
 </p:sld>
 </file>
 
+<file path=ppt/slides/slide30.xml><?xml version="1.0" encoding="utf-8"?>
+<p:sld xmlns:a="http://schemas.openxmlformats.org/drawingml/2006/main" xmlns:r="http://schemas.openxmlformats.org/officeDocument/2006/relationships" xmlns:p="http://schemas.openxmlformats.org/presentationml/2006/main">
+  <p:cSld>
+    <p:spTree>
+      <p:nvGrpSpPr>
+        <p:cNvPr id="1" name=""/>
+        <p:cNvGrpSpPr/>
+        <p:nvPr/>
+      </p:nvGrpSpPr>
+      <p:grpSpPr>
+        <a:xfrm>
+          <a:off x="0" y="0"/>
+          <a:ext cx="0" cy="0"/>
+          <a:chOff x="0" y="0"/>
+          <a:chExt cx="0" cy="0"/>
+        </a:xfrm>
+      </p:grpSpPr>
+      <p:sp>
+        <p:nvSpPr>
+          <p:cNvPr id="2" name="Title 1"/>
+          <p:cNvSpPr>
+            <a:spLocks noGrp="1"/>
+          </p:cNvSpPr>
+          <p:nvPr>
+            <p:ph type="title"/>
+          </p:nvPr>
+        </p:nvSpPr>
+        <p:spPr/>
+        <p:txBody>
+          <a:bodyPr/>
+          <a:lstStyle/>
+          <a:p>
+            <a:r>
+              <a:t>Resources &amp; Q&amp;A</a:t>
+            </a:r>
+          </a:p>
+        </p:txBody>
+      </p:sp>
+      <p:sp>
+        <p:nvSpPr>
+          <p:cNvPr id="3" name="Content Placeholder 2"/>
+          <p:cNvSpPr>
+            <a:spLocks noGrp="1"/>
+          </p:cNvSpPr>
+          <p:nvPr>
+            <p:ph idx="1"/>
+          </p:nvPr>
+        </p:nvSpPr>
+        <p:spPr/>
+        <p:txBody>
+          <a:bodyPr/>
+          <a:lstStyle/>
+          <a:p>
+            <a:r>
+              <a:t>Pro Git Book</a:t>
+            </a:r>
+          </a:p>
+          <a:p>
+            <a:r>
+              <a:t>GitHub Docs</a:t>
+            </a:r>
+          </a:p>
+          <a:p>
+            <a:r>
+              <a:t>Live Q&amp;A</a:t>
+            </a:r>
+          </a:p>
+        </p:txBody>
+      </p:sp>
+    </p:spTree>
+  </p:cSld>
+  <p:clrMapOvr>
+    <a:masterClrMapping/>
+  </p:clrMapOvr>
+</p:sld>
+</file>
+
 <file path=ppt/slides/slide4.xml><?xml version="1.0" encoding="utf-8"?>
 <p:sld xmlns:a="http://schemas.openxmlformats.org/drawingml/2006/main" xmlns:r="http://schemas.openxmlformats.org/officeDocument/2006/relationships" xmlns:p="http://schemas.openxmlformats.org/presentationml/2006/main">
   <p:cSld>
@@ -5892,82 +8055,6 @@
 </file>
 
 <file path=ppt/slides/slide5.xml><?xml version="1.0" encoding="utf-8"?>
-<p:sld xmlns:a="http://schemas.openxmlformats.org/drawingml/2006/main" xmlns:r="http://schemas.openxmlformats.org/officeDocument/2006/relationships" xmlns:p="http://schemas.openxmlformats.org/presentationml/2006/main">
-  <p:cSld>
-    <p:spTree>
-      <p:nvGrpSpPr>
-        <p:cNvPr id="1" name=""/>
-        <p:cNvGrpSpPr/>
-        <p:nvPr/>
-      </p:nvGrpSpPr>
-      <p:grpSpPr>
-        <a:xfrm>
-          <a:off x="0" y="0"/>
-          <a:ext cx="0" cy="0"/>
-          <a:chOff x="0" y="0"/>
-          <a:chExt cx="0" cy="0"/>
-        </a:xfrm>
-      </p:grpSpPr>
-      <p:sp>
-        <p:nvSpPr>
-          <p:cNvPr id="2" name="Title 1"/>
-          <p:cNvSpPr>
-            <a:spLocks noGrp="1"/>
-          </p:cNvSpPr>
-          <p:nvPr>
-            <p:ph type="title"/>
-          </p:nvPr>
-        </p:nvSpPr>
-        <p:spPr/>
-        <p:txBody>
-          <a:bodyPr/>
-          <a:lstStyle/>
-          <a:p>
-            <a:r>
-              <a:t>Git Basics</a:t>
-            </a:r>
-          </a:p>
-        </p:txBody>
-      </p:sp>
-      <p:sp>
-        <p:nvSpPr>
-          <p:cNvPr id="3" name="Content Placeholder 2"/>
-          <p:cNvSpPr>
-            <a:spLocks noGrp="1"/>
-          </p:cNvSpPr>
-          <p:nvPr>
-            <p:ph idx="1"/>
-          </p:nvPr>
-        </p:nvSpPr>
-        <p:spPr/>
-        <p:txBody>
-          <a:bodyPr/>
-          <a:lstStyle/>
-          <a:p>
-            <a:r>
-              <a:rPr dirty="0"/>
-              <a:t>git </a:t>
-            </a:r>
-            <a:r>
-              <a:rPr dirty="0" err="1"/>
-              <a:t>init</a:t>
-            </a:r>
-            <a:r>
-              <a:rPr dirty="0"/>
-              <a:t>, git clone</a:t>
-            </a:r>
-          </a:p>
-        </p:txBody>
-      </p:sp>
-    </p:spTree>
-  </p:cSld>
-  <p:clrMapOvr>
-    <a:masterClrMapping/>
-  </p:clrMapOvr>
-</p:sld>
-</file>
-
-<file path=ppt/slides/slide6.xml><?xml version="1.0" encoding="utf-8"?>
 <p:sld xmlns:a="http://schemas.openxmlformats.org/drawingml/2006/main" xmlns:r="http://schemas.openxmlformats.org/officeDocument/2006/relationships" xmlns:p="http://schemas.openxmlformats.org/presentationml/2006/main">
   <p:cSld>
     <p:spTree>
@@ -6080,6 +8167,205 @@
 </p:sld>
 </file>
 
+<file path=ppt/slides/slide6.xml><?xml version="1.0" encoding="utf-8"?>
+<p:sld xmlns:a="http://schemas.openxmlformats.org/drawingml/2006/main" xmlns:r="http://schemas.openxmlformats.org/officeDocument/2006/relationships" xmlns:p="http://schemas.openxmlformats.org/presentationml/2006/main">
+  <p:cSld>
+    <p:spTree>
+      <p:nvGrpSpPr>
+        <p:cNvPr id="1" name=""/>
+        <p:cNvGrpSpPr/>
+        <p:nvPr/>
+      </p:nvGrpSpPr>
+      <p:grpSpPr>
+        <a:xfrm>
+          <a:off x="0" y="0"/>
+          <a:ext cx="0" cy="0"/>
+          <a:chOff x="0" y="0"/>
+          <a:chExt cx="0" cy="0"/>
+        </a:xfrm>
+      </p:grpSpPr>
+      <p:sp>
+        <p:nvSpPr>
+          <p:cNvPr id="2" name="Title 1"/>
+          <p:cNvSpPr>
+            <a:spLocks noGrp="1"/>
+          </p:cNvSpPr>
+          <p:nvPr>
+            <p:ph type="title"/>
+          </p:nvPr>
+        </p:nvSpPr>
+        <p:spPr/>
+        <p:txBody>
+          <a:bodyPr>
+            <a:normAutofit fontScale="90000"/>
+          </a:bodyPr>
+          <a:lstStyle/>
+          <a:p>
+            <a:r>
+              <a:rPr lang="vi-VN" dirty="0" err="1">
+                <a:latin typeface="Regular"/>
+              </a:rPr>
+              <a:t>Getting</a:t>
+            </a:r>
+            <a:r>
+              <a:rPr lang="vi-VN" dirty="0">
+                <a:latin typeface="Regular"/>
+              </a:rPr>
+              <a:t> </a:t>
+            </a:r>
+            <a:r>
+              <a:rPr lang="vi-VN" dirty="0" err="1">
+                <a:latin typeface="Regular"/>
+              </a:rPr>
+              <a:t>and</a:t>
+            </a:r>
+            <a:r>
+              <a:rPr lang="vi-VN" dirty="0">
+                <a:latin typeface="Regular"/>
+              </a:rPr>
+              <a:t> </a:t>
+            </a:r>
+            <a:r>
+              <a:rPr lang="vi-VN" dirty="0" err="1">
+                <a:latin typeface="Regular"/>
+              </a:rPr>
+              <a:t>Creating</a:t>
+            </a:r>
+            <a:r>
+              <a:rPr lang="vi-VN" dirty="0">
+                <a:latin typeface="Regular"/>
+              </a:rPr>
+              <a:t> </a:t>
+            </a:r>
+            <a:r>
+              <a:rPr lang="vi-VN" dirty="0" err="1">
+                <a:latin typeface="Regular"/>
+              </a:rPr>
+              <a:t>Projects</a:t>
+            </a:r>
+            <a:br>
+              <a:rPr lang="vi-VN" dirty="0">
+                <a:latin typeface="Regular"/>
+              </a:rPr>
+            </a:br>
+            <a:endParaRPr lang="vi-VN" dirty="0"/>
+          </a:p>
+        </p:txBody>
+      </p:sp>
+      <p:sp>
+        <p:nvSpPr>
+          <p:cNvPr id="3" name="Content Placeholder 2"/>
+          <p:cNvSpPr>
+            <a:spLocks noGrp="1"/>
+          </p:cNvSpPr>
+          <p:nvPr>
+            <p:ph idx="1"/>
+          </p:nvPr>
+        </p:nvSpPr>
+        <p:spPr/>
+        <p:txBody>
+          <a:bodyPr/>
+          <a:lstStyle/>
+          <a:p>
+            <a:r>
+              <a:rPr dirty="0">
+                <a:latin typeface="Regular"/>
+              </a:rPr>
+              <a:t>git </a:t>
+            </a:r>
+            <a:r>
+              <a:rPr dirty="0" err="1">
+                <a:latin typeface="Regular"/>
+              </a:rPr>
+              <a:t>init</a:t>
+            </a:r>
+            <a:r>
+              <a:rPr lang="vi-VN" dirty="0">
+                <a:latin typeface="Regular"/>
+              </a:rPr>
+              <a:t> </a:t>
+            </a:r>
+            <a:endParaRPr lang="en-US" dirty="0">
+              <a:latin typeface="Regular"/>
+            </a:endParaRPr>
+          </a:p>
+          <a:p>
+            <a:pPr marL="0" indent="0">
+              <a:buNone/>
+            </a:pPr>
+            <a:r>
+              <a:rPr lang="en-US" sz="2400" dirty="0">
+                <a:latin typeface="Regular"/>
+              </a:rPr>
+              <a:t>create an empty Git repository or reinitialize an existing one</a:t>
+            </a:r>
+            <a:endParaRPr lang="vi-VN" sz="2400" dirty="0">
+              <a:latin typeface="Regular"/>
+            </a:endParaRPr>
+          </a:p>
+          <a:p>
+            <a:endParaRPr lang="vi-VN" dirty="0">
+              <a:latin typeface="Regular"/>
+            </a:endParaRPr>
+          </a:p>
+          <a:p>
+            <a:r>
+              <a:rPr dirty="0">
+                <a:latin typeface="Regular"/>
+              </a:rPr>
+              <a:t>git clone</a:t>
+            </a:r>
+            <a:r>
+              <a:rPr lang="vi-VN" dirty="0">
+                <a:latin typeface="Regular"/>
+              </a:rPr>
+              <a:t> &lt;</a:t>
+            </a:r>
+            <a:r>
+              <a:rPr lang="vi-VN" dirty="0" err="1">
+                <a:latin typeface="Regular"/>
+              </a:rPr>
+              <a:t>url</a:t>
+            </a:r>
+            <a:r>
+              <a:rPr lang="vi-VN" dirty="0">
+                <a:latin typeface="Regular"/>
+              </a:rPr>
+              <a:t>&gt;</a:t>
+            </a:r>
+          </a:p>
+          <a:p>
+            <a:pPr marL="0" indent="0">
+              <a:buNone/>
+            </a:pPr>
+            <a:r>
+              <a:rPr lang="en-US" sz="2400" dirty="0">
+                <a:latin typeface="Regular"/>
+              </a:rPr>
+              <a:t>clone a repository into a new directory</a:t>
+            </a:r>
+            <a:endParaRPr lang="vi-VN" sz="2400" dirty="0">
+              <a:latin typeface="Regular"/>
+            </a:endParaRPr>
+          </a:p>
+          <a:p>
+            <a:pPr marL="0" indent="0">
+              <a:buNone/>
+            </a:pPr>
+            <a:endParaRPr dirty="0">
+              <a:latin typeface="Regular"/>
+            </a:endParaRPr>
+          </a:p>
+        </p:txBody>
+      </p:sp>
+    </p:spTree>
+  </p:cSld>
+  <p:clrMapOvr>
+    <a:masterClrMapping/>
+  </p:clrMapOvr>
+</p:sld>
+</file>
+
 <file path=ppt/slides/slide7.xml><?xml version="1.0" encoding="utf-8"?>
 <p:sld xmlns:a="http://schemas.openxmlformats.org/drawingml/2006/main" xmlns:r="http://schemas.openxmlformats.org/officeDocument/2006/relationships" xmlns:p="http://schemas.openxmlformats.org/presentationml/2006/main">
   <p:cSld>
@@ -6125,9 +8411,26 @@
           <a:lstStyle/>
           <a:p>
             <a:r>
-              <a:rPr dirty="0"/>
-              <a:t>Git Basics</a:t>
-            </a:r>
+              <a:rPr lang="vi-VN" dirty="0" err="1">
+                <a:latin typeface="Regular"/>
+              </a:rPr>
+              <a:t>Basic</a:t>
+            </a:r>
+            <a:r>
+              <a:rPr lang="vi-VN" dirty="0">
+                <a:latin typeface="Regular"/>
+              </a:rPr>
+              <a:t> </a:t>
+            </a:r>
+            <a:r>
+              <a:rPr lang="vi-VN" dirty="0" err="1">
+                <a:latin typeface="Regular"/>
+              </a:rPr>
+              <a:t>Snapshotting</a:t>
+            </a:r>
+            <a:endParaRPr dirty="0">
+              <a:latin typeface="Regular"/>
+            </a:endParaRPr>
           </a:p>
         </p:txBody>
       </p:sp>
@@ -6149,23 +8452,91 @@
         </p:nvSpPr>
         <p:spPr/>
         <p:txBody>
-          <a:bodyPr/>
-          <a:lstStyle/>
-          <a:p>
-            <a:r>
-              <a:rPr dirty="0"/>
-              <a:t>git add, git commit</a:t>
-            </a:r>
-            <a:r>
-              <a:rPr lang="vi-VN" dirty="0"/>
+          <a:bodyPr>
+            <a:normAutofit/>
+          </a:bodyPr>
+          <a:lstStyle/>
+          <a:p>
+            <a:r>
+              <a:rPr lang="vi-VN" dirty="0" err="1">
+                <a:latin typeface="Regular"/>
+              </a:rPr>
+              <a:t>git</a:t>
+            </a:r>
+            <a:r>
+              <a:rPr lang="vi-VN" dirty="0">
+                <a:latin typeface="Regular"/>
+              </a:rPr>
               <a:t> </a:t>
             </a:r>
-          </a:p>
-          <a:p>
             <a:r>
               <a:rPr lang="vi-VN" dirty="0" err="1">
                 <a:latin typeface="Regular"/>
               </a:rPr>
+              <a:t>add</a:t>
+            </a:r>
+            <a:r>
+              <a:rPr lang="vi-VN" dirty="0">
+                <a:latin typeface="Regular"/>
+              </a:rPr>
+              <a:t> .  </a:t>
+            </a:r>
+          </a:p>
+          <a:p>
+            <a:pPr marL="0" indent="0">
+              <a:buNone/>
+            </a:pPr>
+            <a:r>
+              <a:rPr lang="vi-VN" sz="2400" dirty="0" err="1">
+                <a:latin typeface="Regular"/>
+              </a:rPr>
+              <a:t>add</a:t>
+            </a:r>
+            <a:r>
+              <a:rPr lang="vi-VN" sz="2400" dirty="0">
+                <a:latin typeface="Regular"/>
+              </a:rPr>
+              <a:t> </a:t>
+            </a:r>
+            <a:r>
+              <a:rPr lang="vi-VN" sz="2400" dirty="0" err="1">
+                <a:latin typeface="Regular"/>
+              </a:rPr>
+              <a:t>all</a:t>
+            </a:r>
+            <a:r>
+              <a:rPr lang="vi-VN" sz="2400" dirty="0">
+                <a:latin typeface="Regular"/>
+              </a:rPr>
+              <a:t> </a:t>
+            </a:r>
+            <a:r>
+              <a:rPr lang="vi-VN" sz="2400" dirty="0" err="1">
+                <a:latin typeface="Regular"/>
+              </a:rPr>
+              <a:t>files</a:t>
+            </a:r>
+            <a:r>
+              <a:rPr lang="vi-VN" sz="2400" dirty="0">
+                <a:latin typeface="Regular"/>
+              </a:rPr>
+              <a:t> to </a:t>
+            </a:r>
+            <a:r>
+              <a:rPr lang="vi-VN" sz="2400" dirty="0" err="1">
+                <a:latin typeface="Regular"/>
+              </a:rPr>
+              <a:t>staging</a:t>
+            </a:r>
+            <a:endParaRPr lang="vi-VN" sz="2400" dirty="0">
+              <a:latin typeface="Regular"/>
+            </a:endParaRPr>
+          </a:p>
+          <a:p>
+            <a:r>
+              <a:rPr lang="vi-VN" dirty="0" err="1">
+                <a:latin typeface="Regular"/>
+              </a:rPr>
               <a:t>git</a:t>
             </a:r>
             <a:r>
@@ -6184,15 +8555,79 @@
               <a:rPr lang="vi-VN" dirty="0">
                 <a:latin typeface="Regular"/>
               </a:rPr>
-              <a:t> .  (</a:t>
+              <a:t> &lt;</a:t>
             </a:r>
             <a:r>
               <a:rPr lang="vi-VN" dirty="0" err="1">
                 <a:latin typeface="Regular"/>
               </a:rPr>
+              <a:t>file</a:t>
+            </a:r>
+            <a:r>
+              <a:rPr lang="vi-VN" dirty="0">
+                <a:latin typeface="Regular"/>
+              </a:rPr>
+              <a:t>&gt;</a:t>
+            </a:r>
+          </a:p>
+          <a:p>
+            <a:pPr marL="0" indent="0">
+              <a:buNone/>
+            </a:pPr>
+            <a:r>
+              <a:rPr lang="vi-VN" sz="2600" dirty="0" err="1">
+                <a:latin typeface="Regular"/>
+              </a:rPr>
               <a:t>add</a:t>
             </a:r>
             <a:r>
+              <a:rPr lang="vi-VN" sz="2600" dirty="0">
+                <a:latin typeface="Regular"/>
+              </a:rPr>
+              <a:t> </a:t>
+            </a:r>
+            <a:r>
+              <a:rPr lang="vi-VN" sz="2600" dirty="0" err="1">
+                <a:latin typeface="Regular"/>
+              </a:rPr>
+              <a:t>specific</a:t>
+            </a:r>
+            <a:r>
+              <a:rPr lang="vi-VN" sz="2600" dirty="0">
+                <a:latin typeface="Regular"/>
+              </a:rPr>
+              <a:t> </a:t>
+            </a:r>
+            <a:r>
+              <a:rPr lang="vi-VN" sz="2600" dirty="0" err="1">
+                <a:latin typeface="Regular"/>
+              </a:rPr>
+              <a:t>file</a:t>
+            </a:r>
+            <a:r>
+              <a:rPr lang="vi-VN" sz="2600" dirty="0">
+                <a:latin typeface="Regular"/>
+              </a:rPr>
+              <a:t> to </a:t>
+            </a:r>
+            <a:r>
+              <a:rPr lang="vi-VN" sz="2600" dirty="0" err="1">
+                <a:latin typeface="Regular"/>
+              </a:rPr>
+              <a:t>staging</a:t>
+            </a:r>
+            <a:endParaRPr lang="vi-VN" sz="2600" dirty="0">
+              <a:latin typeface="Regular"/>
+            </a:endParaRPr>
+          </a:p>
+          <a:p>
+            <a:r>
+              <a:rPr lang="vi-VN" dirty="0" err="1">
+                <a:latin typeface="Regular"/>
+              </a:rPr>
+              <a:t>git</a:t>
+            </a:r>
+            <a:r>
               <a:rPr lang="vi-VN" dirty="0">
                 <a:latin typeface="Regular"/>
               </a:rPr>
@@ -6202,100 +8637,140 @@
               <a:rPr lang="vi-VN" dirty="0" err="1">
                 <a:latin typeface="Regular"/>
               </a:rPr>
-              <a:t>all</a:t>
+              <a:t>restore</a:t>
             </a:r>
             <a:r>
               <a:rPr lang="vi-VN" dirty="0">
                 <a:latin typeface="Regular"/>
               </a:rPr>
+              <a:t> .</a:t>
+            </a:r>
+          </a:p>
+          <a:p>
+            <a:pPr marL="0" indent="0">
+              <a:buNone/>
+            </a:pPr>
+            <a:r>
+              <a:rPr lang="vi-VN" sz="2400" dirty="0" err="1">
+                <a:latin typeface="Regular"/>
+              </a:rPr>
+              <a:t>Restore</a:t>
+            </a:r>
+            <a:r>
+              <a:rPr lang="vi-VN" sz="2400" dirty="0">
+                <a:latin typeface="Regular"/>
+              </a:rPr>
               <a:t> </a:t>
             </a:r>
             <a:r>
+              <a:rPr lang="vi-VN" sz="2400" dirty="0" err="1">
+                <a:latin typeface="Regular"/>
+              </a:rPr>
+              <a:t>working</a:t>
+            </a:r>
+            <a:r>
+              <a:rPr lang="vi-VN" sz="2400" dirty="0">
+                <a:latin typeface="Regular"/>
+              </a:rPr>
+              <a:t> </a:t>
+            </a:r>
+            <a:r>
+              <a:rPr lang="vi-VN" sz="2400" dirty="0" err="1">
+                <a:latin typeface="Regular"/>
+              </a:rPr>
+              <a:t>tree</a:t>
+            </a:r>
+            <a:r>
+              <a:rPr lang="vi-VN" sz="2400" dirty="0">
+                <a:latin typeface="Regular"/>
+              </a:rPr>
+              <a:t> </a:t>
+            </a:r>
+            <a:r>
+              <a:rPr lang="vi-VN" sz="2400" dirty="0" err="1">
+                <a:latin typeface="Regular"/>
+              </a:rPr>
+              <a:t>files</a:t>
+            </a:r>
+            <a:endParaRPr lang="vi-VN" sz="2400" dirty="0">
+              <a:latin typeface="Regular"/>
+            </a:endParaRPr>
+          </a:p>
+          <a:p>
+            <a:r>
               <a:rPr lang="vi-VN" dirty="0" err="1">
                 <a:latin typeface="Regular"/>
               </a:rPr>
-              <a:t>file</a:t>
+              <a:t>git</a:t>
             </a:r>
             <a:r>
               <a:rPr lang="vi-VN" dirty="0">
                 <a:latin typeface="Regular"/>
               </a:rPr>
-              <a:t> to </a:t>
+              <a:t> </a:t>
             </a:r>
             <a:r>
               <a:rPr lang="vi-VN" dirty="0" err="1">
                 <a:latin typeface="Regular"/>
               </a:rPr>
+              <a:t>restore</a:t>
+            </a:r>
+            <a:r>
+              <a:rPr lang="vi-VN" dirty="0">
+                <a:latin typeface="Regular"/>
+              </a:rPr>
+              <a:t> --</a:t>
+            </a:r>
+            <a:r>
+              <a:rPr lang="vi-VN" dirty="0" err="1">
+                <a:latin typeface="Regular"/>
+              </a:rPr>
+              <a:t>staged</a:t>
+            </a:r>
+            <a:r>
+              <a:rPr lang="vi-VN" dirty="0">
+                <a:latin typeface="Regular"/>
+              </a:rPr>
+              <a:t> .</a:t>
+            </a:r>
+          </a:p>
+          <a:p>
+            <a:pPr marL="0" indent="0">
+              <a:buNone/>
+            </a:pPr>
+            <a:r>
+              <a:rPr lang="vi-VN" sz="2400" dirty="0" err="1">
+                <a:latin typeface="Regular"/>
+              </a:rPr>
+              <a:t>Restore</a:t>
+            </a:r>
+            <a:r>
+              <a:rPr lang="vi-VN" sz="2400" dirty="0">
+                <a:latin typeface="Regular"/>
+              </a:rPr>
+              <a:t> in </a:t>
+            </a:r>
+            <a:r>
+              <a:rPr lang="vi-VN" sz="2400" dirty="0" err="1">
+                <a:latin typeface="Regular"/>
+              </a:rPr>
               <a:t>staging</a:t>
             </a:r>
             <a:r>
-              <a:rPr lang="vi-VN" dirty="0">
-                <a:latin typeface="Regular"/>
-              </a:rPr>
-              <a:t>)</a:t>
-            </a:r>
-          </a:p>
-          <a:p>
-            <a:r>
-              <a:rPr lang="vi-VN" dirty="0" err="1">
-                <a:latin typeface="Regular"/>
-              </a:rPr>
-              <a:t>git</a:t>
-            </a:r>
-            <a:r>
-              <a:rPr lang="vi-VN" dirty="0">
+              <a:rPr lang="vi-VN" sz="2400" dirty="0">
                 <a:latin typeface="Regular"/>
               </a:rPr>
               <a:t> </a:t>
             </a:r>
             <a:r>
-              <a:rPr lang="vi-VN" dirty="0" err="1">
-                <a:latin typeface="Regular"/>
-              </a:rPr>
-              <a:t>add</a:t>
-            </a:r>
-            <a:r>
-              <a:rPr lang="vi-VN" dirty="0">
-                <a:latin typeface="Regular"/>
-              </a:rPr>
-              <a:t> hello.txt (</a:t>
-            </a:r>
-            <a:r>
-              <a:rPr lang="vi-VN" dirty="0" err="1">
-                <a:latin typeface="Regular"/>
-              </a:rPr>
-              <a:t>add</a:t>
-            </a:r>
-            <a:r>
-              <a:rPr lang="vi-VN" dirty="0">
-                <a:latin typeface="Regular"/>
-              </a:rPr>
-              <a:t> </a:t>
-            </a:r>
-            <a:r>
-              <a:rPr lang="vi-VN" dirty="0" err="1">
-                <a:latin typeface="Regular"/>
-              </a:rPr>
-              <a:t>specific</a:t>
-            </a:r>
-            <a:r>
-              <a:rPr lang="vi-VN" dirty="0">
-                <a:latin typeface="Regular"/>
-              </a:rPr>
-              <a:t> </a:t>
-            </a:r>
-            <a:r>
-              <a:rPr lang="vi-VN" dirty="0" err="1">
-                <a:latin typeface="Regular"/>
-              </a:rPr>
-              <a:t>file</a:t>
-            </a:r>
-            <a:r>
-              <a:rPr lang="vi-VN" dirty="0">
-                <a:latin typeface="Regular"/>
-              </a:rPr>
-              <a:t>)</a:t>
-            </a:r>
+              <a:rPr lang="vi-VN" sz="2400" dirty="0" err="1">
+                <a:latin typeface="Regular"/>
+              </a:rPr>
+              <a:t>files</a:t>
+            </a:r>
+            <a:endParaRPr lang="vi-VN" sz="2400" dirty="0">
+              <a:latin typeface="Regular"/>
+            </a:endParaRPr>
           </a:p>
           <a:p>
             <a:endParaRPr lang="vi-VN" dirty="0">
@@ -6303,149 +8778,18 @@
             </a:endParaRPr>
           </a:p>
           <a:p>
-            <a:r>
-              <a:rPr lang="vi-VN" dirty="0" err="1">
-                <a:latin typeface="Regular"/>
-              </a:rPr>
-              <a:t>git</a:t>
-            </a:r>
-            <a:r>
-              <a:rPr lang="vi-VN" dirty="0">
-                <a:latin typeface="Regular"/>
-              </a:rPr>
-              <a:t> </a:t>
-            </a:r>
-            <a:r>
-              <a:rPr lang="vi-VN" dirty="0" err="1">
-                <a:latin typeface="Regular"/>
-              </a:rPr>
-              <a:t>commit</a:t>
-            </a:r>
-            <a:r>
-              <a:rPr lang="vi-VN" dirty="0">
-                <a:latin typeface="Regular"/>
-              </a:rPr>
-              <a:t> -m “</a:t>
-            </a:r>
-            <a:r>
-              <a:rPr lang="vi-VN" dirty="0" err="1">
-                <a:latin typeface="Regular"/>
-              </a:rPr>
-              <a:t>message</a:t>
-            </a:r>
-            <a:r>
-              <a:rPr lang="vi-VN" dirty="0">
-                <a:latin typeface="Regular"/>
-              </a:rPr>
-              <a:t>”</a:t>
-            </a:r>
-          </a:p>
-          <a:p>
-            <a:r>
-              <a:rPr lang="vi-VN" dirty="0" err="1">
-                <a:latin typeface="Regular"/>
-              </a:rPr>
-              <a:t>git</a:t>
-            </a:r>
-            <a:r>
-              <a:rPr lang="vi-VN" dirty="0">
-                <a:latin typeface="Regular"/>
-              </a:rPr>
-              <a:t> </a:t>
-            </a:r>
-            <a:r>
-              <a:rPr lang="vi-VN" dirty="0" err="1">
-                <a:latin typeface="Regular"/>
-              </a:rPr>
-              <a:t>commit</a:t>
-            </a:r>
-            <a:r>
-              <a:rPr lang="vi-VN" dirty="0">
-                <a:latin typeface="Regular"/>
-              </a:rPr>
-              <a:t> -am “</a:t>
-            </a:r>
-            <a:r>
-              <a:rPr lang="vi-VN" dirty="0" err="1">
-                <a:latin typeface="Regular"/>
-              </a:rPr>
-              <a:t>message</a:t>
-            </a:r>
-            <a:r>
-              <a:rPr lang="vi-VN" dirty="0">
-                <a:latin typeface="Regular"/>
-              </a:rPr>
-              <a:t>” (</a:t>
-            </a:r>
-            <a:r>
-              <a:rPr lang="vi-VN" dirty="0" err="1">
-                <a:latin typeface="Regular"/>
-              </a:rPr>
-              <a:t>add</a:t>
-            </a:r>
-            <a:r>
-              <a:rPr lang="vi-VN" dirty="0">
-                <a:latin typeface="Regular"/>
-              </a:rPr>
-              <a:t> + </a:t>
-            </a:r>
-            <a:r>
-              <a:rPr lang="vi-VN" dirty="0" err="1">
-                <a:latin typeface="Regular"/>
-              </a:rPr>
-              <a:t>commit</a:t>
-            </a:r>
-            <a:r>
-              <a:rPr lang="vi-VN" dirty="0">
-                <a:latin typeface="Regular"/>
-              </a:rPr>
-              <a:t>)</a:t>
-            </a:r>
-          </a:p>
-          <a:p>
-            <a:r>
-              <a:rPr lang="vi-VN" dirty="0" err="1">
-                <a:latin typeface="Regular"/>
-              </a:rPr>
-              <a:t>git</a:t>
-            </a:r>
-            <a:r>
-              <a:rPr lang="vi-VN" dirty="0">
-                <a:latin typeface="Regular"/>
-              </a:rPr>
-              <a:t> </a:t>
-            </a:r>
-            <a:r>
-              <a:rPr lang="vi-VN" dirty="0" err="1">
-                <a:latin typeface="Regular"/>
-              </a:rPr>
-              <a:t>commit</a:t>
-            </a:r>
-            <a:r>
-              <a:rPr lang="vi-VN" dirty="0">
-                <a:latin typeface="Regular"/>
-              </a:rPr>
-              <a:t> --</a:t>
-            </a:r>
-            <a:r>
-              <a:rPr lang="vi-VN" dirty="0" err="1">
-                <a:latin typeface="Regular"/>
-              </a:rPr>
-              <a:t>amend</a:t>
-            </a:r>
-            <a:r>
-              <a:rPr lang="vi-VN" dirty="0">
-                <a:latin typeface="Regular"/>
-              </a:rPr>
-              <a:t>  --no-</a:t>
-            </a:r>
-            <a:r>
-              <a:rPr lang="vi-VN" dirty="0" err="1">
-                <a:latin typeface="Regular"/>
-              </a:rPr>
-              <a:t>edit</a:t>
-            </a:r>
-            <a:endParaRPr dirty="0">
+            <a:pPr marL="0" indent="0">
+              <a:buNone/>
+            </a:pPr>
+            <a:endParaRPr lang="vi-VN" sz="2600" dirty="0">
+              <a:latin typeface="Regular"/>
+            </a:endParaRPr>
+          </a:p>
+          <a:p>
+            <a:pPr marL="0" indent="0">
+              <a:buNone/>
+            </a:pPr>
+            <a:endParaRPr lang="vi-VN" dirty="0">
               <a:latin typeface="Regular"/>
             </a:endParaRPr>
           </a:p>
@@ -6465,6 +8809,368 @@
 </file>
 
 <file path=ppt/slides/slide8.xml><?xml version="1.0" encoding="utf-8"?>
+<p:sld xmlns:a="http://schemas.openxmlformats.org/drawingml/2006/main" xmlns:r="http://schemas.openxmlformats.org/officeDocument/2006/relationships" xmlns:p="http://schemas.openxmlformats.org/presentationml/2006/main">
+  <p:cSld>
+    <p:spTree>
+      <p:nvGrpSpPr>
+        <p:cNvPr id="1" name="">
+          <a:extLst>
+            <a:ext uri="{FF2B5EF4-FFF2-40B4-BE49-F238E27FC236}">
+              <a16:creationId xmlns:a16="http://schemas.microsoft.com/office/drawing/2014/main" id="{D507A7F6-C8A1-47F4-587A-39468A50D3F7}"/>
+            </a:ext>
+          </a:extLst>
+        </p:cNvPr>
+        <p:cNvGrpSpPr/>
+        <p:nvPr/>
+      </p:nvGrpSpPr>
+      <p:grpSpPr>
+        <a:xfrm>
+          <a:off x="0" y="0"/>
+          <a:ext cx="0" cy="0"/>
+          <a:chOff x="0" y="0"/>
+          <a:chExt cx="0" cy="0"/>
+        </a:xfrm>
+      </p:grpSpPr>
+      <p:sp>
+        <p:nvSpPr>
+          <p:cNvPr id="2" name="Title 1">
+            <a:extLst>
+              <a:ext uri="{FF2B5EF4-FFF2-40B4-BE49-F238E27FC236}">
+                <a16:creationId xmlns:a16="http://schemas.microsoft.com/office/drawing/2014/main" id="{17E8887F-4D83-2DA0-487F-08EBBFBFC2EB}"/>
+              </a:ext>
+            </a:extLst>
+          </p:cNvPr>
+          <p:cNvSpPr>
+            <a:spLocks noGrp="1"/>
+          </p:cNvSpPr>
+          <p:nvPr>
+            <p:ph type="title"/>
+          </p:nvPr>
+        </p:nvSpPr>
+        <p:spPr/>
+        <p:txBody>
+          <a:bodyPr/>
+          <a:lstStyle/>
+          <a:p>
+            <a:r>
+              <a:rPr lang="vi-VN" dirty="0" err="1">
+                <a:latin typeface="Regular"/>
+              </a:rPr>
+              <a:t>Basic</a:t>
+            </a:r>
+            <a:r>
+              <a:rPr lang="vi-VN" dirty="0">
+                <a:latin typeface="Regular"/>
+              </a:rPr>
+              <a:t> </a:t>
+            </a:r>
+            <a:r>
+              <a:rPr lang="vi-VN" dirty="0" err="1">
+                <a:latin typeface="Regular"/>
+              </a:rPr>
+              <a:t>Snapshotting</a:t>
+            </a:r>
+            <a:endParaRPr dirty="0">
+              <a:latin typeface="Regular"/>
+            </a:endParaRPr>
+          </a:p>
+        </p:txBody>
+      </p:sp>
+      <p:sp>
+        <p:nvSpPr>
+          <p:cNvPr id="3" name="Content Placeholder 2">
+            <a:extLst>
+              <a:ext uri="{FF2B5EF4-FFF2-40B4-BE49-F238E27FC236}">
+                <a16:creationId xmlns:a16="http://schemas.microsoft.com/office/drawing/2014/main" id="{FFAA0356-1240-C05F-4476-278F378B9230}"/>
+              </a:ext>
+            </a:extLst>
+          </p:cNvPr>
+          <p:cNvSpPr>
+            <a:spLocks noGrp="1"/>
+          </p:cNvSpPr>
+          <p:nvPr>
+            <p:ph idx="1"/>
+          </p:nvPr>
+        </p:nvSpPr>
+        <p:spPr/>
+        <p:txBody>
+          <a:bodyPr>
+            <a:normAutofit/>
+          </a:bodyPr>
+          <a:lstStyle/>
+          <a:p>
+            <a:r>
+              <a:rPr lang="vi-VN" dirty="0" err="1">
+                <a:latin typeface="Regular"/>
+              </a:rPr>
+              <a:t>git</a:t>
+            </a:r>
+            <a:r>
+              <a:rPr lang="vi-VN" dirty="0">
+                <a:latin typeface="Regular"/>
+              </a:rPr>
+              <a:t> </a:t>
+            </a:r>
+            <a:r>
+              <a:rPr lang="vi-VN" dirty="0" err="1">
+                <a:latin typeface="Regular"/>
+              </a:rPr>
+              <a:t>commit</a:t>
+            </a:r>
+            <a:r>
+              <a:rPr lang="vi-VN" dirty="0">
+                <a:latin typeface="Regular"/>
+              </a:rPr>
+              <a:t> -m “</a:t>
+            </a:r>
+            <a:r>
+              <a:rPr lang="vi-VN" dirty="0" err="1">
+                <a:latin typeface="Regular"/>
+              </a:rPr>
+              <a:t>message</a:t>
+            </a:r>
+            <a:r>
+              <a:rPr lang="vi-VN" dirty="0">
+                <a:latin typeface="Regular"/>
+              </a:rPr>
+              <a:t>”</a:t>
+            </a:r>
+          </a:p>
+          <a:p>
+            <a:pPr marL="0" indent="0">
+              <a:buNone/>
+            </a:pPr>
+            <a:r>
+              <a:rPr lang="en-US" sz="2400" dirty="0">
+                <a:latin typeface="Regular"/>
+              </a:rPr>
+              <a:t>Record changes to the repository</a:t>
+            </a:r>
+            <a:endParaRPr lang="vi-VN" sz="2400" dirty="0">
+              <a:latin typeface="Regular"/>
+            </a:endParaRPr>
+          </a:p>
+          <a:p>
+            <a:r>
+              <a:rPr lang="vi-VN" dirty="0" err="1">
+                <a:latin typeface="Regular"/>
+              </a:rPr>
+              <a:t>git</a:t>
+            </a:r>
+            <a:r>
+              <a:rPr lang="vi-VN" dirty="0">
+                <a:latin typeface="Regular"/>
+              </a:rPr>
+              <a:t> </a:t>
+            </a:r>
+            <a:r>
+              <a:rPr lang="vi-VN" dirty="0" err="1">
+                <a:latin typeface="Regular"/>
+              </a:rPr>
+              <a:t>commit</a:t>
+            </a:r>
+            <a:r>
+              <a:rPr lang="vi-VN" dirty="0">
+                <a:latin typeface="Regular"/>
+              </a:rPr>
+              <a:t> -am “</a:t>
+            </a:r>
+            <a:r>
+              <a:rPr lang="vi-VN" dirty="0" err="1">
+                <a:latin typeface="Regular"/>
+              </a:rPr>
+              <a:t>message</a:t>
+            </a:r>
+            <a:r>
+              <a:rPr lang="vi-VN" dirty="0">
+                <a:latin typeface="Regular"/>
+              </a:rPr>
+              <a:t>” </a:t>
+            </a:r>
+          </a:p>
+          <a:p>
+            <a:pPr marL="0" indent="0">
+              <a:buNone/>
+            </a:pPr>
+            <a:r>
+              <a:rPr lang="vi-VN" sz="2400" dirty="0" err="1">
+                <a:latin typeface="Regular"/>
+              </a:rPr>
+              <a:t>add</a:t>
+            </a:r>
+            <a:r>
+              <a:rPr lang="vi-VN" sz="2400" dirty="0">
+                <a:latin typeface="Regular"/>
+              </a:rPr>
+              <a:t> + </a:t>
+            </a:r>
+            <a:r>
+              <a:rPr lang="vi-VN" sz="2400" dirty="0" err="1">
+                <a:latin typeface="Regular"/>
+              </a:rPr>
+              <a:t>commit</a:t>
+            </a:r>
+            <a:endParaRPr lang="vi-VN" sz="2400" dirty="0">
+              <a:latin typeface="Regular"/>
+            </a:endParaRPr>
+          </a:p>
+          <a:p>
+            <a:r>
+              <a:rPr lang="vi-VN" dirty="0" err="1">
+                <a:latin typeface="Regular"/>
+              </a:rPr>
+              <a:t>git</a:t>
+            </a:r>
+            <a:r>
+              <a:rPr lang="vi-VN" dirty="0">
+                <a:latin typeface="Regular"/>
+              </a:rPr>
+              <a:t> </a:t>
+            </a:r>
+            <a:r>
+              <a:rPr lang="vi-VN" dirty="0" err="1">
+                <a:latin typeface="Regular"/>
+              </a:rPr>
+              <a:t>commit</a:t>
+            </a:r>
+            <a:r>
+              <a:rPr lang="vi-VN" dirty="0">
+                <a:latin typeface="Regular"/>
+              </a:rPr>
+              <a:t> --</a:t>
+            </a:r>
+            <a:r>
+              <a:rPr lang="vi-VN" dirty="0" err="1">
+                <a:latin typeface="Regular"/>
+              </a:rPr>
+              <a:t>amend</a:t>
+            </a:r>
+            <a:r>
+              <a:rPr lang="vi-VN" dirty="0">
+                <a:latin typeface="Regular"/>
+              </a:rPr>
+              <a:t>  --no-</a:t>
+            </a:r>
+            <a:r>
+              <a:rPr lang="vi-VN" dirty="0" err="1">
+                <a:latin typeface="Regular"/>
+              </a:rPr>
+              <a:t>edit</a:t>
+            </a:r>
+            <a:endParaRPr lang="vi-VN" dirty="0">
+              <a:latin typeface="Regular"/>
+            </a:endParaRPr>
+          </a:p>
+          <a:p>
+            <a:pPr marL="0" indent="0">
+              <a:buNone/>
+            </a:pPr>
+            <a:r>
+              <a:rPr lang="en-US" sz="2400" dirty="0">
+                <a:latin typeface="Regular"/>
+              </a:rPr>
+              <a:t>keeps the old message but updates the content.</a:t>
+            </a:r>
+            <a:endParaRPr lang="vi-VN" sz="2400" dirty="0">
+              <a:latin typeface="Regular"/>
+            </a:endParaRPr>
+          </a:p>
+          <a:p>
+            <a:r>
+              <a:rPr lang="vi-VN" dirty="0" err="1">
+                <a:latin typeface="Regular"/>
+              </a:rPr>
+              <a:t>git</a:t>
+            </a:r>
+            <a:r>
+              <a:rPr lang="vi-VN" dirty="0">
+                <a:latin typeface="Regular"/>
+              </a:rPr>
+              <a:t> </a:t>
+            </a:r>
+            <a:r>
+              <a:rPr lang="vi-VN" dirty="0" err="1">
+                <a:latin typeface="Regular"/>
+              </a:rPr>
+              <a:t>commit</a:t>
+            </a:r>
+            <a:r>
+              <a:rPr lang="vi-VN" dirty="0">
+                <a:latin typeface="Regular"/>
+              </a:rPr>
+              <a:t> --</a:t>
+            </a:r>
+            <a:r>
+              <a:rPr lang="vi-VN" dirty="0" err="1">
+                <a:latin typeface="Regular"/>
+              </a:rPr>
+              <a:t>amend</a:t>
+            </a:r>
+            <a:r>
+              <a:rPr lang="vi-VN" dirty="0">
+                <a:latin typeface="Regular"/>
+              </a:rPr>
+              <a:t> –m “</a:t>
+            </a:r>
+            <a:r>
+              <a:rPr lang="vi-VN" dirty="0" err="1">
+                <a:latin typeface="Regular"/>
+              </a:rPr>
+              <a:t>msg</a:t>
+            </a:r>
+            <a:r>
+              <a:rPr lang="vi-VN" dirty="0">
+                <a:latin typeface="Regular"/>
+              </a:rPr>
+              <a:t>” </a:t>
+            </a:r>
+          </a:p>
+          <a:p>
+            <a:pPr marL="0" indent="0">
+              <a:buNone/>
+            </a:pPr>
+            <a:r>
+              <a:rPr lang="en-US" sz="2400" dirty="0">
+                <a:latin typeface="Regular"/>
+              </a:rPr>
+              <a:t>Replace the tip of the current branch by creating a new commit</a:t>
+            </a:r>
+            <a:endParaRPr lang="vi-VN" sz="2400" dirty="0">
+              <a:latin typeface="Regular"/>
+            </a:endParaRPr>
+          </a:p>
+          <a:p>
+            <a:pPr marL="0" indent="0">
+              <a:buNone/>
+            </a:pPr>
+            <a:endParaRPr lang="vi-VN" dirty="0">
+              <a:latin typeface="Regular"/>
+            </a:endParaRPr>
+          </a:p>
+          <a:p>
+            <a:pPr marL="0" indent="0">
+              <a:buNone/>
+            </a:pPr>
+            <a:endParaRPr dirty="0">
+              <a:latin typeface="Regular"/>
+            </a:endParaRPr>
+          </a:p>
+        </p:txBody>
+      </p:sp>
+    </p:spTree>
+    <p:extLst>
+      <p:ext uri="{BB962C8B-B14F-4D97-AF65-F5344CB8AC3E}">
+        <p14:creationId xmlns:p14="http://schemas.microsoft.com/office/powerpoint/2010/main" val="938296033"/>
+      </p:ext>
+    </p:extLst>
+  </p:cSld>
+  <p:clrMapOvr>
+    <a:masterClrMapping/>
+  </p:clrMapOvr>
+</p:sld>
+</file>
+
+<file path=ppt/slides/slide9.xml><?xml version="1.0" encoding="utf-8"?>
 <p:sld xmlns:a="http://schemas.openxmlformats.org/drawingml/2006/main" xmlns:r="http://schemas.openxmlformats.org/officeDocument/2006/relationships" xmlns:p="http://schemas.openxmlformats.org/presentationml/2006/main">
   <p:cSld>
     <p:spTree>
@@ -6537,8 +9243,84 @@
           <a:p>
             <a:r>
               <a:rPr dirty="0"/>
-              <a:t>git status, git log</a:t>
-            </a:r>
+              <a:t>git status</a:t>
+            </a:r>
+            <a:endParaRPr lang="vi-VN" dirty="0"/>
+          </a:p>
+          <a:p>
+            <a:pPr marL="0" indent="0">
+              <a:buNone/>
+            </a:pPr>
+            <a:r>
+              <a:rPr lang="en-US" sz="2400" dirty="0">
+                <a:latin typeface="Regular"/>
+              </a:rPr>
+              <a:t>Show the working tree status</a:t>
+            </a:r>
+            <a:endParaRPr lang="vi-VN" sz="2400" dirty="0">
+              <a:latin typeface="Regular"/>
+            </a:endParaRPr>
+          </a:p>
+          <a:p>
+            <a:r>
+              <a:rPr lang="vi-VN" dirty="0" err="1">
+                <a:latin typeface="Regular"/>
+              </a:rPr>
+              <a:t>git</a:t>
+            </a:r>
+            <a:r>
+              <a:rPr lang="vi-VN" dirty="0">
+                <a:latin typeface="Regular"/>
+              </a:rPr>
+              <a:t> </a:t>
+            </a:r>
+            <a:r>
+              <a:rPr lang="vi-VN" dirty="0" err="1">
+                <a:latin typeface="Regular"/>
+              </a:rPr>
+              <a:t>log</a:t>
+            </a:r>
+            <a:endParaRPr lang="vi-VN" dirty="0">
+              <a:latin typeface="Regular"/>
+            </a:endParaRPr>
+          </a:p>
+          <a:p>
+            <a:pPr marL="0" indent="0">
+              <a:buNone/>
+            </a:pPr>
+            <a:r>
+              <a:rPr lang="vi-VN" sz="2400" dirty="0" err="1">
+                <a:latin typeface="Regular"/>
+              </a:rPr>
+              <a:t>Show</a:t>
+            </a:r>
+            <a:r>
+              <a:rPr lang="vi-VN" sz="2400" dirty="0">
+                <a:latin typeface="Regular"/>
+              </a:rPr>
+              <a:t> </a:t>
+            </a:r>
+            <a:r>
+              <a:rPr lang="vi-VN" sz="2400" dirty="0" err="1">
+                <a:latin typeface="Regular"/>
+              </a:rPr>
+              <a:t>commit</a:t>
+            </a:r>
+            <a:r>
+              <a:rPr lang="vi-VN" sz="2400" dirty="0">
+                <a:latin typeface="Regular"/>
+              </a:rPr>
+              <a:t> </a:t>
+            </a:r>
+            <a:r>
+              <a:rPr lang="vi-VN" sz="2400" dirty="0" err="1">
+                <a:latin typeface="Regular"/>
+              </a:rPr>
+              <a:t>logs</a:t>
+            </a:r>
+            <a:endParaRPr lang="vi-VN" sz="2400" dirty="0">
+              <a:latin typeface="Regular"/>
+            </a:endParaRPr>
           </a:p>
         </p:txBody>
       </p:sp>
@@ -6548,290 +9330,6 @@
         <p14:creationId xmlns:p14="http://schemas.microsoft.com/office/powerpoint/2010/main" val="4269919485"/>
       </p:ext>
     </p:extLst>
-  </p:cSld>
-  <p:clrMapOvr>
-    <a:masterClrMapping/>
-  </p:clrMapOvr>
-</p:sld>
-</file>
-
-<file path=ppt/slides/slide9.xml><?xml version="1.0" encoding="utf-8"?>
-<p:sld xmlns:a="http://schemas.openxmlformats.org/drawingml/2006/main" xmlns:r="http://schemas.openxmlformats.org/officeDocument/2006/relationships" xmlns:p="http://schemas.openxmlformats.org/presentationml/2006/main">
-  <p:cSld>
-    <p:spTree>
-      <p:nvGrpSpPr>
-        <p:cNvPr id="1" name=""/>
-        <p:cNvGrpSpPr/>
-        <p:nvPr/>
-      </p:nvGrpSpPr>
-      <p:grpSpPr>
-        <a:xfrm>
-          <a:off x="0" y="0"/>
-          <a:ext cx="0" cy="0"/>
-          <a:chOff x="0" y="0"/>
-          <a:chExt cx="0" cy="0"/>
-        </a:xfrm>
-      </p:grpSpPr>
-      <p:sp>
-        <p:nvSpPr>
-          <p:cNvPr id="2" name="Title 1"/>
-          <p:cNvSpPr>
-            <a:spLocks noGrp="1"/>
-          </p:cNvSpPr>
-          <p:nvPr>
-            <p:ph type="title"/>
-          </p:nvPr>
-        </p:nvSpPr>
-        <p:spPr/>
-        <p:txBody>
-          <a:bodyPr/>
-          <a:lstStyle/>
-          <a:p>
-            <a:r>
-              <a:t>Branching</a:t>
-            </a:r>
-          </a:p>
-        </p:txBody>
-      </p:sp>
-      <p:sp>
-        <p:nvSpPr>
-          <p:cNvPr id="3" name="Content Placeholder 2"/>
-          <p:cNvSpPr>
-            <a:spLocks noGrp="1"/>
-          </p:cNvSpPr>
-          <p:nvPr>
-            <p:ph idx="1"/>
-          </p:nvPr>
-        </p:nvSpPr>
-        <p:spPr/>
-        <p:txBody>
-          <a:bodyPr/>
-          <a:lstStyle/>
-          <a:p>
-            <a:r>
-              <a:rPr dirty="0"/>
-              <a:t>git branch</a:t>
-            </a:r>
-            <a:endParaRPr lang="vi-VN" dirty="0"/>
-          </a:p>
-          <a:p>
-            <a:r>
-              <a:rPr lang="vi-VN" dirty="0" err="1">
-                <a:latin typeface="Regular"/>
-              </a:rPr>
-              <a:t>git</a:t>
-            </a:r>
-            <a:r>
-              <a:rPr lang="vi-VN" dirty="0">
-                <a:latin typeface="Regular"/>
-              </a:rPr>
-              <a:t> </a:t>
-            </a:r>
-            <a:r>
-              <a:rPr lang="vi-VN" dirty="0" err="1">
-                <a:latin typeface="Regular"/>
-              </a:rPr>
-              <a:t>branch</a:t>
-            </a:r>
-            <a:r>
-              <a:rPr lang="vi-VN" dirty="0">
-                <a:latin typeface="Regular"/>
-              </a:rPr>
-              <a:t> (</a:t>
-            </a:r>
-            <a:r>
-              <a:rPr lang="vi-VN" dirty="0" err="1">
-                <a:latin typeface="Regular"/>
-              </a:rPr>
-              <a:t>show</a:t>
-            </a:r>
-            <a:r>
-              <a:rPr lang="vi-VN" dirty="0">
-                <a:latin typeface="Regular"/>
-              </a:rPr>
-              <a:t> </a:t>
-            </a:r>
-            <a:r>
-              <a:rPr lang="vi-VN" dirty="0" err="1">
-                <a:latin typeface="Regular"/>
-              </a:rPr>
-              <a:t>all</a:t>
-            </a:r>
-            <a:r>
-              <a:rPr lang="vi-VN" dirty="0">
-                <a:latin typeface="Regular"/>
-              </a:rPr>
-              <a:t> </a:t>
-            </a:r>
-            <a:r>
-              <a:rPr lang="vi-VN" dirty="0" err="1">
-                <a:latin typeface="Regular"/>
-              </a:rPr>
-              <a:t>branches</a:t>
-            </a:r>
-            <a:r>
-              <a:rPr lang="vi-VN" dirty="0">
-                <a:latin typeface="Regular"/>
-              </a:rPr>
-              <a:t>)</a:t>
-            </a:r>
-          </a:p>
-          <a:p>
-            <a:r>
-              <a:rPr lang="vi-VN" dirty="0" err="1">
-                <a:latin typeface="Regular"/>
-              </a:rPr>
-              <a:t>git</a:t>
-            </a:r>
-            <a:r>
-              <a:rPr lang="vi-VN" dirty="0">
-                <a:latin typeface="Regular"/>
-              </a:rPr>
-              <a:t> </a:t>
-            </a:r>
-            <a:r>
-              <a:rPr lang="vi-VN" dirty="0" err="1">
-                <a:latin typeface="Regular"/>
-              </a:rPr>
-              <a:t>branch</a:t>
-            </a:r>
-            <a:r>
-              <a:rPr lang="vi-VN" dirty="0">
-                <a:latin typeface="Regular"/>
-              </a:rPr>
-              <a:t> &lt;</a:t>
-            </a:r>
-            <a:r>
-              <a:rPr lang="vi-VN" dirty="0" err="1">
-                <a:latin typeface="Regular"/>
-              </a:rPr>
-              <a:t>branch-name</a:t>
-            </a:r>
-            <a:r>
-              <a:rPr lang="vi-VN" dirty="0">
-                <a:latin typeface="Regular"/>
-              </a:rPr>
-              <a:t>&gt; (</a:t>
-            </a:r>
-            <a:r>
-              <a:rPr lang="vi-VN" dirty="0" err="1">
-                <a:latin typeface="Regular"/>
-              </a:rPr>
-              <a:t>create</a:t>
-            </a:r>
-            <a:r>
-              <a:rPr lang="vi-VN" dirty="0">
-                <a:latin typeface="Regular"/>
-              </a:rPr>
-              <a:t> </a:t>
-            </a:r>
-            <a:r>
-              <a:rPr lang="vi-VN" dirty="0" err="1">
-                <a:latin typeface="Regular"/>
-              </a:rPr>
-              <a:t>new</a:t>
-            </a:r>
-            <a:r>
-              <a:rPr lang="vi-VN" dirty="0">
-                <a:latin typeface="Regular"/>
-              </a:rPr>
-              <a:t> </a:t>
-            </a:r>
-            <a:r>
-              <a:rPr lang="vi-VN" dirty="0" err="1">
-                <a:latin typeface="Regular"/>
-              </a:rPr>
-              <a:t>branch</a:t>
-            </a:r>
-            <a:r>
-              <a:rPr lang="vi-VN" dirty="0">
-                <a:latin typeface="Regular"/>
-              </a:rPr>
-              <a:t>)</a:t>
-            </a:r>
-          </a:p>
-          <a:p>
-            <a:r>
-              <a:rPr lang="vi-VN" dirty="0" err="1">
-                <a:latin typeface="Regular"/>
-              </a:rPr>
-              <a:t>git</a:t>
-            </a:r>
-            <a:r>
-              <a:rPr lang="vi-VN" dirty="0">
-                <a:latin typeface="Regular"/>
-              </a:rPr>
-              <a:t> </a:t>
-            </a:r>
-            <a:r>
-              <a:rPr lang="vi-VN" dirty="0" err="1">
-                <a:latin typeface="Regular"/>
-              </a:rPr>
-              <a:t>branch</a:t>
-            </a:r>
-            <a:r>
-              <a:rPr lang="vi-VN" dirty="0">
-                <a:latin typeface="Regular"/>
-              </a:rPr>
-              <a:t> –d &lt;</a:t>
-            </a:r>
-            <a:r>
-              <a:rPr lang="vi-VN" dirty="0" err="1">
-                <a:latin typeface="Regular"/>
-              </a:rPr>
-              <a:t>branch-name</a:t>
-            </a:r>
-            <a:r>
-              <a:rPr lang="vi-VN" dirty="0">
-                <a:latin typeface="Regular"/>
-              </a:rPr>
-              <a:t>&gt;</a:t>
-            </a:r>
-          </a:p>
-          <a:p>
-            <a:r>
-              <a:rPr lang="vi-VN" dirty="0" err="1">
-                <a:latin typeface="Regular"/>
-              </a:rPr>
-              <a:t>git</a:t>
-            </a:r>
-            <a:r>
-              <a:rPr lang="vi-VN" dirty="0">
-                <a:latin typeface="Regular"/>
-              </a:rPr>
-              <a:t> </a:t>
-            </a:r>
-            <a:r>
-              <a:rPr lang="vi-VN" dirty="0" err="1">
-                <a:latin typeface="Regular"/>
-              </a:rPr>
-              <a:t>branch</a:t>
-            </a:r>
-            <a:r>
-              <a:rPr lang="vi-VN" dirty="0">
-                <a:latin typeface="Regular"/>
-              </a:rPr>
-              <a:t> –D &lt;</a:t>
-            </a:r>
-            <a:r>
-              <a:rPr lang="vi-VN" dirty="0" err="1">
-                <a:latin typeface="Regular"/>
-              </a:rPr>
-              <a:t>branch-name</a:t>
-            </a:r>
-            <a:r>
-              <a:rPr lang="vi-VN" dirty="0">
-                <a:latin typeface="Regular"/>
-              </a:rPr>
-              <a:t>&gt;</a:t>
-            </a:r>
-            <a:endParaRPr dirty="0">
-              <a:latin typeface="Regular"/>
-            </a:endParaRPr>
-          </a:p>
-        </p:txBody>
-      </p:sp>
-    </p:spTree>
   </p:cSld>
   <p:clrMapOvr>
     <a:masterClrMapping/>
